--- a/powerPoint/به نام خدا).pptx
+++ b/powerPoint/به نام خدا).pptx
@@ -14,8 +14,18 @@
     <p:sldId id="262" r:id="rId8"/>
     <p:sldId id="263" r:id="rId9"/>
     <p:sldId id="264" r:id="rId10"/>
-    <p:sldId id="265" r:id="rId11"/>
-    <p:sldId id="266" r:id="rId12"/>
+    <p:sldId id="269" r:id="rId11"/>
+    <p:sldId id="265" r:id="rId12"/>
+    <p:sldId id="266" r:id="rId13"/>
+    <p:sldId id="267" r:id="rId14"/>
+    <p:sldId id="268" r:id="rId15"/>
+    <p:sldId id="270" r:id="rId16"/>
+    <p:sldId id="271" r:id="rId17"/>
+    <p:sldId id="272" r:id="rId18"/>
+    <p:sldId id="273" r:id="rId19"/>
+    <p:sldId id="274" r:id="rId20"/>
+    <p:sldId id="275" r:id="rId21"/>
+    <p:sldId id="276" r:id="rId22"/>
   </p:sldIdLst>
   <p:sldSz cx="12192000" cy="6858000"/>
   <p:notesSz cx="6858000" cy="9144000"/>
@@ -114,6 +124,11 @@
       </a:defRPr>
     </a:lvl9pPr>
   </p:defaultTextStyle>
+  <p:extLst>
+    <p:ext uri="{EFAFB233-063F-42B5-8137-9DF3F51BA10A}">
+      <p15:sldGuideLst xmlns:p15="http://schemas.microsoft.com/office/powerpoint/2012/main"/>
+    </p:ext>
+  </p:extLst>
 </p:presentation>
 </file>
 
@@ -174,7 +189,7 @@
           <a:noFill/>
           <a:extLst>
             <a:ext uri="{909E8E84-426E-40dd-AFC4-6F175D3DCCD1}">
-              <a14:hiddenFill xmlns:a14="http://schemas.microsoft.com/office/drawing/2010/main" xmlns="">
+              <a14:hiddenFill xmlns="" xmlns:a14="http://schemas.microsoft.com/office/drawing/2010/main">
                 <a:solidFill>
                   <a:srgbClr val="FFFFFF"/>
                 </a:solidFill>
@@ -233,7 +248,7 @@
             </a:ln>
             <a:extLst>
               <a:ext uri="{91240B29-F687-4f45-9708-019B960494DF}">
-                <a14:hiddenLine xmlns:a14="http://schemas.microsoft.com/office/drawing/2010/main" xmlns="" w="9525">
+                <a14:hiddenLine xmlns="" xmlns:a14="http://schemas.microsoft.com/office/drawing/2010/main" w="9525">
                   <a:solidFill>
                     <a:srgbClr val="000000"/>
                   </a:solidFill>
@@ -323,7 +338,7 @@
             </a:ln>
             <a:extLst>
               <a:ext uri="{91240B29-F687-4f45-9708-019B960494DF}">
-                <a14:hiddenLine xmlns:a14="http://schemas.microsoft.com/office/drawing/2010/main" xmlns="" w="9525">
+                <a14:hiddenLine xmlns="" xmlns:a14="http://schemas.microsoft.com/office/drawing/2010/main" w="9525">
                   <a:solidFill>
                     <a:srgbClr val="000000"/>
                   </a:solidFill>
@@ -413,7 +428,7 @@
             </a:ln>
             <a:extLst>
               <a:ext uri="{91240B29-F687-4f45-9708-019B960494DF}">
-                <a14:hiddenLine xmlns:a14="http://schemas.microsoft.com/office/drawing/2010/main" xmlns="" w="9525">
+                <a14:hiddenLine xmlns="" xmlns:a14="http://schemas.microsoft.com/office/drawing/2010/main" w="9525">
                   <a:solidFill>
                     <a:srgbClr val="000000"/>
                   </a:solidFill>
@@ -447,7 +462,7 @@
             </a:ln>
             <a:extLst>
               <a:ext uri="{91240B29-F687-4f45-9708-019B960494DF}">
-                <a14:hiddenLine xmlns:a14="http://schemas.microsoft.com/office/drawing/2010/main" xmlns="" w="9525">
+                <a14:hiddenLine xmlns="" xmlns:a14="http://schemas.microsoft.com/office/drawing/2010/main" w="9525">
                   <a:solidFill>
                     <a:srgbClr val="000000"/>
                   </a:solidFill>
@@ -537,7 +552,7 @@
             </a:ln>
             <a:extLst>
               <a:ext uri="{91240B29-F687-4f45-9708-019B960494DF}">
-                <a14:hiddenLine xmlns:a14="http://schemas.microsoft.com/office/drawing/2010/main" xmlns="" w="9525">
+                <a14:hiddenLine xmlns="" xmlns:a14="http://schemas.microsoft.com/office/drawing/2010/main" w="9525">
                   <a:solidFill>
                     <a:srgbClr val="000000"/>
                   </a:solidFill>
@@ -599,7 +614,7 @@
             </a:ln>
             <a:extLst>
               <a:ext uri="{91240B29-F687-4f45-9708-019B960494DF}">
-                <a14:hiddenLine xmlns:a14="http://schemas.microsoft.com/office/drawing/2010/main" xmlns="" w="9525">
+                <a14:hiddenLine xmlns="" xmlns:a14="http://schemas.microsoft.com/office/drawing/2010/main" w="9525">
                   <a:solidFill>
                     <a:srgbClr val="000000"/>
                   </a:solidFill>
@@ -661,7 +676,7 @@
             </a:ln>
             <a:extLst>
               <a:ext uri="{91240B29-F687-4f45-9708-019B960494DF}">
-                <a14:hiddenLine xmlns:a14="http://schemas.microsoft.com/office/drawing/2010/main" xmlns="" w="9525">
+                <a14:hiddenLine xmlns="" xmlns:a14="http://schemas.microsoft.com/office/drawing/2010/main" w="9525">
                   <a:solidFill>
                     <a:srgbClr val="000000"/>
                   </a:solidFill>
@@ -751,7 +766,7 @@
             </a:ln>
             <a:extLst>
               <a:ext uri="{91240B29-F687-4f45-9708-019B960494DF}">
-                <a14:hiddenLine xmlns:a14="http://schemas.microsoft.com/office/drawing/2010/main" xmlns="" w="9525">
+                <a14:hiddenLine xmlns="" xmlns:a14="http://schemas.microsoft.com/office/drawing/2010/main" w="9525">
                   <a:solidFill>
                     <a:srgbClr val="000000"/>
                   </a:solidFill>
@@ -813,7 +828,7 @@
             </a:ln>
             <a:extLst>
               <a:ext uri="{91240B29-F687-4f45-9708-019B960494DF}">
-                <a14:hiddenLine xmlns:a14="http://schemas.microsoft.com/office/drawing/2010/main" xmlns="" w="9525">
+                <a14:hiddenLine xmlns="" xmlns:a14="http://schemas.microsoft.com/office/drawing/2010/main" w="9525">
                   <a:solidFill>
                     <a:srgbClr val="000000"/>
                   </a:solidFill>
@@ -875,7 +890,7 @@
             </a:ln>
             <a:extLst>
               <a:ext uri="{91240B29-F687-4f45-9708-019B960494DF}">
-                <a14:hiddenLine xmlns:a14="http://schemas.microsoft.com/office/drawing/2010/main" xmlns="" w="9525">
+                <a14:hiddenLine xmlns="" xmlns:a14="http://schemas.microsoft.com/office/drawing/2010/main" w="9525">
                   <a:solidFill>
                     <a:srgbClr val="000000"/>
                   </a:solidFill>
@@ -965,7 +980,7 @@
             </a:ln>
             <a:extLst>
               <a:ext uri="{91240B29-F687-4f45-9708-019B960494DF}">
-                <a14:hiddenLine xmlns:a14="http://schemas.microsoft.com/office/drawing/2010/main" xmlns="" w="9525">
+                <a14:hiddenLine xmlns="" xmlns:a14="http://schemas.microsoft.com/office/drawing/2010/main" w="9525">
                   <a:solidFill>
                     <a:srgbClr val="000000"/>
                   </a:solidFill>
@@ -1055,7 +1070,7 @@
             </a:ln>
             <a:extLst>
               <a:ext uri="{91240B29-F687-4f45-9708-019B960494DF}">
-                <a14:hiddenLine xmlns:a14="http://schemas.microsoft.com/office/drawing/2010/main" xmlns="" w="9525">
+                <a14:hiddenLine xmlns="" xmlns:a14="http://schemas.microsoft.com/office/drawing/2010/main" w="9525">
                   <a:solidFill>
                     <a:srgbClr val="000000"/>
                   </a:solidFill>
@@ -1117,7 +1132,7 @@
             </a:ln>
             <a:extLst>
               <a:ext uri="{91240B29-F687-4f45-9708-019B960494DF}">
-                <a14:hiddenLine xmlns:a14="http://schemas.microsoft.com/office/drawing/2010/main" xmlns="" w="9525">
+                <a14:hiddenLine xmlns="" xmlns:a14="http://schemas.microsoft.com/office/drawing/2010/main" w="9525">
                   <a:solidFill>
                     <a:srgbClr val="000000"/>
                   </a:solidFill>
@@ -1227,7 +1242,7 @@
             </a:ln>
             <a:extLst>
               <a:ext uri="{91240B29-F687-4f45-9708-019B960494DF}">
-                <a14:hiddenLine xmlns:a14="http://schemas.microsoft.com/office/drawing/2010/main" xmlns="" w="9525">
+                <a14:hiddenLine xmlns="" xmlns:a14="http://schemas.microsoft.com/office/drawing/2010/main" w="9525">
                   <a:solidFill>
                     <a:srgbClr val="000000"/>
                   </a:solidFill>
@@ -1289,7 +1304,7 @@
             </a:ln>
             <a:extLst>
               <a:ext uri="{91240B29-F687-4f45-9708-019B960494DF}">
-                <a14:hiddenLine xmlns:a14="http://schemas.microsoft.com/office/drawing/2010/main" xmlns="" w="9525">
+                <a14:hiddenLine xmlns="" xmlns:a14="http://schemas.microsoft.com/office/drawing/2010/main" w="9525">
                   <a:solidFill>
                     <a:srgbClr val="000000"/>
                   </a:solidFill>
@@ -1379,7 +1394,7 @@
             </a:ln>
             <a:extLst>
               <a:ext uri="{91240B29-F687-4f45-9708-019B960494DF}">
-                <a14:hiddenLine xmlns:a14="http://schemas.microsoft.com/office/drawing/2010/main" xmlns="" w="9525">
+                <a14:hiddenLine xmlns="" xmlns:a14="http://schemas.microsoft.com/office/drawing/2010/main" w="9525">
                   <a:solidFill>
                     <a:srgbClr val="000000"/>
                   </a:solidFill>
@@ -1469,7 +1484,7 @@
             </a:ln>
             <a:extLst>
               <a:ext uri="{91240B29-F687-4f45-9708-019B960494DF}">
-                <a14:hiddenLine xmlns:a14="http://schemas.microsoft.com/office/drawing/2010/main" xmlns="" w="9525">
+                <a14:hiddenLine xmlns="" xmlns:a14="http://schemas.microsoft.com/office/drawing/2010/main" w="9525">
                   <a:solidFill>
                     <a:srgbClr val="000000"/>
                   </a:solidFill>
@@ -1531,7 +1546,7 @@
             </a:ln>
             <a:extLst>
               <a:ext uri="{91240B29-F687-4f45-9708-019B960494DF}">
-                <a14:hiddenLine xmlns:a14="http://schemas.microsoft.com/office/drawing/2010/main" xmlns="" w="9525">
+                <a14:hiddenLine xmlns="" xmlns:a14="http://schemas.microsoft.com/office/drawing/2010/main" w="9525">
                   <a:solidFill>
                     <a:srgbClr val="000000"/>
                   </a:solidFill>
@@ -1621,7 +1636,7 @@
             </a:ln>
             <a:extLst>
               <a:ext uri="{91240B29-F687-4f45-9708-019B960494DF}">
-                <a14:hiddenLine xmlns:a14="http://schemas.microsoft.com/office/drawing/2010/main" xmlns="" w="9525">
+                <a14:hiddenLine xmlns="" xmlns:a14="http://schemas.microsoft.com/office/drawing/2010/main" w="9525">
                   <a:solidFill>
                     <a:srgbClr val="000000"/>
                   </a:solidFill>
@@ -1711,7 +1726,7 @@
             </a:ln>
             <a:extLst>
               <a:ext uri="{91240B29-F687-4f45-9708-019B960494DF}">
-                <a14:hiddenLine xmlns:a14="http://schemas.microsoft.com/office/drawing/2010/main" xmlns="" w="9525">
+                <a14:hiddenLine xmlns="" xmlns:a14="http://schemas.microsoft.com/office/drawing/2010/main" w="9525">
                   <a:solidFill>
                     <a:srgbClr val="000000"/>
                   </a:solidFill>
@@ -1767,7 +1782,7 @@
             </a:ln>
             <a:extLst>
               <a:ext uri="{91240B29-F687-4f45-9708-019B960494DF}">
-                <a14:hiddenLine xmlns:a14="http://schemas.microsoft.com/office/drawing/2010/main" xmlns="" w="9525">
+                <a14:hiddenLine xmlns="" xmlns:a14="http://schemas.microsoft.com/office/drawing/2010/main" w="9525">
                   <a:solidFill>
                     <a:srgbClr val="000000"/>
                   </a:solidFill>
@@ -1857,7 +1872,7 @@
             </a:ln>
             <a:extLst>
               <a:ext uri="{91240B29-F687-4f45-9708-019B960494DF}">
-                <a14:hiddenLine xmlns:a14="http://schemas.microsoft.com/office/drawing/2010/main" xmlns="" w="9525">
+                <a14:hiddenLine xmlns="" xmlns:a14="http://schemas.microsoft.com/office/drawing/2010/main" w="9525">
                   <a:solidFill>
                     <a:srgbClr val="000000"/>
                   </a:solidFill>
@@ -1913,7 +1928,7 @@
             </a:ln>
             <a:extLst>
               <a:ext uri="{91240B29-F687-4f45-9708-019B960494DF}">
-                <a14:hiddenLine xmlns:a14="http://schemas.microsoft.com/office/drawing/2010/main" xmlns="" w="9525">
+                <a14:hiddenLine xmlns="" xmlns:a14="http://schemas.microsoft.com/office/drawing/2010/main" w="9525">
                   <a:solidFill>
                     <a:srgbClr val="000000"/>
                   </a:solidFill>
@@ -2003,7 +2018,7 @@
             </a:ln>
             <a:extLst>
               <a:ext uri="{91240B29-F687-4f45-9708-019B960494DF}">
-                <a14:hiddenLine xmlns:a14="http://schemas.microsoft.com/office/drawing/2010/main" xmlns="" w="9525">
+                <a14:hiddenLine xmlns="" xmlns:a14="http://schemas.microsoft.com/office/drawing/2010/main" w="9525">
                   <a:solidFill>
                     <a:srgbClr val="000000"/>
                   </a:solidFill>
@@ -2071,7 +2086,7 @@
             </a:ln>
             <a:extLst>
               <a:ext uri="{91240B29-F687-4f45-9708-019B960494DF}">
-                <a14:hiddenLine xmlns:a14="http://schemas.microsoft.com/office/drawing/2010/main" xmlns="" w="9525">
+                <a14:hiddenLine xmlns="" xmlns:a14="http://schemas.microsoft.com/office/drawing/2010/main" w="9525">
                   <a:solidFill>
                     <a:srgbClr val="000000"/>
                   </a:solidFill>
@@ -2161,7 +2176,7 @@
             </a:ln>
             <a:extLst>
               <a:ext uri="{91240B29-F687-4f45-9708-019B960494DF}">
-                <a14:hiddenLine xmlns:a14="http://schemas.microsoft.com/office/drawing/2010/main" xmlns="" w="9525">
+                <a14:hiddenLine xmlns="" xmlns:a14="http://schemas.microsoft.com/office/drawing/2010/main" w="9525">
                   <a:solidFill>
                     <a:srgbClr val="000000"/>
                   </a:solidFill>
@@ -2229,7 +2244,7 @@
             </a:ln>
             <a:extLst>
               <a:ext uri="{91240B29-F687-4f45-9708-019B960494DF}">
-                <a14:hiddenLine xmlns:a14="http://schemas.microsoft.com/office/drawing/2010/main" xmlns="" w="9525">
+                <a14:hiddenLine xmlns="" xmlns:a14="http://schemas.microsoft.com/office/drawing/2010/main" w="9525">
                   <a:solidFill>
                     <a:srgbClr val="000000"/>
                   </a:solidFill>
@@ -2319,7 +2334,7 @@
             </a:ln>
             <a:extLst>
               <a:ext uri="{91240B29-F687-4f45-9708-019B960494DF}">
-                <a14:hiddenLine xmlns:a14="http://schemas.microsoft.com/office/drawing/2010/main" xmlns="" w="9525">
+                <a14:hiddenLine xmlns="" xmlns:a14="http://schemas.microsoft.com/office/drawing/2010/main" w="9525">
                   <a:solidFill>
                     <a:srgbClr val="000000"/>
                   </a:solidFill>
@@ -2353,7 +2368,7 @@
             </a:ln>
             <a:extLst>
               <a:ext uri="{91240B29-F687-4f45-9708-019B960494DF}">
-                <a14:hiddenLine xmlns:a14="http://schemas.microsoft.com/office/drawing/2010/main" xmlns="" w="9525">
+                <a14:hiddenLine xmlns="" xmlns:a14="http://schemas.microsoft.com/office/drawing/2010/main" w="9525">
                   <a:solidFill>
                     <a:srgbClr val="000000"/>
                   </a:solidFill>
@@ -2443,7 +2458,7 @@
             </a:ln>
             <a:extLst>
               <a:ext uri="{91240B29-F687-4f45-9708-019B960494DF}">
-                <a14:hiddenLine xmlns:a14="http://schemas.microsoft.com/office/drawing/2010/main" xmlns="" w="9525">
+                <a14:hiddenLine xmlns="" xmlns:a14="http://schemas.microsoft.com/office/drawing/2010/main" w="9525">
                   <a:solidFill>
                     <a:srgbClr val="000000"/>
                   </a:solidFill>
@@ -2505,7 +2520,7 @@
             </a:ln>
             <a:extLst>
               <a:ext uri="{91240B29-F687-4f45-9708-019B960494DF}">
-                <a14:hiddenLine xmlns:a14="http://schemas.microsoft.com/office/drawing/2010/main" xmlns="" w="9525">
+                <a14:hiddenLine xmlns="" xmlns:a14="http://schemas.microsoft.com/office/drawing/2010/main" w="9525">
                   <a:solidFill>
                     <a:srgbClr val="000000"/>
                   </a:solidFill>
@@ -2567,7 +2582,7 @@
             </a:ln>
             <a:extLst>
               <a:ext uri="{91240B29-F687-4f45-9708-019B960494DF}">
-                <a14:hiddenLine xmlns:a14="http://schemas.microsoft.com/office/drawing/2010/main" xmlns="" w="9525">
+                <a14:hiddenLine xmlns="" xmlns:a14="http://schemas.microsoft.com/office/drawing/2010/main" w="9525">
                   <a:solidFill>
                     <a:srgbClr val="000000"/>
                   </a:solidFill>
@@ -2657,7 +2672,7 @@
             </a:ln>
             <a:extLst>
               <a:ext uri="{91240B29-F687-4f45-9708-019B960494DF}">
-                <a14:hiddenLine xmlns:a14="http://schemas.microsoft.com/office/drawing/2010/main" xmlns="" w="9525">
+                <a14:hiddenLine xmlns="" xmlns:a14="http://schemas.microsoft.com/office/drawing/2010/main" w="9525">
                   <a:solidFill>
                     <a:srgbClr val="000000"/>
                   </a:solidFill>
@@ -2725,7 +2740,7 @@
             </a:ln>
             <a:extLst>
               <a:ext uri="{91240B29-F687-4f45-9708-019B960494DF}">
-                <a14:hiddenLine xmlns:a14="http://schemas.microsoft.com/office/drawing/2010/main" xmlns="" w="9525">
+                <a14:hiddenLine xmlns="" xmlns:a14="http://schemas.microsoft.com/office/drawing/2010/main" w="9525">
                   <a:solidFill>
                     <a:srgbClr val="000000"/>
                   </a:solidFill>
@@ -2787,7 +2802,7 @@
             </a:ln>
             <a:extLst>
               <a:ext uri="{91240B29-F687-4f45-9708-019B960494DF}">
-                <a14:hiddenLine xmlns:a14="http://schemas.microsoft.com/office/drawing/2010/main" xmlns="" w="9525">
+                <a14:hiddenLine xmlns="" xmlns:a14="http://schemas.microsoft.com/office/drawing/2010/main" w="9525">
                   <a:solidFill>
                     <a:srgbClr val="000000"/>
                   </a:solidFill>
@@ -2877,7 +2892,7 @@
             </a:ln>
             <a:extLst>
               <a:ext uri="{91240B29-F687-4f45-9708-019B960494DF}">
-                <a14:hiddenLine xmlns:a14="http://schemas.microsoft.com/office/drawing/2010/main" xmlns="" w="9525">
+                <a14:hiddenLine xmlns="" xmlns:a14="http://schemas.microsoft.com/office/drawing/2010/main" w="9525">
                   <a:solidFill>
                     <a:srgbClr val="000000"/>
                   </a:solidFill>
@@ -2939,7 +2954,7 @@
             </a:ln>
             <a:extLst>
               <a:ext uri="{91240B29-F687-4f45-9708-019B960494DF}">
-                <a14:hiddenLine xmlns:a14="http://schemas.microsoft.com/office/drawing/2010/main" xmlns="" w="9525">
+                <a14:hiddenLine xmlns="" xmlns:a14="http://schemas.microsoft.com/office/drawing/2010/main" w="9525">
                   <a:solidFill>
                     <a:srgbClr val="000000"/>
                   </a:solidFill>
@@ -3029,7 +3044,7 @@
             </a:ln>
             <a:extLst>
               <a:ext uri="{91240B29-F687-4f45-9708-019B960494DF}">
-                <a14:hiddenLine xmlns:a14="http://schemas.microsoft.com/office/drawing/2010/main" xmlns="" w="9525">
+                <a14:hiddenLine xmlns="" xmlns:a14="http://schemas.microsoft.com/office/drawing/2010/main" w="9525">
                   <a:solidFill>
                     <a:srgbClr val="000000"/>
                   </a:solidFill>
@@ -3091,7 +3106,7 @@
             </a:ln>
             <a:extLst>
               <a:ext uri="{91240B29-F687-4f45-9708-019B960494DF}">
-                <a14:hiddenLine xmlns:a14="http://schemas.microsoft.com/office/drawing/2010/main" xmlns="" w="9525">
+                <a14:hiddenLine xmlns="" xmlns:a14="http://schemas.microsoft.com/office/drawing/2010/main" w="9525">
                   <a:solidFill>
                     <a:srgbClr val="000000"/>
                   </a:solidFill>
@@ -3181,7 +3196,7 @@
             </a:ln>
             <a:extLst>
               <a:ext uri="{91240B29-F687-4f45-9708-019B960494DF}">
-                <a14:hiddenLine xmlns:a14="http://schemas.microsoft.com/office/drawing/2010/main" xmlns="" w="9525">
+                <a14:hiddenLine xmlns="" xmlns:a14="http://schemas.microsoft.com/office/drawing/2010/main" w="9525">
                   <a:solidFill>
                     <a:srgbClr val="000000"/>
                   </a:solidFill>
@@ -3215,7 +3230,7 @@
             </a:ln>
             <a:extLst>
               <a:ext uri="{91240B29-F687-4f45-9708-019B960494DF}">
-                <a14:hiddenLine xmlns:a14="http://schemas.microsoft.com/office/drawing/2010/main" xmlns="" w="9525">
+                <a14:hiddenLine xmlns="" xmlns:a14="http://schemas.microsoft.com/office/drawing/2010/main" w="9525">
                   <a:solidFill>
                     <a:srgbClr val="000000"/>
                   </a:solidFill>
@@ -3280,7 +3295,7 @@
             </a:ln>
             <a:extLst>
               <a:ext uri="{91240B29-F687-4f45-9708-019B960494DF}">
-                <a14:hiddenLine xmlns:a14="http://schemas.microsoft.com/office/drawing/2010/main" xmlns="" w="9525">
+                <a14:hiddenLine xmlns="" xmlns:a14="http://schemas.microsoft.com/office/drawing/2010/main" w="9525">
                   <a:solidFill>
                     <a:srgbClr val="000000"/>
                   </a:solidFill>
@@ -3370,7 +3385,7 @@
             </a:ln>
             <a:extLst>
               <a:ext uri="{91240B29-F687-4f45-9708-019B960494DF}">
-                <a14:hiddenLine xmlns:a14="http://schemas.microsoft.com/office/drawing/2010/main" xmlns="" w="9525">
+                <a14:hiddenLine xmlns="" xmlns:a14="http://schemas.microsoft.com/office/drawing/2010/main" w="9525">
                   <a:solidFill>
                     <a:srgbClr val="000000"/>
                   </a:solidFill>
@@ -3432,7 +3447,7 @@
             </a:ln>
             <a:extLst>
               <a:ext uri="{91240B29-F687-4f45-9708-019B960494DF}">
-                <a14:hiddenLine xmlns:a14="http://schemas.microsoft.com/office/drawing/2010/main" xmlns="" w="9525">
+                <a14:hiddenLine xmlns="" xmlns:a14="http://schemas.microsoft.com/office/drawing/2010/main" w="9525">
                   <a:solidFill>
                     <a:srgbClr val="000000"/>
                   </a:solidFill>
@@ -3522,7 +3537,7 @@
             </a:ln>
             <a:extLst>
               <a:ext uri="{91240B29-F687-4f45-9708-019B960494DF}">
-                <a14:hiddenLine xmlns:a14="http://schemas.microsoft.com/office/drawing/2010/main" xmlns="" w="9525">
+                <a14:hiddenLine xmlns="" xmlns:a14="http://schemas.microsoft.com/office/drawing/2010/main" w="9525">
                   <a:solidFill>
                     <a:srgbClr val="000000"/>
                   </a:solidFill>
@@ -3612,7 +3627,7 @@
             </a:ln>
             <a:extLst>
               <a:ext uri="{91240B29-F687-4f45-9708-019B960494DF}">
-                <a14:hiddenLine xmlns:a14="http://schemas.microsoft.com/office/drawing/2010/main" xmlns="" w="9525">
+                <a14:hiddenLine xmlns="" xmlns:a14="http://schemas.microsoft.com/office/drawing/2010/main" w="9525">
                   <a:solidFill>
                     <a:srgbClr val="000000"/>
                   </a:solidFill>
@@ -3677,7 +3692,7 @@
             </a:ln>
             <a:extLst>
               <a:ext uri="{91240B29-F687-4f45-9708-019B960494DF}">
-                <a14:hiddenLine xmlns:a14="http://schemas.microsoft.com/office/drawing/2010/main" xmlns="" w="9525">
+                <a14:hiddenLine xmlns="" xmlns:a14="http://schemas.microsoft.com/office/drawing/2010/main" w="9525">
                   <a:solidFill>
                     <a:srgbClr val="000000"/>
                   </a:solidFill>
@@ -3739,7 +3754,7 @@
             </a:ln>
             <a:extLst>
               <a:ext uri="{91240B29-F687-4f45-9708-019B960494DF}">
-                <a14:hiddenLine xmlns:a14="http://schemas.microsoft.com/office/drawing/2010/main" xmlns="" w="9525">
+                <a14:hiddenLine xmlns="" xmlns:a14="http://schemas.microsoft.com/office/drawing/2010/main" w="9525">
                   <a:solidFill>
                     <a:srgbClr val="000000"/>
                   </a:solidFill>
@@ -3829,7 +3844,7 @@
             </a:ln>
             <a:extLst>
               <a:ext uri="{91240B29-F687-4f45-9708-019B960494DF}">
-                <a14:hiddenLine xmlns:a14="http://schemas.microsoft.com/office/drawing/2010/main" xmlns="" w="9525">
+                <a14:hiddenLine xmlns="" xmlns:a14="http://schemas.microsoft.com/office/drawing/2010/main" w="9525">
                   <a:solidFill>
                     <a:srgbClr val="000000"/>
                   </a:solidFill>
@@ -3919,7 +3934,7 @@
             </a:ln>
             <a:extLst>
               <a:ext uri="{91240B29-F687-4f45-9708-019B960494DF}">
-                <a14:hiddenLine xmlns:a14="http://schemas.microsoft.com/office/drawing/2010/main" xmlns="" w="9525">
+                <a14:hiddenLine xmlns="" xmlns:a14="http://schemas.microsoft.com/office/drawing/2010/main" w="9525">
                   <a:solidFill>
                     <a:srgbClr val="000000"/>
                   </a:solidFill>
@@ -3981,7 +3996,7 @@
             </a:ln>
             <a:extLst>
               <a:ext uri="{91240B29-F687-4f45-9708-019B960494DF}">
-                <a14:hiddenLine xmlns:a14="http://schemas.microsoft.com/office/drawing/2010/main" xmlns="" w="9525">
+                <a14:hiddenLine xmlns="" xmlns:a14="http://schemas.microsoft.com/office/drawing/2010/main" w="9525">
                   <a:solidFill>
                     <a:srgbClr val="000000"/>
                   </a:solidFill>
@@ -4101,7 +4116,7 @@
             </a:ln>
             <a:extLst>
               <a:ext uri="{91240B29-F687-4f45-9708-019B960494DF}">
-                <a14:hiddenLine xmlns:a14="http://schemas.microsoft.com/office/drawing/2010/main" xmlns="" w="9525">
+                <a14:hiddenLine xmlns="" xmlns:a14="http://schemas.microsoft.com/office/drawing/2010/main" w="9525">
                   <a:solidFill>
                     <a:srgbClr val="000000"/>
                   </a:solidFill>
@@ -4169,7 +4184,7 @@
             </a:ln>
             <a:extLst>
               <a:ext uri="{91240B29-F687-4f45-9708-019B960494DF}">
-                <a14:hiddenLine xmlns:a14="http://schemas.microsoft.com/office/drawing/2010/main" xmlns="" w="9525">
+                <a14:hiddenLine xmlns="" xmlns:a14="http://schemas.microsoft.com/office/drawing/2010/main" w="9525">
                   <a:solidFill>
                     <a:srgbClr val="000000"/>
                   </a:solidFill>
@@ -4259,7 +4274,7 @@
             </a:ln>
             <a:extLst>
               <a:ext uri="{91240B29-F687-4f45-9708-019B960494DF}">
-                <a14:hiddenLine xmlns:a14="http://schemas.microsoft.com/office/drawing/2010/main" xmlns="" w="9525">
+                <a14:hiddenLine xmlns="" xmlns:a14="http://schemas.microsoft.com/office/drawing/2010/main" w="9525">
                   <a:solidFill>
                     <a:srgbClr val="000000"/>
                   </a:solidFill>
@@ -4399,7 +4414,7 @@
           <a:p>
             <a:fld id="{48A87A34-81AB-432B-8DAE-1953F412C126}" type="datetimeFigureOut">
               <a:rPr lang="en-US" dirty="0"/>
-              <a:t>1/25/2020</a:t>
+              <a:t>1/26/2020</a:t>
             </a:fld>
             <a:endParaRPr lang="en-US" dirty="0"/>
           </a:p>
@@ -4661,7 +4676,7 @@
           <a:p>
             <a:fld id="{48A87A34-81AB-432B-8DAE-1953F412C126}" type="datetimeFigureOut">
               <a:rPr lang="en-US" dirty="0"/>
-              <a:t>1/25/2020</a:t>
+              <a:t>1/26/2020</a:t>
             </a:fld>
             <a:endParaRPr lang="en-US" dirty="0"/>
           </a:p>
@@ -4852,7 +4867,7 @@
           <a:p>
             <a:fld id="{48A87A34-81AB-432B-8DAE-1953F412C126}" type="datetimeFigureOut">
               <a:rPr lang="en-US" dirty="0"/>
-              <a:t>1/25/2020</a:t>
+              <a:t>1/26/2020</a:t>
             </a:fld>
             <a:endParaRPr lang="en-US" dirty="0"/>
           </a:p>
@@ -5110,7 +5125,7 @@
           <a:p>
             <a:fld id="{48A87A34-81AB-432B-8DAE-1953F412C126}" type="datetimeFigureOut">
               <a:rPr lang="en-US" dirty="0"/>
-              <a:t>1/25/2020</a:t>
+              <a:t>1/26/2020</a:t>
             </a:fld>
             <a:endParaRPr lang="en-US" dirty="0"/>
           </a:p>
@@ -5539,7 +5554,7 @@
           <a:p>
             <a:fld id="{48A87A34-81AB-432B-8DAE-1953F412C126}" type="datetimeFigureOut">
               <a:rPr lang="en-US" dirty="0"/>
-              <a:t>1/25/2020</a:t>
+              <a:t>1/26/2020</a:t>
             </a:fld>
             <a:endParaRPr lang="en-US" dirty="0"/>
           </a:p>
@@ -6080,7 +6095,7 @@
           <a:p>
             <a:fld id="{48A87A34-81AB-432B-8DAE-1953F412C126}" type="datetimeFigureOut">
               <a:rPr lang="en-US" dirty="0"/>
-              <a:t>1/25/2020</a:t>
+              <a:t>1/26/2020</a:t>
             </a:fld>
             <a:endParaRPr lang="en-US" dirty="0"/>
           </a:p>
@@ -6795,7 +6810,7 @@
           <a:p>
             <a:fld id="{48A87A34-81AB-432B-8DAE-1953F412C126}" type="datetimeFigureOut">
               <a:rPr lang="en-US" dirty="0"/>
-              <a:t>1/25/2020</a:t>
+              <a:t>1/26/2020</a:t>
             </a:fld>
             <a:endParaRPr lang="en-US" dirty="0"/>
           </a:p>
@@ -6960,7 +6975,7 @@
           <a:p>
             <a:fld id="{48A87A34-81AB-432B-8DAE-1953F412C126}" type="datetimeFigureOut">
               <a:rPr lang="en-US" dirty="0"/>
-              <a:t>1/25/2020</a:t>
+              <a:t>1/26/2020</a:t>
             </a:fld>
             <a:endParaRPr lang="en-US" dirty="0"/>
           </a:p>
@@ -7135,7 +7150,7 @@
           <a:p>
             <a:fld id="{48A87A34-81AB-432B-8DAE-1953F412C126}" type="datetimeFigureOut">
               <a:rPr lang="en-US" dirty="0"/>
-              <a:t>1/25/2020</a:t>
+              <a:t>1/26/2020</a:t>
             </a:fld>
             <a:endParaRPr lang="en-US" dirty="0"/>
           </a:p>
@@ -7192,7 +7207,7 @@
 </file>
 
 <file path=ppt/slideLayouts/slideLayout2.xml><?xml version="1.0" encoding="utf-8"?>
-<p:sldLayout xmlns:a="http://schemas.openxmlformats.org/drawingml/2006/main" xmlns:r="http://schemas.openxmlformats.org/officeDocument/2006/relationships" xmlns:p="http://schemas.openxmlformats.org/presentationml/2006/main" type="obj" preserve="1">
+<p:sldLayout xmlns:a="http://schemas.openxmlformats.org/drawingml/2006/main" xmlns:r="http://schemas.openxmlformats.org/officeDocument/2006/relationships" xmlns:p="http://schemas.openxmlformats.org/presentationml/2006/main" preserve="1" userDrawn="1">
   <p:cSld name="Title and Content">
     <p:spTree>
       <p:nvGrpSpPr>
@@ -7210,29 +7225,6 @@
       </p:grpSpPr>
       <p:sp>
         <p:nvSpPr>
-          <p:cNvPr id="2" name="Title 1"/>
-          <p:cNvSpPr>
-            <a:spLocks noGrp="1"/>
-          </p:cNvSpPr>
-          <p:nvPr>
-            <p:ph type="title"/>
-          </p:nvPr>
-        </p:nvSpPr>
-        <p:spPr/>
-        <p:txBody>
-          <a:bodyPr/>
-          <a:lstStyle/>
-          <a:p>
-            <a:r>
-              <a:rPr lang="en-US"/>
-              <a:t>Click to edit Master title style</a:t>
-            </a:r>
-            <a:endParaRPr lang="en-US" dirty="0"/>
-          </a:p>
-        </p:txBody>
-      </p:sp>
-      <p:sp>
-        <p:nvSpPr>
           <p:cNvPr id="3" name="Content Placeholder 2"/>
           <p:cNvSpPr>
             <a:spLocks noGrp="1"/>
@@ -7300,7 +7292,7 @@
           <a:p>
             <a:fld id="{48A87A34-81AB-432B-8DAE-1953F412C126}" type="datetimeFigureOut">
               <a:rPr lang="en-US" dirty="0"/>
-              <a:t>1/25/2020</a:t>
+              <a:t>1/26/2020</a:t>
             </a:fld>
             <a:endParaRPr lang="en-US" dirty="0"/>
           </a:p>
@@ -7345,6 +7337,35 @@
               <a:t>‹#›</a:t>
             </a:fld>
             <a:endParaRPr lang="en-US" dirty="0"/>
+          </a:p>
+        </p:txBody>
+      </p:sp>
+      <p:sp>
+        <p:nvSpPr>
+          <p:cNvPr id="9" name="Title 8">
+            <a:extLst>
+              <a:ext uri="{FF2B5EF4-FFF2-40B4-BE49-F238E27FC236}">
+                <a16:creationId xmlns:a16="http://schemas.microsoft.com/office/drawing/2014/main" id="{C5763A2F-F853-4B2E-965A-2A15FEC62757}"/>
+              </a:ext>
+            </a:extLst>
+          </p:cNvPr>
+          <p:cNvSpPr>
+            <a:spLocks noGrp="1"/>
+          </p:cNvSpPr>
+          <p:nvPr>
+            <p:ph type="title"/>
+          </p:nvPr>
+        </p:nvSpPr>
+        <p:spPr/>
+        <p:txBody>
+          <a:bodyPr/>
+          <a:lstStyle/>
+          <a:p>
+            <a:r>
+              <a:rPr lang="en-US"/>
+              <a:t>Click to edit Master title style</a:t>
+            </a:r>
+            <a:endParaRPr lang="fa-IR"/>
           </a:p>
         </p:txBody>
       </p:sp>
@@ -7545,7 +7566,7 @@
           <a:p>
             <a:fld id="{48A87A34-81AB-432B-8DAE-1953F412C126}" type="datetimeFigureOut">
               <a:rPr lang="en-US" dirty="0"/>
-              <a:t>1/25/2020</a:t>
+              <a:t>1/26/2020</a:t>
             </a:fld>
             <a:endParaRPr lang="en-US" dirty="0"/>
           </a:p>
@@ -7772,7 +7793,7 @@
           <a:p>
             <a:fld id="{48A87A34-81AB-432B-8DAE-1953F412C126}" type="datetimeFigureOut">
               <a:rPr lang="en-US" dirty="0"/>
-              <a:t>1/25/2020</a:t>
+              <a:t>1/26/2020</a:t>
             </a:fld>
             <a:endParaRPr lang="en-US" dirty="0"/>
           </a:p>
@@ -8148,7 +8169,7 @@
           <a:p>
             <a:fld id="{48A87A34-81AB-432B-8DAE-1953F412C126}" type="datetimeFigureOut">
               <a:rPr lang="en-US" dirty="0"/>
-              <a:t>1/25/2020</a:t>
+              <a:t>1/26/2020</a:t>
             </a:fld>
             <a:endParaRPr lang="en-US" dirty="0"/>
           </a:p>
@@ -8261,7 +8282,7 @@
           <a:p>
             <a:fld id="{48A87A34-81AB-432B-8DAE-1953F412C126}" type="datetimeFigureOut">
               <a:rPr lang="en-US" dirty="0"/>
-              <a:t>1/25/2020</a:t>
+              <a:t>1/26/2020</a:t>
             </a:fld>
             <a:endParaRPr lang="en-US" dirty="0"/>
           </a:p>
@@ -8351,7 +8372,7 @@
           <a:p>
             <a:fld id="{48A87A34-81AB-432B-8DAE-1953F412C126}" type="datetimeFigureOut">
               <a:rPr lang="en-US" dirty="0"/>
-              <a:t>1/25/2020</a:t>
+              <a:t>1/26/2020</a:t>
             </a:fld>
             <a:endParaRPr lang="en-US" dirty="0"/>
           </a:p>
@@ -8595,7 +8616,7 @@
           <a:p>
             <a:fld id="{48A87A34-81AB-432B-8DAE-1953F412C126}" type="datetimeFigureOut">
               <a:rPr lang="en-US" dirty="0"/>
-              <a:t>1/25/2020</a:t>
+              <a:t>1/26/2020</a:t>
             </a:fld>
             <a:endParaRPr lang="en-US" dirty="0"/>
           </a:p>
@@ -8870,7 +8891,7 @@
           <a:p>
             <a:fld id="{48A87A34-81AB-432B-8DAE-1953F412C126}" type="datetimeFigureOut">
               <a:rPr lang="en-US" dirty="0"/>
-              <a:t>1/25/2020</a:t>
+              <a:t>1/26/2020</a:t>
             </a:fld>
             <a:endParaRPr lang="en-US" dirty="0"/>
           </a:p>
@@ -8988,7 +9009,7 @@
           <a:noFill/>
           <a:extLst>
             <a:ext uri="{909E8E84-426E-40dd-AFC4-6F175D3DCCD1}">
-              <a14:hiddenFill xmlns:a14="http://schemas.microsoft.com/office/drawing/2010/main" xmlns="">
+              <a14:hiddenFill xmlns="" xmlns:a14="http://schemas.microsoft.com/office/drawing/2010/main">
                 <a:solidFill>
                   <a:srgbClr val="FFFFFF"/>
                 </a:solidFill>
@@ -9062,7 +9083,7 @@
               </a:ln>
               <a:extLst>
                 <a:ext uri="{91240B29-F687-4f45-9708-019B960494DF}">
-                  <a14:hiddenLine xmlns:a14="http://schemas.microsoft.com/office/drawing/2010/main" xmlns="" w="9525">
+                  <a14:hiddenLine xmlns="" xmlns:a14="http://schemas.microsoft.com/office/drawing/2010/main" w="9525">
                     <a:solidFill>
                       <a:srgbClr val="000000"/>
                     </a:solidFill>
@@ -9152,7 +9173,7 @@
               </a:ln>
               <a:extLst>
                 <a:ext uri="{91240B29-F687-4f45-9708-019B960494DF}">
-                  <a14:hiddenLine xmlns:a14="http://schemas.microsoft.com/office/drawing/2010/main" xmlns="" w="9525">
+                  <a14:hiddenLine xmlns="" xmlns:a14="http://schemas.microsoft.com/office/drawing/2010/main" w="9525">
                     <a:solidFill>
                       <a:srgbClr val="000000"/>
                     </a:solidFill>
@@ -9242,7 +9263,7 @@
               </a:ln>
               <a:extLst>
                 <a:ext uri="{91240B29-F687-4f45-9708-019B960494DF}">
-                  <a14:hiddenLine xmlns:a14="http://schemas.microsoft.com/office/drawing/2010/main" xmlns="" w="9525">
+                  <a14:hiddenLine xmlns="" xmlns:a14="http://schemas.microsoft.com/office/drawing/2010/main" w="9525">
                     <a:solidFill>
                       <a:srgbClr val="000000"/>
                     </a:solidFill>
@@ -9304,7 +9325,7 @@
               </a:ln>
               <a:extLst>
                 <a:ext uri="{91240B29-F687-4f45-9708-019B960494DF}">
-                  <a14:hiddenLine xmlns:a14="http://schemas.microsoft.com/office/drawing/2010/main" xmlns="" w="9525">
+                  <a14:hiddenLine xmlns="" xmlns:a14="http://schemas.microsoft.com/office/drawing/2010/main" w="9525">
                     <a:solidFill>
                       <a:srgbClr val="000000"/>
                     </a:solidFill>
@@ -9394,7 +9415,7 @@
               </a:ln>
               <a:extLst>
                 <a:ext uri="{91240B29-F687-4f45-9708-019B960494DF}">
-                  <a14:hiddenLine xmlns:a14="http://schemas.microsoft.com/office/drawing/2010/main" xmlns="" w="9525">
+                  <a14:hiddenLine xmlns="" xmlns:a14="http://schemas.microsoft.com/office/drawing/2010/main" w="9525">
                     <a:solidFill>
                       <a:srgbClr val="000000"/>
                     </a:solidFill>
@@ -9456,7 +9477,7 @@
               </a:ln>
               <a:extLst>
                 <a:ext uri="{91240B29-F687-4f45-9708-019B960494DF}">
-                  <a14:hiddenLine xmlns:a14="http://schemas.microsoft.com/office/drawing/2010/main" xmlns="" w="9525">
+                  <a14:hiddenLine xmlns="" xmlns:a14="http://schemas.microsoft.com/office/drawing/2010/main" w="9525">
                     <a:solidFill>
                       <a:srgbClr val="000000"/>
                     </a:solidFill>
@@ -9518,7 +9539,7 @@
               </a:ln>
               <a:extLst>
                 <a:ext uri="{91240B29-F687-4f45-9708-019B960494DF}">
-                  <a14:hiddenLine xmlns:a14="http://schemas.microsoft.com/office/drawing/2010/main" xmlns="" w="9525">
+                  <a14:hiddenLine xmlns="" xmlns:a14="http://schemas.microsoft.com/office/drawing/2010/main" w="9525">
                     <a:solidFill>
                       <a:srgbClr val="000000"/>
                     </a:solidFill>
@@ -9608,7 +9629,7 @@
               </a:ln>
               <a:extLst>
                 <a:ext uri="{91240B29-F687-4f45-9708-019B960494DF}">
-                  <a14:hiddenLine xmlns:a14="http://schemas.microsoft.com/office/drawing/2010/main" xmlns="" w="9525">
+                  <a14:hiddenLine xmlns="" xmlns:a14="http://schemas.microsoft.com/office/drawing/2010/main" w="9525">
                     <a:solidFill>
                       <a:srgbClr val="000000"/>
                     </a:solidFill>
@@ -9698,7 +9719,7 @@
               </a:ln>
               <a:extLst>
                 <a:ext uri="{91240B29-F687-4f45-9708-019B960494DF}">
-                  <a14:hiddenLine xmlns:a14="http://schemas.microsoft.com/office/drawing/2010/main" xmlns="" w="9525">
+                  <a14:hiddenLine xmlns="" xmlns:a14="http://schemas.microsoft.com/office/drawing/2010/main" w="9525">
                     <a:solidFill>
                       <a:srgbClr val="000000"/>
                     </a:solidFill>
@@ -9760,7 +9781,7 @@
               </a:ln>
               <a:extLst>
                 <a:ext uri="{91240B29-F687-4f45-9708-019B960494DF}">
-                  <a14:hiddenLine xmlns:a14="http://schemas.microsoft.com/office/drawing/2010/main" xmlns="" w="9525">
+                  <a14:hiddenLine xmlns="" xmlns:a14="http://schemas.microsoft.com/office/drawing/2010/main" w="9525">
                     <a:solidFill>
                       <a:srgbClr val="000000"/>
                     </a:solidFill>
@@ -9870,7 +9891,7 @@
               </a:ln>
               <a:extLst>
                 <a:ext uri="{91240B29-F687-4f45-9708-019B960494DF}">
-                  <a14:hiddenLine xmlns:a14="http://schemas.microsoft.com/office/drawing/2010/main" xmlns="" w="9525">
+                  <a14:hiddenLine xmlns="" xmlns:a14="http://schemas.microsoft.com/office/drawing/2010/main" w="9525">
                     <a:solidFill>
                       <a:srgbClr val="000000"/>
                     </a:solidFill>
@@ -9954,7 +9975,7 @@
               </a:ln>
               <a:extLst>
                 <a:ext uri="{91240B29-F687-4f45-9708-019B960494DF}">
-                  <a14:hiddenLine xmlns:a14="http://schemas.microsoft.com/office/drawing/2010/main" xmlns="" w="9525">
+                  <a14:hiddenLine xmlns="" xmlns:a14="http://schemas.microsoft.com/office/drawing/2010/main" w="9525">
                     <a:solidFill>
                       <a:srgbClr val="000000"/>
                     </a:solidFill>
@@ -10016,7 +10037,7 @@
               </a:ln>
               <a:extLst>
                 <a:ext uri="{91240B29-F687-4f45-9708-019B960494DF}">
-                  <a14:hiddenLine xmlns:a14="http://schemas.microsoft.com/office/drawing/2010/main" xmlns="" w="9525">
+                  <a14:hiddenLine xmlns="" xmlns:a14="http://schemas.microsoft.com/office/drawing/2010/main" w="9525">
                     <a:solidFill>
                       <a:srgbClr val="000000"/>
                     </a:solidFill>
@@ -10078,7 +10099,7 @@
               </a:ln>
               <a:extLst>
                 <a:ext uri="{91240B29-F687-4f45-9708-019B960494DF}">
-                  <a14:hiddenLine xmlns:a14="http://schemas.microsoft.com/office/drawing/2010/main" xmlns="" w="9525">
+                  <a14:hiddenLine xmlns="" xmlns:a14="http://schemas.microsoft.com/office/drawing/2010/main" w="9525">
                     <a:solidFill>
                       <a:srgbClr val="000000"/>
                     </a:solidFill>
@@ -10168,7 +10189,7 @@
               </a:ln>
               <a:extLst>
                 <a:ext uri="{91240B29-F687-4f45-9708-019B960494DF}">
-                  <a14:hiddenLine xmlns:a14="http://schemas.microsoft.com/office/drawing/2010/main" xmlns="" w="9525">
+                  <a14:hiddenLine xmlns="" xmlns:a14="http://schemas.microsoft.com/office/drawing/2010/main" w="9525">
                     <a:solidFill>
                       <a:srgbClr val="000000"/>
                     </a:solidFill>
@@ -10202,7 +10223,7 @@
               </a:ln>
               <a:extLst>
                 <a:ext uri="{91240B29-F687-4f45-9708-019B960494DF}">
-                  <a14:hiddenLine xmlns:a14="http://schemas.microsoft.com/office/drawing/2010/main" xmlns="" w="9525">
+                  <a14:hiddenLine xmlns="" xmlns:a14="http://schemas.microsoft.com/office/drawing/2010/main" w="9525">
                     <a:solidFill>
                       <a:srgbClr val="000000"/>
                     </a:solidFill>
@@ -10267,7 +10288,7 @@
               </a:ln>
               <a:extLst>
                 <a:ext uri="{91240B29-F687-4f45-9708-019B960494DF}">
-                  <a14:hiddenLine xmlns:a14="http://schemas.microsoft.com/office/drawing/2010/main" xmlns="" w="9525">
+                  <a14:hiddenLine xmlns="" xmlns:a14="http://schemas.microsoft.com/office/drawing/2010/main" w="9525">
                     <a:solidFill>
                       <a:srgbClr val="000000"/>
                     </a:solidFill>
@@ -10357,7 +10378,7 @@
               </a:ln>
               <a:extLst>
                 <a:ext uri="{91240B29-F687-4f45-9708-019B960494DF}">
-                  <a14:hiddenLine xmlns:a14="http://schemas.microsoft.com/office/drawing/2010/main" xmlns="" w="9525">
+                  <a14:hiddenLine xmlns="" xmlns:a14="http://schemas.microsoft.com/office/drawing/2010/main" w="9525">
                     <a:solidFill>
                       <a:srgbClr val="000000"/>
                     </a:solidFill>
@@ -10419,7 +10440,7 @@
               </a:ln>
               <a:extLst>
                 <a:ext uri="{91240B29-F687-4f45-9708-019B960494DF}">
-                  <a14:hiddenLine xmlns:a14="http://schemas.microsoft.com/office/drawing/2010/main" xmlns="" w="9525">
+                  <a14:hiddenLine xmlns="" xmlns:a14="http://schemas.microsoft.com/office/drawing/2010/main" w="9525">
                     <a:solidFill>
                       <a:srgbClr val="000000"/>
                     </a:solidFill>
@@ -10509,7 +10530,7 @@
               </a:ln>
               <a:extLst>
                 <a:ext uri="{91240B29-F687-4f45-9708-019B960494DF}">
-                  <a14:hiddenLine xmlns:a14="http://schemas.microsoft.com/office/drawing/2010/main" xmlns="" w="9525">
+                  <a14:hiddenLine xmlns="" xmlns:a14="http://schemas.microsoft.com/office/drawing/2010/main" w="9525">
                     <a:solidFill>
                       <a:srgbClr val="000000"/>
                     </a:solidFill>
@@ -10574,7 +10595,7 @@
               </a:ln>
               <a:extLst>
                 <a:ext uri="{91240B29-F687-4f45-9708-019B960494DF}">
-                  <a14:hiddenLine xmlns:a14="http://schemas.microsoft.com/office/drawing/2010/main" xmlns="" w="9525">
+                  <a14:hiddenLine xmlns="" xmlns:a14="http://schemas.microsoft.com/office/drawing/2010/main" w="9525">
                     <a:solidFill>
                       <a:srgbClr val="000000"/>
                     </a:solidFill>
@@ -10636,7 +10657,7 @@
               </a:ln>
               <a:extLst>
                 <a:ext uri="{91240B29-F687-4f45-9708-019B960494DF}">
-                  <a14:hiddenLine xmlns:a14="http://schemas.microsoft.com/office/drawing/2010/main" xmlns="" w="9525">
+                  <a14:hiddenLine xmlns="" xmlns:a14="http://schemas.microsoft.com/office/drawing/2010/main" w="9525">
                     <a:solidFill>
                       <a:srgbClr val="000000"/>
                     </a:solidFill>
@@ -10726,7 +10747,7 @@
               </a:ln>
               <a:extLst>
                 <a:ext uri="{91240B29-F687-4f45-9708-019B960494DF}">
-                  <a14:hiddenLine xmlns:a14="http://schemas.microsoft.com/office/drawing/2010/main" xmlns="" w="9525">
+                  <a14:hiddenLine xmlns="" xmlns:a14="http://schemas.microsoft.com/office/drawing/2010/main" w="9525">
                     <a:solidFill>
                       <a:srgbClr val="000000"/>
                     </a:solidFill>
@@ -10816,7 +10837,7 @@
               </a:ln>
               <a:extLst>
                 <a:ext uri="{91240B29-F687-4f45-9708-019B960494DF}">
-                  <a14:hiddenLine xmlns:a14="http://schemas.microsoft.com/office/drawing/2010/main" xmlns="" w="9525">
+                  <a14:hiddenLine xmlns="" xmlns:a14="http://schemas.microsoft.com/office/drawing/2010/main" w="9525">
                     <a:solidFill>
                       <a:srgbClr val="000000"/>
                     </a:solidFill>
@@ -10881,7 +10902,7 @@
               </a:ln>
               <a:extLst>
                 <a:ext uri="{91240B29-F687-4f45-9708-019B960494DF}">
-                  <a14:hiddenLine xmlns:a14="http://schemas.microsoft.com/office/drawing/2010/main" xmlns="" w="9525">
+                  <a14:hiddenLine xmlns="" xmlns:a14="http://schemas.microsoft.com/office/drawing/2010/main" w="9525">
                     <a:solidFill>
                       <a:srgbClr val="000000"/>
                     </a:solidFill>
@@ -11001,7 +11022,7 @@
               </a:ln>
               <a:extLst>
                 <a:ext uri="{91240B29-F687-4f45-9708-019B960494DF}">
-                  <a14:hiddenLine xmlns:a14="http://schemas.microsoft.com/office/drawing/2010/main" xmlns="" w="9525">
+                  <a14:hiddenLine xmlns="" xmlns:a14="http://schemas.microsoft.com/office/drawing/2010/main" w="9525">
                     <a:solidFill>
                       <a:srgbClr val="000000"/>
                     </a:solidFill>
@@ -11082,7 +11103,7 @@
               </a:ln>
               <a:extLst>
                 <a:ext uri="{91240B29-F687-4f45-9708-019B960494DF}">
-                  <a14:hiddenLine xmlns:a14="http://schemas.microsoft.com/office/drawing/2010/main" xmlns="" w="9525">
+                  <a14:hiddenLine xmlns="" xmlns:a14="http://schemas.microsoft.com/office/drawing/2010/main" w="9525">
                     <a:solidFill>
                       <a:srgbClr val="000000"/>
                     </a:solidFill>
@@ -11197,7 +11218,7 @@
               </a:ln>
               <a:extLst>
                 <a:ext uri="{91240B29-F687-4f45-9708-019B960494DF}">
-                  <a14:hiddenLine xmlns:a14="http://schemas.microsoft.com/office/drawing/2010/main" xmlns="" w="9525">
+                  <a14:hiddenLine xmlns="" xmlns:a14="http://schemas.microsoft.com/office/drawing/2010/main" w="9525">
                     <a:solidFill>
                       <a:srgbClr val="000000"/>
                     </a:solidFill>
@@ -11287,7 +11308,7 @@
               </a:ln>
               <a:extLst>
                 <a:ext uri="{91240B29-F687-4f45-9708-019B960494DF}">
-                  <a14:hiddenLine xmlns:a14="http://schemas.microsoft.com/office/drawing/2010/main" xmlns="" w="9525">
+                  <a14:hiddenLine xmlns="" xmlns:a14="http://schemas.microsoft.com/office/drawing/2010/main" w="9525">
                     <a:solidFill>
                       <a:srgbClr val="000000"/>
                     </a:solidFill>
@@ -11352,7 +11373,7 @@
               </a:ln>
               <a:extLst>
                 <a:ext uri="{91240B29-F687-4f45-9708-019B960494DF}">
-                  <a14:hiddenLine xmlns:a14="http://schemas.microsoft.com/office/drawing/2010/main" xmlns="" w="9525">
+                  <a14:hiddenLine xmlns="" xmlns:a14="http://schemas.microsoft.com/office/drawing/2010/main" w="9525">
                     <a:solidFill>
                       <a:srgbClr val="000000"/>
                     </a:solidFill>
@@ -11442,7 +11463,7 @@
               </a:ln>
               <a:extLst>
                 <a:ext uri="{91240B29-F687-4f45-9708-019B960494DF}">
-                  <a14:hiddenLine xmlns:a14="http://schemas.microsoft.com/office/drawing/2010/main" xmlns="" w="9525">
+                  <a14:hiddenLine xmlns="" xmlns:a14="http://schemas.microsoft.com/office/drawing/2010/main" w="9525">
                     <a:solidFill>
                       <a:srgbClr val="000000"/>
                     </a:solidFill>
@@ -11510,7 +11531,7 @@
               </a:ln>
               <a:extLst>
                 <a:ext uri="{91240B29-F687-4f45-9708-019B960494DF}">
-                  <a14:hiddenLine xmlns:a14="http://schemas.microsoft.com/office/drawing/2010/main" xmlns="" w="9525">
+                  <a14:hiddenLine xmlns="" xmlns:a14="http://schemas.microsoft.com/office/drawing/2010/main" w="9525">
                     <a:solidFill>
                       <a:srgbClr val="000000"/>
                     </a:solidFill>
@@ -11600,7 +11621,7 @@
               </a:ln>
               <a:extLst>
                 <a:ext uri="{91240B29-F687-4f45-9708-019B960494DF}">
-                  <a14:hiddenLine xmlns:a14="http://schemas.microsoft.com/office/drawing/2010/main" xmlns="" w="9525">
+                  <a14:hiddenLine xmlns="" xmlns:a14="http://schemas.microsoft.com/office/drawing/2010/main" w="9525">
                     <a:solidFill>
                       <a:srgbClr val="000000"/>
                     </a:solidFill>
@@ -11668,7 +11689,7 @@
               </a:ln>
               <a:extLst>
                 <a:ext uri="{91240B29-F687-4f45-9708-019B960494DF}">
-                  <a14:hiddenLine xmlns:a14="http://schemas.microsoft.com/office/drawing/2010/main" xmlns="" w="9525">
+                  <a14:hiddenLine xmlns="" xmlns:a14="http://schemas.microsoft.com/office/drawing/2010/main" w="9525">
                     <a:solidFill>
                       <a:srgbClr val="000000"/>
                     </a:solidFill>
@@ -11758,7 +11779,7 @@
               </a:ln>
               <a:extLst>
                 <a:ext uri="{91240B29-F687-4f45-9708-019B960494DF}">
-                  <a14:hiddenLine xmlns:a14="http://schemas.microsoft.com/office/drawing/2010/main" xmlns="" w="9525">
+                  <a14:hiddenLine xmlns="" xmlns:a14="http://schemas.microsoft.com/office/drawing/2010/main" w="9525">
                     <a:solidFill>
                       <a:srgbClr val="000000"/>
                     </a:solidFill>
@@ -11792,7 +11813,7 @@
               </a:ln>
               <a:extLst>
                 <a:ext uri="{91240B29-F687-4f45-9708-019B960494DF}">
-                  <a14:hiddenLine xmlns:a14="http://schemas.microsoft.com/office/drawing/2010/main" xmlns="" w="9525">
+                  <a14:hiddenLine xmlns="" xmlns:a14="http://schemas.microsoft.com/office/drawing/2010/main" w="9525">
                     <a:solidFill>
                       <a:srgbClr val="000000"/>
                     </a:solidFill>
@@ -11831,7 +11852,10 @@
           </a:bodyPr>
           <a:lstStyle/>
           <a:p>
-            <a:endParaRPr lang="en-US" dirty="0"/>
+            <a:r>
+              <a:rPr lang="en-US" dirty="0"/>
+              <a:t>lsdmvdf</a:t>
+            </a:r>
           </a:p>
         </p:txBody>
       </p:sp>
@@ -11933,7 +11957,7 @@
             <a:fld id="{48A87A34-81AB-432B-8DAE-1953F412C126}" type="datetimeFigureOut">
               <a:rPr lang="en-US" dirty="0"/>
               <a:pPr/>
-              <a:t>1/25/2020</a:t>
+              <a:t>1/26/2020</a:t>
             </a:fld>
             <a:endParaRPr lang="en-US" dirty="0"/>
           </a:p>
@@ -12042,7 +12066,7 @@
   </p:sldLayoutIdLst>
   <p:txStyles>
     <p:titleStyle>
-      <a:lvl1pPr algn="l" defTabSz="914400" rtl="1" eaLnBrk="1" latinLnBrk="0" hangingPunct="1">
+      <a:lvl1pPr algn="ctr" defTabSz="914400" rtl="1" eaLnBrk="1" latinLnBrk="0" hangingPunct="1">
         <a:lnSpc>
           <a:spcPct val="90000"/>
         </a:lnSpc>
@@ -12050,11 +12074,11 @@
           <a:spcPct val="0"/>
         </a:spcBef>
         <a:buNone/>
-        <a:defRPr sz="3600" kern="1200" cap="all" baseline="0">
+        <a:defRPr sz="3600" kern="1200" cap="none" baseline="0">
           <a:solidFill>
             <a:schemeClr val="tx1"/>
           </a:solidFill>
-          <a:latin typeface="+mj-lt"/>
+          <a:latin typeface="Arial Black" panose="020B0A04020102020204" pitchFamily="34" charset="0"/>
           <a:ea typeface="+mj-ea"/>
           <a:cs typeface="+mj-cs"/>
         </a:defRPr>
@@ -12468,6 +12492,99 @@
           <a:chExt cx="0" cy="0"/>
         </a:xfrm>
       </p:grpSpPr>
+      <p:pic>
+        <p:nvPicPr>
+          <p:cNvPr id="5" name="Content Placeholder 4">
+            <a:extLst>
+              <a:ext uri="{FF2B5EF4-FFF2-40B4-BE49-F238E27FC236}">
+                <a16:creationId xmlns:a16="http://schemas.microsoft.com/office/drawing/2014/main" id="{949D97B8-9E65-48BF-B5EA-8B2B9DE10E9A}"/>
+              </a:ext>
+            </a:extLst>
+          </p:cNvPr>
+          <p:cNvPicPr>
+            <a:picLocks noGrp="1" noChangeAspect="1"/>
+          </p:cNvPicPr>
+          <p:nvPr>
+            <p:ph idx="1"/>
+          </p:nvPr>
+        </p:nvPicPr>
+        <p:blipFill>
+          <a:blip r:embed="rId2"/>
+          <a:stretch>
+            <a:fillRect/>
+          </a:stretch>
+        </p:blipFill>
+        <p:spPr>
+          <a:xfrm>
+            <a:off x="736847" y="1553593"/>
+            <a:ext cx="10937289" cy="5206753"/>
+          </a:xfrm>
+        </p:spPr>
+      </p:pic>
+      <p:sp>
+        <p:nvSpPr>
+          <p:cNvPr id="3" name="Title 2">
+            <a:extLst>
+              <a:ext uri="{FF2B5EF4-FFF2-40B4-BE49-F238E27FC236}">
+                <a16:creationId xmlns:a16="http://schemas.microsoft.com/office/drawing/2014/main" id="{64F71475-8C47-4BC4-8485-5F649964E87E}"/>
+              </a:ext>
+            </a:extLst>
+          </p:cNvPr>
+          <p:cNvSpPr>
+            <a:spLocks noGrp="1"/>
+          </p:cNvSpPr>
+          <p:nvPr>
+            <p:ph type="title"/>
+          </p:nvPr>
+        </p:nvSpPr>
+        <p:spPr>
+          <a:xfrm>
+            <a:off x="1143001" y="236778"/>
+            <a:ext cx="9905998" cy="1478570"/>
+          </a:xfrm>
+        </p:spPr>
+        <p:txBody>
+          <a:bodyPr/>
+          <a:lstStyle/>
+          <a:p>
+            <a:r>
+              <a:rPr lang="en-US" dirty="0" err="1"/>
+              <a:t>InitializingBoard</a:t>
+            </a:r>
+            <a:endParaRPr lang="fa-IR" dirty="0"/>
+          </a:p>
+        </p:txBody>
+      </p:sp>
+    </p:spTree>
+    <p:extLst>
+      <p:ext uri="{BB962C8B-B14F-4D97-AF65-F5344CB8AC3E}">
+        <p14:creationId xmlns:p14="http://schemas.microsoft.com/office/powerpoint/2010/main" val="1253176344"/>
+      </p:ext>
+    </p:extLst>
+  </p:cSld>
+  <p:clrMapOvr>
+    <a:masterClrMapping/>
+  </p:clrMapOvr>
+</p:sld>
+</file>
+
+<file path=ppt/slides/slide11.xml><?xml version="1.0" encoding="utf-8"?>
+<p:sld xmlns:a="http://schemas.openxmlformats.org/drawingml/2006/main" xmlns:r="http://schemas.openxmlformats.org/officeDocument/2006/relationships" xmlns:p="http://schemas.openxmlformats.org/presentationml/2006/main">
+  <p:cSld>
+    <p:spTree>
+      <p:nvGrpSpPr>
+        <p:cNvPr id="1" name=""/>
+        <p:cNvGrpSpPr/>
+        <p:nvPr/>
+      </p:nvGrpSpPr>
+      <p:grpSpPr>
+        <a:xfrm>
+          <a:off x="0" y="0"/>
+          <a:ext cx="0" cy="0"/>
+          <a:chOff x="0" y="0"/>
+          <a:chExt cx="0" cy="0"/>
+        </a:xfrm>
+      </p:grpSpPr>
       <p:sp>
         <p:nvSpPr>
           <p:cNvPr id="2" name="Title 1">
@@ -12484,12 +12601,21 @@
             <p:ph type="title"/>
           </p:nvPr>
         </p:nvSpPr>
-        <p:spPr/>
+        <p:spPr>
+          <a:xfrm>
+            <a:off x="1141413" y="618518"/>
+            <a:ext cx="9905998" cy="1478570"/>
+          </a:xfrm>
+        </p:spPr>
         <p:txBody>
           <a:bodyPr/>
           <a:lstStyle/>
           <a:p>
             <a:pPr algn="ctr"/>
+            <a:r>
+              <a:rPr lang="en-US" dirty="0" err="1"/>
+              <a:t>updateAttackingCellGraphics</a:t>
+            </a:r>
             <a:endParaRPr lang="fa-IR" dirty="0"/>
           </a:p>
         </p:txBody>
@@ -12523,47 +12649,6 @@
           </a:xfrm>
         </p:spPr>
       </p:pic>
-      <p:sp>
-        <p:nvSpPr>
-          <p:cNvPr id="6" name="TextBox 5">
-            <a:extLst>
-              <a:ext uri="{FF2B5EF4-FFF2-40B4-BE49-F238E27FC236}">
-                <a16:creationId xmlns:a16="http://schemas.microsoft.com/office/drawing/2014/main" id="{E0A37A59-2EEC-4C3E-882E-E4C81875A306}"/>
-              </a:ext>
-            </a:extLst>
-          </p:cNvPr>
-          <p:cNvSpPr txBox="1"/>
-          <p:nvPr/>
-        </p:nvSpPr>
-        <p:spPr>
-          <a:xfrm>
-            <a:off x="2552701" y="1019127"/>
-            <a:ext cx="6658252" cy="769441"/>
-          </a:xfrm>
-          <a:prstGeom prst="rect">
-            <a:avLst/>
-          </a:prstGeom>
-          <a:noFill/>
-        </p:spPr>
-        <p:txBody>
-          <a:bodyPr wrap="square" rtlCol="1">
-            <a:spAutoFit/>
-          </a:bodyPr>
-          <a:lstStyle/>
-          <a:p>
-            <a:pPr algn="ctr"/>
-            <a:r>
-              <a:rPr lang="en-US" sz="4400" dirty="0" err="1"/>
-              <a:t>updateAttackingCellGraphic</a:t>
-            </a:r>
-            <a:r>
-              <a:rPr lang="en-US" dirty="0" err="1"/>
-              <a:t>s</a:t>
-            </a:r>
-            <a:endParaRPr lang="fa-IR" dirty="0"/>
-          </a:p>
-        </p:txBody>
-      </p:sp>
     </p:spTree>
     <p:extLst>
       <p:ext uri="{BB962C8B-B14F-4D97-AF65-F5344CB8AC3E}">
@@ -12577,7 +12662,7 @@
 </p:sld>
 </file>
 
-<file path=ppt/slides/slide11.xml><?xml version="1.0" encoding="utf-8"?>
+<file path=ppt/slides/slide12.xml><?xml version="1.0" encoding="utf-8"?>
 <p:sld xmlns:a="http://schemas.openxmlformats.org/drawingml/2006/main" xmlns:r="http://schemas.openxmlformats.org/officeDocument/2006/relationships" xmlns:p="http://schemas.openxmlformats.org/presentationml/2006/main">
   <p:cSld>
     <p:spTree>
@@ -12610,21 +12695,121 @@
             <p:ph type="title"/>
           </p:nvPr>
         </p:nvSpPr>
-        <p:spPr/>
+        <p:spPr>
+          <a:xfrm>
+            <a:off x="1141412" y="346229"/>
+            <a:ext cx="9840265" cy="1750859"/>
+          </a:xfrm>
+        </p:spPr>
         <p:txBody>
-          <a:bodyPr/>
+          <a:bodyPr>
+            <a:normAutofit/>
+          </a:bodyPr>
           <a:lstStyle/>
           <a:p>
-            <a:endParaRPr lang="fa-IR"/>
+            <a:pPr algn="ctr"/>
+            <a:r>
+              <a:rPr lang="en-US" dirty="0" err="1"/>
+              <a:t>updateBoard</a:t>
+            </a:r>
+            <a:endParaRPr lang="fa-IR" dirty="0"/>
           </a:p>
         </p:txBody>
       </p:sp>
+      <p:pic>
+        <p:nvPicPr>
+          <p:cNvPr id="5" name="Content Placeholder 4">
+            <a:extLst>
+              <a:ext uri="{FF2B5EF4-FFF2-40B4-BE49-F238E27FC236}">
+                <a16:creationId xmlns:a16="http://schemas.microsoft.com/office/drawing/2014/main" id="{DB40FF94-A90B-41C6-931C-4F30844A5592}"/>
+              </a:ext>
+            </a:extLst>
+          </p:cNvPr>
+          <p:cNvPicPr>
+            <a:picLocks noGrp="1" noChangeAspect="1"/>
+          </p:cNvPicPr>
+          <p:nvPr>
+            <p:ph idx="1"/>
+          </p:nvPr>
+        </p:nvPicPr>
+        <p:blipFill>
+          <a:blip r:embed="rId2"/>
+          <a:stretch>
+            <a:fillRect/>
+          </a:stretch>
+        </p:blipFill>
+        <p:spPr>
+          <a:xfrm>
+            <a:off x="1141413" y="2249488"/>
+            <a:ext cx="9905998" cy="4479786"/>
+          </a:xfrm>
+        </p:spPr>
+      </p:pic>
+    </p:spTree>
+    <p:extLst>
+      <p:ext uri="{BB962C8B-B14F-4D97-AF65-F5344CB8AC3E}">
+        <p14:creationId xmlns:p14="http://schemas.microsoft.com/office/powerpoint/2010/main" val="145131170"/>
+      </p:ext>
+    </p:extLst>
+  </p:cSld>
+  <p:clrMapOvr>
+    <a:masterClrMapping/>
+  </p:clrMapOvr>
+</p:sld>
+</file>
+
+<file path=ppt/slides/slide13.xml><?xml version="1.0" encoding="utf-8"?>
+<p:sld xmlns:a="http://schemas.openxmlformats.org/drawingml/2006/main" xmlns:r="http://schemas.openxmlformats.org/officeDocument/2006/relationships" xmlns:p="http://schemas.openxmlformats.org/presentationml/2006/main">
+  <p:cSld>
+    <p:spTree>
+      <p:nvGrpSpPr>
+        <p:cNvPr id="1" name=""/>
+        <p:cNvGrpSpPr/>
+        <p:nvPr/>
+      </p:nvGrpSpPr>
+      <p:grpSpPr>
+        <a:xfrm>
+          <a:off x="0" y="0"/>
+          <a:ext cx="0" cy="0"/>
+          <a:chOff x="0" y="0"/>
+          <a:chExt cx="0" cy="0"/>
+        </a:xfrm>
+      </p:grpSpPr>
+      <p:pic>
+        <p:nvPicPr>
+          <p:cNvPr id="5" name="Content Placeholder 4">
+            <a:extLst>
+              <a:ext uri="{FF2B5EF4-FFF2-40B4-BE49-F238E27FC236}">
+                <a16:creationId xmlns:a16="http://schemas.microsoft.com/office/drawing/2014/main" id="{57ABC2C7-18AF-48B9-B41D-132D395A213A}"/>
+              </a:ext>
+            </a:extLst>
+          </p:cNvPr>
+          <p:cNvPicPr>
+            <a:picLocks noGrp="1" noChangeAspect="1"/>
+          </p:cNvPicPr>
+          <p:nvPr>
+            <p:ph idx="1"/>
+          </p:nvPr>
+        </p:nvPicPr>
+        <p:blipFill>
+          <a:blip r:embed="rId2"/>
+          <a:stretch>
+            <a:fillRect/>
+          </a:stretch>
+        </p:blipFill>
+        <p:spPr>
+          <a:xfrm>
+            <a:off x="1074196" y="2213976"/>
+            <a:ext cx="10253709" cy="4541929"/>
+          </a:xfrm>
+        </p:spPr>
+      </p:pic>
       <p:sp>
         <p:nvSpPr>
-          <p:cNvPr id="3" name="Content Placeholder 2">
+          <p:cNvPr id="3" name="Title 2">
             <a:extLst>
               <a:ext uri="{FF2B5EF4-FFF2-40B4-BE49-F238E27FC236}">
-                <a16:creationId xmlns:a16="http://schemas.microsoft.com/office/drawing/2014/main" id="{7247F4BB-E717-4007-AB82-ECEF489A8836}"/>
+                <a16:creationId xmlns:a16="http://schemas.microsoft.com/office/drawing/2014/main" id="{17DFAD35-CA30-42C7-9D2B-309F99ED5184}"/>
               </a:ext>
             </a:extLst>
           </p:cNvPr>
@@ -12632,7 +12817,7 @@
             <a:spLocks noGrp="1"/>
           </p:cNvSpPr>
           <p:nvPr>
-            <p:ph idx="1"/>
+            <p:ph type="title"/>
           </p:nvPr>
         </p:nvSpPr>
         <p:spPr/>
@@ -12640,14 +12825,546 @@
           <a:bodyPr/>
           <a:lstStyle/>
           <a:p>
-            <a:endParaRPr lang="fa-IR"/>
+            <a:r>
+              <a:rPr lang="en-US" dirty="0" err="1"/>
+              <a:t>updateBoard</a:t>
+            </a:r>
+            <a:endParaRPr lang="fa-IR" dirty="0"/>
           </a:p>
         </p:txBody>
       </p:sp>
     </p:spTree>
     <p:extLst>
       <p:ext uri="{BB962C8B-B14F-4D97-AF65-F5344CB8AC3E}">
-        <p14:creationId xmlns:p14="http://schemas.microsoft.com/office/powerpoint/2010/main" val="145131170"/>
+        <p14:creationId xmlns:p14="http://schemas.microsoft.com/office/powerpoint/2010/main" val="3240686198"/>
+      </p:ext>
+    </p:extLst>
+  </p:cSld>
+  <p:clrMapOvr>
+    <a:masterClrMapping/>
+  </p:clrMapOvr>
+</p:sld>
+</file>
+
+<file path=ppt/slides/slide14.xml><?xml version="1.0" encoding="utf-8"?>
+<p:sld xmlns:a="http://schemas.openxmlformats.org/drawingml/2006/main" xmlns:r="http://schemas.openxmlformats.org/officeDocument/2006/relationships" xmlns:p="http://schemas.openxmlformats.org/presentationml/2006/main">
+  <p:cSld>
+    <p:spTree>
+      <p:nvGrpSpPr>
+        <p:cNvPr id="1" name=""/>
+        <p:cNvGrpSpPr/>
+        <p:nvPr/>
+      </p:nvGrpSpPr>
+      <p:grpSpPr>
+        <a:xfrm>
+          <a:off x="0" y="0"/>
+          <a:ext cx="0" cy="0"/>
+          <a:chOff x="0" y="0"/>
+          <a:chExt cx="0" cy="0"/>
+        </a:xfrm>
+      </p:grpSpPr>
+      <p:pic>
+        <p:nvPicPr>
+          <p:cNvPr id="5" name="Content Placeholder 4">
+            <a:extLst>
+              <a:ext uri="{FF2B5EF4-FFF2-40B4-BE49-F238E27FC236}">
+                <a16:creationId xmlns:a16="http://schemas.microsoft.com/office/drawing/2014/main" id="{79BE669D-A2D7-434C-805E-5E517BBCB021}"/>
+              </a:ext>
+            </a:extLst>
+          </p:cNvPr>
+          <p:cNvPicPr>
+            <a:picLocks noGrp="1" noChangeAspect="1"/>
+          </p:cNvPicPr>
+          <p:nvPr>
+            <p:ph idx="1"/>
+          </p:nvPr>
+        </p:nvPicPr>
+        <p:blipFill>
+          <a:blip r:embed="rId2"/>
+          <a:stretch>
+            <a:fillRect/>
+          </a:stretch>
+        </p:blipFill>
+        <p:spPr>
+          <a:xfrm>
+            <a:off x="958788" y="2249488"/>
+            <a:ext cx="10289219" cy="4515296"/>
+          </a:xfrm>
+        </p:spPr>
+      </p:pic>
+      <p:sp>
+        <p:nvSpPr>
+          <p:cNvPr id="3" name="Title 2">
+            <a:extLst>
+              <a:ext uri="{FF2B5EF4-FFF2-40B4-BE49-F238E27FC236}">
+                <a16:creationId xmlns:a16="http://schemas.microsoft.com/office/drawing/2014/main" id="{678ED8EE-75E3-4D44-8EF6-29FE9D6FAFB6}"/>
+              </a:ext>
+            </a:extLst>
+          </p:cNvPr>
+          <p:cNvSpPr>
+            <a:spLocks noGrp="1"/>
+          </p:cNvSpPr>
+          <p:nvPr>
+            <p:ph type="title"/>
+          </p:nvPr>
+        </p:nvSpPr>
+        <p:spPr/>
+        <p:txBody>
+          <a:bodyPr/>
+          <a:lstStyle/>
+          <a:p>
+            <a:r>
+              <a:rPr lang="en-US" dirty="0" err="1"/>
+              <a:t>updateBoard</a:t>
+            </a:r>
+            <a:endParaRPr lang="fa-IR" dirty="0"/>
+          </a:p>
+        </p:txBody>
+      </p:sp>
+    </p:spTree>
+    <p:extLst>
+      <p:ext uri="{BB962C8B-B14F-4D97-AF65-F5344CB8AC3E}">
+        <p14:creationId xmlns:p14="http://schemas.microsoft.com/office/powerpoint/2010/main" val="2139954969"/>
+      </p:ext>
+    </p:extLst>
+  </p:cSld>
+  <p:clrMapOvr>
+    <a:masterClrMapping/>
+  </p:clrMapOvr>
+</p:sld>
+</file>
+
+<file path=ppt/slides/slide15.xml><?xml version="1.0" encoding="utf-8"?>
+<p:sld xmlns:a="http://schemas.openxmlformats.org/drawingml/2006/main" xmlns:r="http://schemas.openxmlformats.org/officeDocument/2006/relationships" xmlns:p="http://schemas.openxmlformats.org/presentationml/2006/main">
+  <p:cSld>
+    <p:spTree>
+      <p:nvGrpSpPr>
+        <p:cNvPr id="1" name=""/>
+        <p:cNvGrpSpPr/>
+        <p:nvPr/>
+      </p:nvGrpSpPr>
+      <p:grpSpPr>
+        <a:xfrm>
+          <a:off x="0" y="0"/>
+          <a:ext cx="0" cy="0"/>
+          <a:chOff x="0" y="0"/>
+          <a:chExt cx="0" cy="0"/>
+        </a:xfrm>
+      </p:grpSpPr>
+      <p:pic>
+        <p:nvPicPr>
+          <p:cNvPr id="7" name="Content Placeholder 6">
+            <a:extLst>
+              <a:ext uri="{FF2B5EF4-FFF2-40B4-BE49-F238E27FC236}">
+                <a16:creationId xmlns:a16="http://schemas.microsoft.com/office/drawing/2014/main" id="{806FD42A-924E-4135-B099-9202526A0694}"/>
+              </a:ext>
+            </a:extLst>
+          </p:cNvPr>
+          <p:cNvPicPr>
+            <a:picLocks noGrp="1" noChangeAspect="1"/>
+          </p:cNvPicPr>
+          <p:nvPr>
+            <p:ph idx="1"/>
+          </p:nvPr>
+        </p:nvPicPr>
+        <p:blipFill>
+          <a:blip r:embed="rId2"/>
+          <a:stretch>
+            <a:fillRect/>
+          </a:stretch>
+        </p:blipFill>
+        <p:spPr>
+          <a:xfrm>
+            <a:off x="1141412" y="2249487"/>
+            <a:ext cx="9905997" cy="4506419"/>
+          </a:xfrm>
+        </p:spPr>
+      </p:pic>
+      <p:sp>
+        <p:nvSpPr>
+          <p:cNvPr id="3" name="Title 2">
+            <a:extLst>
+              <a:ext uri="{FF2B5EF4-FFF2-40B4-BE49-F238E27FC236}">
+                <a16:creationId xmlns:a16="http://schemas.microsoft.com/office/drawing/2014/main" id="{40AA2ACC-5625-4CBF-958B-013E12DD3269}"/>
+              </a:ext>
+            </a:extLst>
+          </p:cNvPr>
+          <p:cNvSpPr>
+            <a:spLocks noGrp="1"/>
+          </p:cNvSpPr>
+          <p:nvPr>
+            <p:ph type="title"/>
+          </p:nvPr>
+        </p:nvSpPr>
+        <p:spPr/>
+        <p:txBody>
+          <a:bodyPr/>
+          <a:lstStyle/>
+          <a:p>
+            <a:r>
+              <a:rPr lang="en-US" dirty="0"/>
+              <a:t>Some other functions in board</a:t>
+            </a:r>
+            <a:endParaRPr lang="fa-IR" dirty="0"/>
+          </a:p>
+        </p:txBody>
+      </p:sp>
+    </p:spTree>
+    <p:extLst>
+      <p:ext uri="{BB962C8B-B14F-4D97-AF65-F5344CB8AC3E}">
+        <p14:creationId xmlns:p14="http://schemas.microsoft.com/office/powerpoint/2010/main" val="3109360171"/>
+      </p:ext>
+    </p:extLst>
+  </p:cSld>
+  <p:clrMapOvr>
+    <a:masterClrMapping/>
+  </p:clrMapOvr>
+</p:sld>
+</file>
+
+<file path=ppt/slides/slide16.xml><?xml version="1.0" encoding="utf-8"?>
+<p:sld xmlns:a="http://schemas.openxmlformats.org/drawingml/2006/main" xmlns:r="http://schemas.openxmlformats.org/officeDocument/2006/relationships" xmlns:p="http://schemas.openxmlformats.org/presentationml/2006/main">
+  <p:cSld>
+    <p:spTree>
+      <p:nvGrpSpPr>
+        <p:cNvPr id="1" name=""/>
+        <p:cNvGrpSpPr/>
+        <p:nvPr/>
+      </p:nvGrpSpPr>
+      <p:grpSpPr>
+        <a:xfrm>
+          <a:off x="0" y="0"/>
+          <a:ext cx="0" cy="0"/>
+          <a:chOff x="0" y="0"/>
+          <a:chExt cx="0" cy="0"/>
+        </a:xfrm>
+      </p:grpSpPr>
+      <p:pic>
+        <p:nvPicPr>
+          <p:cNvPr id="5" name="Content Placeholder 4">
+            <a:extLst>
+              <a:ext uri="{FF2B5EF4-FFF2-40B4-BE49-F238E27FC236}">
+                <a16:creationId xmlns:a16="http://schemas.microsoft.com/office/drawing/2014/main" id="{421E7538-874F-4CCE-A36B-B6C2E36186D7}"/>
+              </a:ext>
+            </a:extLst>
+          </p:cNvPr>
+          <p:cNvPicPr>
+            <a:picLocks noGrp="1" noChangeAspect="1"/>
+          </p:cNvPicPr>
+          <p:nvPr>
+            <p:ph idx="1"/>
+          </p:nvPr>
+        </p:nvPicPr>
+        <p:blipFill>
+          <a:blip r:embed="rId2"/>
+          <a:stretch>
+            <a:fillRect/>
+          </a:stretch>
+        </p:blipFill>
+        <p:spPr>
+          <a:xfrm>
+            <a:off x="1141413" y="1748902"/>
+            <a:ext cx="10168738" cy="4967056"/>
+          </a:xfrm>
+        </p:spPr>
+      </p:pic>
+      <p:sp>
+        <p:nvSpPr>
+          <p:cNvPr id="3" name="Title 2">
+            <a:extLst>
+              <a:ext uri="{FF2B5EF4-FFF2-40B4-BE49-F238E27FC236}">
+                <a16:creationId xmlns:a16="http://schemas.microsoft.com/office/drawing/2014/main" id="{93E7C1D5-7419-49BC-8801-1EB8376A8E1E}"/>
+              </a:ext>
+            </a:extLst>
+          </p:cNvPr>
+          <p:cNvSpPr>
+            <a:spLocks noGrp="1"/>
+          </p:cNvSpPr>
+          <p:nvPr>
+            <p:ph type="title"/>
+          </p:nvPr>
+        </p:nvSpPr>
+        <p:spPr/>
+        <p:txBody>
+          <a:bodyPr/>
+          <a:lstStyle/>
+          <a:p>
+            <a:r>
+              <a:rPr lang="en-US" dirty="0" err="1"/>
+              <a:t>movePiece</a:t>
+            </a:r>
+            <a:endParaRPr lang="fa-IR" dirty="0"/>
+          </a:p>
+        </p:txBody>
+      </p:sp>
+    </p:spTree>
+    <p:extLst>
+      <p:ext uri="{BB962C8B-B14F-4D97-AF65-F5344CB8AC3E}">
+        <p14:creationId xmlns:p14="http://schemas.microsoft.com/office/powerpoint/2010/main" val="88971732"/>
+      </p:ext>
+    </p:extLst>
+  </p:cSld>
+  <p:clrMapOvr>
+    <a:masterClrMapping/>
+  </p:clrMapOvr>
+</p:sld>
+</file>
+
+<file path=ppt/slides/slide17.xml><?xml version="1.0" encoding="utf-8"?>
+<p:sld xmlns:a="http://schemas.openxmlformats.org/drawingml/2006/main" xmlns:r="http://schemas.openxmlformats.org/officeDocument/2006/relationships" xmlns:p="http://schemas.openxmlformats.org/presentationml/2006/main">
+  <p:cSld>
+    <p:spTree>
+      <p:nvGrpSpPr>
+        <p:cNvPr id="1" name=""/>
+        <p:cNvGrpSpPr/>
+        <p:nvPr/>
+      </p:nvGrpSpPr>
+      <p:grpSpPr>
+        <a:xfrm>
+          <a:off x="0" y="0"/>
+          <a:ext cx="0" cy="0"/>
+          <a:chOff x="0" y="0"/>
+          <a:chExt cx="0" cy="0"/>
+        </a:xfrm>
+      </p:grpSpPr>
+      <p:pic>
+        <p:nvPicPr>
+          <p:cNvPr id="5" name="Content Placeholder 4">
+            <a:extLst>
+              <a:ext uri="{FF2B5EF4-FFF2-40B4-BE49-F238E27FC236}">
+                <a16:creationId xmlns:a16="http://schemas.microsoft.com/office/drawing/2014/main" id="{C6A681A3-6FA1-48E9-888A-4CB323D65D53}"/>
+              </a:ext>
+            </a:extLst>
+          </p:cNvPr>
+          <p:cNvPicPr>
+            <a:picLocks noGrp="1" noChangeAspect="1"/>
+          </p:cNvPicPr>
+          <p:nvPr>
+            <p:ph idx="1"/>
+          </p:nvPr>
+        </p:nvPicPr>
+        <p:blipFill>
+          <a:blip r:embed="rId2"/>
+          <a:stretch>
+            <a:fillRect/>
+          </a:stretch>
+        </p:blipFill>
+        <p:spPr>
+          <a:xfrm>
+            <a:off x="1141412" y="1961965"/>
+            <a:ext cx="10310782" cy="4385569"/>
+          </a:xfrm>
+        </p:spPr>
+      </p:pic>
+      <p:sp>
+        <p:nvSpPr>
+          <p:cNvPr id="3" name="Title 2">
+            <a:extLst>
+              <a:ext uri="{FF2B5EF4-FFF2-40B4-BE49-F238E27FC236}">
+                <a16:creationId xmlns:a16="http://schemas.microsoft.com/office/drawing/2014/main" id="{05223A57-5C3E-4AF8-B19D-99F5F7C4AACF}"/>
+              </a:ext>
+            </a:extLst>
+          </p:cNvPr>
+          <p:cNvSpPr>
+            <a:spLocks noGrp="1"/>
+          </p:cNvSpPr>
+          <p:nvPr>
+            <p:ph type="title"/>
+          </p:nvPr>
+        </p:nvSpPr>
+        <p:spPr/>
+        <p:txBody>
+          <a:bodyPr/>
+          <a:lstStyle/>
+          <a:p>
+            <a:r>
+              <a:rPr lang="en-US" dirty="0" err="1"/>
+              <a:t>changingTurn</a:t>
+            </a:r>
+            <a:endParaRPr lang="fa-IR" dirty="0"/>
+          </a:p>
+        </p:txBody>
+      </p:sp>
+    </p:spTree>
+    <p:extLst>
+      <p:ext uri="{BB962C8B-B14F-4D97-AF65-F5344CB8AC3E}">
+        <p14:creationId xmlns:p14="http://schemas.microsoft.com/office/powerpoint/2010/main" val="2112019490"/>
+      </p:ext>
+    </p:extLst>
+  </p:cSld>
+  <p:clrMapOvr>
+    <a:masterClrMapping/>
+  </p:clrMapOvr>
+</p:sld>
+</file>
+
+<file path=ppt/slides/slide18.xml><?xml version="1.0" encoding="utf-8"?>
+<p:sld xmlns:a="http://schemas.openxmlformats.org/drawingml/2006/main" xmlns:r="http://schemas.openxmlformats.org/officeDocument/2006/relationships" xmlns:p="http://schemas.openxmlformats.org/presentationml/2006/main">
+  <p:cSld>
+    <p:spTree>
+      <p:nvGrpSpPr>
+        <p:cNvPr id="1" name=""/>
+        <p:cNvGrpSpPr/>
+        <p:nvPr/>
+      </p:nvGrpSpPr>
+      <p:grpSpPr>
+        <a:xfrm>
+          <a:off x="0" y="0"/>
+          <a:ext cx="0" cy="0"/>
+          <a:chOff x="0" y="0"/>
+          <a:chExt cx="0" cy="0"/>
+        </a:xfrm>
+      </p:grpSpPr>
+      <p:pic>
+        <p:nvPicPr>
+          <p:cNvPr id="5" name="Content Placeholder 4">
+            <a:extLst>
+              <a:ext uri="{FF2B5EF4-FFF2-40B4-BE49-F238E27FC236}">
+                <a16:creationId xmlns:a16="http://schemas.microsoft.com/office/drawing/2014/main" id="{DD345659-F3BF-4B2B-A84C-C96F9C83DA7F}"/>
+              </a:ext>
+            </a:extLst>
+          </p:cNvPr>
+          <p:cNvPicPr>
+            <a:picLocks noGrp="1" noChangeAspect="1"/>
+          </p:cNvPicPr>
+          <p:nvPr>
+            <p:ph idx="1"/>
+          </p:nvPr>
+        </p:nvPicPr>
+        <p:blipFill>
+          <a:blip r:embed="rId2"/>
+          <a:stretch>
+            <a:fillRect/>
+          </a:stretch>
+        </p:blipFill>
+        <p:spPr>
+          <a:xfrm>
+            <a:off x="1141413" y="2805344"/>
+            <a:ext cx="9973430" cy="2565646"/>
+          </a:xfrm>
+        </p:spPr>
+      </p:pic>
+      <p:sp>
+        <p:nvSpPr>
+          <p:cNvPr id="3" name="Title 2">
+            <a:extLst>
+              <a:ext uri="{FF2B5EF4-FFF2-40B4-BE49-F238E27FC236}">
+                <a16:creationId xmlns:a16="http://schemas.microsoft.com/office/drawing/2014/main" id="{4B08599C-0046-4706-A141-777DCDB5CA4C}"/>
+              </a:ext>
+            </a:extLst>
+          </p:cNvPr>
+          <p:cNvSpPr>
+            <a:spLocks noGrp="1"/>
+          </p:cNvSpPr>
+          <p:nvPr>
+            <p:ph type="title"/>
+          </p:nvPr>
+        </p:nvSpPr>
+        <p:spPr/>
+        <p:txBody>
+          <a:bodyPr/>
+          <a:lstStyle/>
+          <a:p>
+            <a:r>
+              <a:rPr lang="en-US" dirty="0" err="1"/>
+              <a:t>isChecked</a:t>
+            </a:r>
+            <a:endParaRPr lang="fa-IR" dirty="0"/>
+          </a:p>
+        </p:txBody>
+      </p:sp>
+    </p:spTree>
+    <p:extLst>
+      <p:ext uri="{BB962C8B-B14F-4D97-AF65-F5344CB8AC3E}">
+        <p14:creationId xmlns:p14="http://schemas.microsoft.com/office/powerpoint/2010/main" val="3226662673"/>
+      </p:ext>
+    </p:extLst>
+  </p:cSld>
+  <p:clrMapOvr>
+    <a:masterClrMapping/>
+  </p:clrMapOvr>
+</p:sld>
+</file>
+
+<file path=ppt/slides/slide19.xml><?xml version="1.0" encoding="utf-8"?>
+<p:sld xmlns:a="http://schemas.openxmlformats.org/drawingml/2006/main" xmlns:r="http://schemas.openxmlformats.org/officeDocument/2006/relationships" xmlns:p="http://schemas.openxmlformats.org/presentationml/2006/main">
+  <p:cSld>
+    <p:spTree>
+      <p:nvGrpSpPr>
+        <p:cNvPr id="1" name=""/>
+        <p:cNvGrpSpPr/>
+        <p:nvPr/>
+      </p:nvGrpSpPr>
+      <p:grpSpPr>
+        <a:xfrm>
+          <a:off x="0" y="0"/>
+          <a:ext cx="0" cy="0"/>
+          <a:chOff x="0" y="0"/>
+          <a:chExt cx="0" cy="0"/>
+        </a:xfrm>
+      </p:grpSpPr>
+      <p:pic>
+        <p:nvPicPr>
+          <p:cNvPr id="5" name="Content Placeholder 4">
+            <a:extLst>
+              <a:ext uri="{FF2B5EF4-FFF2-40B4-BE49-F238E27FC236}">
+                <a16:creationId xmlns:a16="http://schemas.microsoft.com/office/drawing/2014/main" id="{C135DAA7-B8B6-4A4D-BCD5-1FA86AE2CD21}"/>
+              </a:ext>
+            </a:extLst>
+          </p:cNvPr>
+          <p:cNvPicPr>
+            <a:picLocks noGrp="1" noChangeAspect="1"/>
+          </p:cNvPicPr>
+          <p:nvPr>
+            <p:ph idx="1"/>
+          </p:nvPr>
+        </p:nvPicPr>
+        <p:blipFill>
+          <a:blip r:embed="rId2"/>
+          <a:stretch>
+            <a:fillRect/>
+          </a:stretch>
+        </p:blipFill>
+        <p:spPr>
+          <a:xfrm>
+            <a:off x="1367162" y="2249487"/>
+            <a:ext cx="9596760" cy="4391009"/>
+          </a:xfrm>
+        </p:spPr>
+      </p:pic>
+      <p:sp>
+        <p:nvSpPr>
+          <p:cNvPr id="3" name="Title 2">
+            <a:extLst>
+              <a:ext uri="{FF2B5EF4-FFF2-40B4-BE49-F238E27FC236}">
+                <a16:creationId xmlns:a16="http://schemas.microsoft.com/office/drawing/2014/main" id="{DD17B427-22D4-479F-B499-F4CC2E47127E}"/>
+              </a:ext>
+            </a:extLst>
+          </p:cNvPr>
+          <p:cNvSpPr>
+            <a:spLocks noGrp="1"/>
+          </p:cNvSpPr>
+          <p:nvPr>
+            <p:ph type="title"/>
+          </p:nvPr>
+        </p:nvSpPr>
+        <p:spPr/>
+        <p:txBody>
+          <a:bodyPr/>
+          <a:lstStyle/>
+          <a:p>
+            <a:r>
+              <a:rPr lang="en-US" dirty="0" err="1"/>
+              <a:t>checkForMate</a:t>
+            </a:r>
+            <a:endParaRPr lang="fa-IR" dirty="0"/>
+          </a:p>
+        </p:txBody>
+      </p:sp>
+    </p:spTree>
+    <p:extLst>
+      <p:ext uri="{BB962C8B-B14F-4D97-AF65-F5344CB8AC3E}">
+        <p14:creationId xmlns:p14="http://schemas.microsoft.com/office/powerpoint/2010/main" val="3659560406"/>
       </p:ext>
     </p:extLst>
   </p:cSld>
@@ -12690,7 +13407,12 @@
             <p:ph type="title"/>
           </p:nvPr>
         </p:nvSpPr>
-        <p:spPr/>
+        <p:spPr>
+          <a:xfrm>
+            <a:off x="1141413" y="618518"/>
+            <a:ext cx="9905998" cy="1478570"/>
+          </a:xfrm>
+        </p:spPr>
         <p:txBody>
           <a:bodyPr/>
           <a:lstStyle/>
@@ -12776,6 +13498,182 @@
     <p:extLst>
       <p:ext uri="{BB962C8B-B14F-4D97-AF65-F5344CB8AC3E}">
         <p14:creationId xmlns:p14="http://schemas.microsoft.com/office/powerpoint/2010/main" val="2573261654"/>
+      </p:ext>
+    </p:extLst>
+  </p:cSld>
+  <p:clrMapOvr>
+    <a:masterClrMapping/>
+  </p:clrMapOvr>
+</p:sld>
+</file>
+
+<file path=ppt/slides/slide20.xml><?xml version="1.0" encoding="utf-8"?>
+<p:sld xmlns:a="http://schemas.openxmlformats.org/drawingml/2006/main" xmlns:r="http://schemas.openxmlformats.org/officeDocument/2006/relationships" xmlns:p="http://schemas.openxmlformats.org/presentationml/2006/main">
+  <p:cSld>
+    <p:spTree>
+      <p:nvGrpSpPr>
+        <p:cNvPr id="1" name=""/>
+        <p:cNvGrpSpPr/>
+        <p:nvPr/>
+      </p:nvGrpSpPr>
+      <p:grpSpPr>
+        <a:xfrm>
+          <a:off x="0" y="0"/>
+          <a:ext cx="0" cy="0"/>
+          <a:chOff x="0" y="0"/>
+          <a:chExt cx="0" cy="0"/>
+        </a:xfrm>
+      </p:grpSpPr>
+      <p:pic>
+        <p:nvPicPr>
+          <p:cNvPr id="5" name="Content Placeholder 4">
+            <a:extLst>
+              <a:ext uri="{FF2B5EF4-FFF2-40B4-BE49-F238E27FC236}">
+                <a16:creationId xmlns:a16="http://schemas.microsoft.com/office/drawing/2014/main" id="{CC06BBEC-0602-40A5-932D-F14D7DA52B2D}"/>
+              </a:ext>
+            </a:extLst>
+          </p:cNvPr>
+          <p:cNvPicPr>
+            <a:picLocks noGrp="1" noChangeAspect="1"/>
+          </p:cNvPicPr>
+          <p:nvPr>
+            <p:ph idx="1"/>
+          </p:nvPr>
+        </p:nvPicPr>
+        <p:blipFill>
+          <a:blip r:embed="rId2"/>
+          <a:stretch>
+            <a:fillRect/>
+          </a:stretch>
+        </p:blipFill>
+        <p:spPr>
+          <a:xfrm>
+            <a:off x="1141413" y="1740023"/>
+            <a:ext cx="10399558" cy="4838330"/>
+          </a:xfrm>
+        </p:spPr>
+      </p:pic>
+      <p:sp>
+        <p:nvSpPr>
+          <p:cNvPr id="3" name="Title 2">
+            <a:extLst>
+              <a:ext uri="{FF2B5EF4-FFF2-40B4-BE49-F238E27FC236}">
+                <a16:creationId xmlns:a16="http://schemas.microsoft.com/office/drawing/2014/main" id="{4F5ADE1D-29C2-4297-B6AC-0CCF29E11EF7}"/>
+              </a:ext>
+            </a:extLst>
+          </p:cNvPr>
+          <p:cNvSpPr>
+            <a:spLocks noGrp="1"/>
+          </p:cNvSpPr>
+          <p:nvPr>
+            <p:ph type="title"/>
+          </p:nvPr>
+        </p:nvSpPr>
+        <p:spPr/>
+        <p:txBody>
+          <a:bodyPr/>
+          <a:lstStyle/>
+          <a:p>
+            <a:r>
+              <a:rPr lang="en-US" dirty="0"/>
+              <a:t>Finally int main()</a:t>
+            </a:r>
+            <a:endParaRPr lang="fa-IR" dirty="0"/>
+          </a:p>
+        </p:txBody>
+      </p:sp>
+    </p:spTree>
+    <p:extLst>
+      <p:ext uri="{BB962C8B-B14F-4D97-AF65-F5344CB8AC3E}">
+        <p14:creationId xmlns:p14="http://schemas.microsoft.com/office/powerpoint/2010/main" val="2731035787"/>
+      </p:ext>
+    </p:extLst>
+  </p:cSld>
+  <p:clrMapOvr>
+    <a:masterClrMapping/>
+  </p:clrMapOvr>
+</p:sld>
+</file>
+
+<file path=ppt/slides/slide21.xml><?xml version="1.0" encoding="utf-8"?>
+<p:sld xmlns:a="http://schemas.openxmlformats.org/drawingml/2006/main" xmlns:r="http://schemas.openxmlformats.org/officeDocument/2006/relationships" xmlns:p="http://schemas.openxmlformats.org/presentationml/2006/main">
+  <p:cSld>
+    <p:spTree>
+      <p:nvGrpSpPr>
+        <p:cNvPr id="1" name=""/>
+        <p:cNvGrpSpPr/>
+        <p:nvPr/>
+      </p:nvGrpSpPr>
+      <p:grpSpPr>
+        <a:xfrm>
+          <a:off x="0" y="0"/>
+          <a:ext cx="0" cy="0"/>
+          <a:chOff x="0" y="0"/>
+          <a:chExt cx="0" cy="0"/>
+        </a:xfrm>
+      </p:grpSpPr>
+      <p:pic>
+        <p:nvPicPr>
+          <p:cNvPr id="5" name="Content Placeholder 4">
+            <a:extLst>
+              <a:ext uri="{FF2B5EF4-FFF2-40B4-BE49-F238E27FC236}">
+                <a16:creationId xmlns:a16="http://schemas.microsoft.com/office/drawing/2014/main" id="{150BB258-DE72-45C0-A1D1-B9429C6CF1EE}"/>
+              </a:ext>
+            </a:extLst>
+          </p:cNvPr>
+          <p:cNvPicPr>
+            <a:picLocks noGrp="1" noChangeAspect="1"/>
+          </p:cNvPicPr>
+          <p:nvPr>
+            <p:ph idx="1"/>
+          </p:nvPr>
+        </p:nvPicPr>
+        <p:blipFill>
+          <a:blip r:embed="rId2"/>
+          <a:stretch>
+            <a:fillRect/>
+          </a:stretch>
+        </p:blipFill>
+        <p:spPr>
+          <a:xfrm>
+            <a:off x="1207362" y="1882067"/>
+            <a:ext cx="10262587" cy="4873840"/>
+          </a:xfrm>
+        </p:spPr>
+      </p:pic>
+      <p:sp>
+        <p:nvSpPr>
+          <p:cNvPr id="3" name="Title 2">
+            <a:extLst>
+              <a:ext uri="{FF2B5EF4-FFF2-40B4-BE49-F238E27FC236}">
+                <a16:creationId xmlns:a16="http://schemas.microsoft.com/office/drawing/2014/main" id="{C935880F-D9E8-4054-A4FC-75C30CE2C8E2}"/>
+              </a:ext>
+            </a:extLst>
+          </p:cNvPr>
+          <p:cNvSpPr>
+            <a:spLocks noGrp="1"/>
+          </p:cNvSpPr>
+          <p:nvPr>
+            <p:ph type="title"/>
+          </p:nvPr>
+        </p:nvSpPr>
+        <p:spPr/>
+        <p:txBody>
+          <a:bodyPr/>
+          <a:lstStyle/>
+          <a:p>
+            <a:r>
+              <a:rPr lang="en-US" dirty="0"/>
+              <a:t>Finally int main()</a:t>
+            </a:r>
+            <a:endParaRPr lang="fa-IR" dirty="0"/>
+          </a:p>
+        </p:txBody>
+      </p:sp>
+    </p:spTree>
+    <p:extLst>
+      <p:ext uri="{BB962C8B-B14F-4D97-AF65-F5344CB8AC3E}">
+        <p14:creationId xmlns:p14="http://schemas.microsoft.com/office/powerpoint/2010/main" val="2512578343"/>
       </p:ext>
     </p:extLst>
   </p:cSld>
@@ -12818,7 +13716,12 @@
             <p:ph type="title"/>
           </p:nvPr>
         </p:nvSpPr>
-        <p:spPr/>
+        <p:spPr>
+          <a:xfrm>
+            <a:off x="1141413" y="618518"/>
+            <a:ext cx="9905998" cy="1478570"/>
+          </a:xfrm>
+        </p:spPr>
         <p:txBody>
           <a:bodyPr/>
           <a:lstStyle/>
@@ -13030,7 +13933,12 @@
             <p:ph type="title"/>
           </p:nvPr>
         </p:nvSpPr>
-        <p:spPr/>
+        <p:spPr>
+          <a:xfrm>
+            <a:off x="1141413" y="618518"/>
+            <a:ext cx="9905998" cy="1478570"/>
+          </a:xfrm>
+        </p:spPr>
         <p:txBody>
           <a:bodyPr/>
           <a:lstStyle/>
@@ -13187,7 +14095,12 @@
             <p:ph type="title"/>
           </p:nvPr>
         </p:nvSpPr>
-        <p:spPr/>
+        <p:spPr>
+          <a:xfrm>
+            <a:off x="1141413" y="618518"/>
+            <a:ext cx="9905998" cy="1478570"/>
+          </a:xfrm>
+        </p:spPr>
         <p:txBody>
           <a:bodyPr/>
           <a:lstStyle/>
@@ -13422,7 +14335,12 @@
             <p:ph type="title"/>
           </p:nvPr>
         </p:nvSpPr>
-        <p:spPr/>
+        <p:spPr>
+          <a:xfrm>
+            <a:off x="1141413" y="618518"/>
+            <a:ext cx="9905998" cy="1478570"/>
+          </a:xfrm>
+        </p:spPr>
         <p:txBody>
           <a:bodyPr/>
           <a:lstStyle/>
@@ -13622,7 +14540,12 @@
             <p:ph type="title"/>
           </p:nvPr>
         </p:nvSpPr>
-        <p:spPr/>
+        <p:spPr>
+          <a:xfrm>
+            <a:off x="1141413" y="618518"/>
+            <a:ext cx="9905998" cy="1478570"/>
+          </a:xfrm>
+        </p:spPr>
         <p:txBody>
           <a:bodyPr/>
           <a:lstStyle/>
@@ -13711,7 +14634,12 @@
             <p:ph type="title"/>
           </p:nvPr>
         </p:nvSpPr>
-        <p:spPr/>
+        <p:spPr>
+          <a:xfrm>
+            <a:off x="1141413" y="618518"/>
+            <a:ext cx="9905998" cy="1478570"/>
+          </a:xfrm>
+        </p:spPr>
         <p:txBody>
           <a:bodyPr/>
           <a:lstStyle/>
@@ -13800,7 +14728,12 @@
             <p:ph type="title"/>
           </p:nvPr>
         </p:nvSpPr>
-        <p:spPr/>
+        <p:spPr>
+          <a:xfrm>
+            <a:off x="1141413" y="618518"/>
+            <a:ext cx="9905998" cy="1478570"/>
+          </a:xfrm>
+        </p:spPr>
         <p:txBody>
           <a:bodyPr/>
           <a:lstStyle/>

--- a/powerPoint/به نام خدا).pptx
+++ b/powerPoint/به نام خدا).pptx
@@ -189,7 +189,7 @@
           <a:noFill/>
           <a:extLst>
             <a:ext uri="{909E8E84-426E-40dd-AFC4-6F175D3DCCD1}">
-              <a14:hiddenFill xmlns="" xmlns:a14="http://schemas.microsoft.com/office/drawing/2010/main">
+              <a14:hiddenFill xmlns:a14="http://schemas.microsoft.com/office/drawing/2010/main" xmlns="">
                 <a:solidFill>
                   <a:srgbClr val="FFFFFF"/>
                 </a:solidFill>
@@ -248,7 +248,7 @@
             </a:ln>
             <a:extLst>
               <a:ext uri="{91240B29-F687-4f45-9708-019B960494DF}">
-                <a14:hiddenLine xmlns="" xmlns:a14="http://schemas.microsoft.com/office/drawing/2010/main" w="9525">
+                <a14:hiddenLine xmlns:a14="http://schemas.microsoft.com/office/drawing/2010/main" xmlns="" w="9525">
                   <a:solidFill>
                     <a:srgbClr val="000000"/>
                   </a:solidFill>
@@ -338,7 +338,7 @@
             </a:ln>
             <a:extLst>
               <a:ext uri="{91240B29-F687-4f45-9708-019B960494DF}">
-                <a14:hiddenLine xmlns="" xmlns:a14="http://schemas.microsoft.com/office/drawing/2010/main" w="9525">
+                <a14:hiddenLine xmlns:a14="http://schemas.microsoft.com/office/drawing/2010/main" xmlns="" w="9525">
                   <a:solidFill>
                     <a:srgbClr val="000000"/>
                   </a:solidFill>
@@ -428,7 +428,7 @@
             </a:ln>
             <a:extLst>
               <a:ext uri="{91240B29-F687-4f45-9708-019B960494DF}">
-                <a14:hiddenLine xmlns="" xmlns:a14="http://schemas.microsoft.com/office/drawing/2010/main" w="9525">
+                <a14:hiddenLine xmlns:a14="http://schemas.microsoft.com/office/drawing/2010/main" xmlns="" w="9525">
                   <a:solidFill>
                     <a:srgbClr val="000000"/>
                   </a:solidFill>
@@ -462,7 +462,7 @@
             </a:ln>
             <a:extLst>
               <a:ext uri="{91240B29-F687-4f45-9708-019B960494DF}">
-                <a14:hiddenLine xmlns="" xmlns:a14="http://schemas.microsoft.com/office/drawing/2010/main" w="9525">
+                <a14:hiddenLine xmlns:a14="http://schemas.microsoft.com/office/drawing/2010/main" xmlns="" w="9525">
                   <a:solidFill>
                     <a:srgbClr val="000000"/>
                   </a:solidFill>
@@ -552,7 +552,7 @@
             </a:ln>
             <a:extLst>
               <a:ext uri="{91240B29-F687-4f45-9708-019B960494DF}">
-                <a14:hiddenLine xmlns="" xmlns:a14="http://schemas.microsoft.com/office/drawing/2010/main" w="9525">
+                <a14:hiddenLine xmlns:a14="http://schemas.microsoft.com/office/drawing/2010/main" xmlns="" w="9525">
                   <a:solidFill>
                     <a:srgbClr val="000000"/>
                   </a:solidFill>
@@ -614,7 +614,7 @@
             </a:ln>
             <a:extLst>
               <a:ext uri="{91240B29-F687-4f45-9708-019B960494DF}">
-                <a14:hiddenLine xmlns="" xmlns:a14="http://schemas.microsoft.com/office/drawing/2010/main" w="9525">
+                <a14:hiddenLine xmlns:a14="http://schemas.microsoft.com/office/drawing/2010/main" xmlns="" w="9525">
                   <a:solidFill>
                     <a:srgbClr val="000000"/>
                   </a:solidFill>
@@ -676,7 +676,7 @@
             </a:ln>
             <a:extLst>
               <a:ext uri="{91240B29-F687-4f45-9708-019B960494DF}">
-                <a14:hiddenLine xmlns="" xmlns:a14="http://schemas.microsoft.com/office/drawing/2010/main" w="9525">
+                <a14:hiddenLine xmlns:a14="http://schemas.microsoft.com/office/drawing/2010/main" xmlns="" w="9525">
                   <a:solidFill>
                     <a:srgbClr val="000000"/>
                   </a:solidFill>
@@ -766,7 +766,7 @@
             </a:ln>
             <a:extLst>
               <a:ext uri="{91240B29-F687-4f45-9708-019B960494DF}">
-                <a14:hiddenLine xmlns="" xmlns:a14="http://schemas.microsoft.com/office/drawing/2010/main" w="9525">
+                <a14:hiddenLine xmlns:a14="http://schemas.microsoft.com/office/drawing/2010/main" xmlns="" w="9525">
                   <a:solidFill>
                     <a:srgbClr val="000000"/>
                   </a:solidFill>
@@ -828,7 +828,7 @@
             </a:ln>
             <a:extLst>
               <a:ext uri="{91240B29-F687-4f45-9708-019B960494DF}">
-                <a14:hiddenLine xmlns="" xmlns:a14="http://schemas.microsoft.com/office/drawing/2010/main" w="9525">
+                <a14:hiddenLine xmlns:a14="http://schemas.microsoft.com/office/drawing/2010/main" xmlns="" w="9525">
                   <a:solidFill>
                     <a:srgbClr val="000000"/>
                   </a:solidFill>
@@ -890,7 +890,7 @@
             </a:ln>
             <a:extLst>
               <a:ext uri="{91240B29-F687-4f45-9708-019B960494DF}">
-                <a14:hiddenLine xmlns="" xmlns:a14="http://schemas.microsoft.com/office/drawing/2010/main" w="9525">
+                <a14:hiddenLine xmlns:a14="http://schemas.microsoft.com/office/drawing/2010/main" xmlns="" w="9525">
                   <a:solidFill>
                     <a:srgbClr val="000000"/>
                   </a:solidFill>
@@ -980,7 +980,7 @@
             </a:ln>
             <a:extLst>
               <a:ext uri="{91240B29-F687-4f45-9708-019B960494DF}">
-                <a14:hiddenLine xmlns="" xmlns:a14="http://schemas.microsoft.com/office/drawing/2010/main" w="9525">
+                <a14:hiddenLine xmlns:a14="http://schemas.microsoft.com/office/drawing/2010/main" xmlns="" w="9525">
                   <a:solidFill>
                     <a:srgbClr val="000000"/>
                   </a:solidFill>
@@ -1070,7 +1070,7 @@
             </a:ln>
             <a:extLst>
               <a:ext uri="{91240B29-F687-4f45-9708-019B960494DF}">
-                <a14:hiddenLine xmlns="" xmlns:a14="http://schemas.microsoft.com/office/drawing/2010/main" w="9525">
+                <a14:hiddenLine xmlns:a14="http://schemas.microsoft.com/office/drawing/2010/main" xmlns="" w="9525">
                   <a:solidFill>
                     <a:srgbClr val="000000"/>
                   </a:solidFill>
@@ -1132,7 +1132,7 @@
             </a:ln>
             <a:extLst>
               <a:ext uri="{91240B29-F687-4f45-9708-019B960494DF}">
-                <a14:hiddenLine xmlns="" xmlns:a14="http://schemas.microsoft.com/office/drawing/2010/main" w="9525">
+                <a14:hiddenLine xmlns:a14="http://schemas.microsoft.com/office/drawing/2010/main" xmlns="" w="9525">
                   <a:solidFill>
                     <a:srgbClr val="000000"/>
                   </a:solidFill>
@@ -1242,7 +1242,7 @@
             </a:ln>
             <a:extLst>
               <a:ext uri="{91240B29-F687-4f45-9708-019B960494DF}">
-                <a14:hiddenLine xmlns="" xmlns:a14="http://schemas.microsoft.com/office/drawing/2010/main" w="9525">
+                <a14:hiddenLine xmlns:a14="http://schemas.microsoft.com/office/drawing/2010/main" xmlns="" w="9525">
                   <a:solidFill>
                     <a:srgbClr val="000000"/>
                   </a:solidFill>
@@ -1304,7 +1304,7 @@
             </a:ln>
             <a:extLst>
               <a:ext uri="{91240B29-F687-4f45-9708-019B960494DF}">
-                <a14:hiddenLine xmlns="" xmlns:a14="http://schemas.microsoft.com/office/drawing/2010/main" w="9525">
+                <a14:hiddenLine xmlns:a14="http://schemas.microsoft.com/office/drawing/2010/main" xmlns="" w="9525">
                   <a:solidFill>
                     <a:srgbClr val="000000"/>
                   </a:solidFill>
@@ -1394,7 +1394,7 @@
             </a:ln>
             <a:extLst>
               <a:ext uri="{91240B29-F687-4f45-9708-019B960494DF}">
-                <a14:hiddenLine xmlns="" xmlns:a14="http://schemas.microsoft.com/office/drawing/2010/main" w="9525">
+                <a14:hiddenLine xmlns:a14="http://schemas.microsoft.com/office/drawing/2010/main" xmlns="" w="9525">
                   <a:solidFill>
                     <a:srgbClr val="000000"/>
                   </a:solidFill>
@@ -1484,7 +1484,7 @@
             </a:ln>
             <a:extLst>
               <a:ext uri="{91240B29-F687-4f45-9708-019B960494DF}">
-                <a14:hiddenLine xmlns="" xmlns:a14="http://schemas.microsoft.com/office/drawing/2010/main" w="9525">
+                <a14:hiddenLine xmlns:a14="http://schemas.microsoft.com/office/drawing/2010/main" xmlns="" w="9525">
                   <a:solidFill>
                     <a:srgbClr val="000000"/>
                   </a:solidFill>
@@ -1546,7 +1546,7 @@
             </a:ln>
             <a:extLst>
               <a:ext uri="{91240B29-F687-4f45-9708-019B960494DF}">
-                <a14:hiddenLine xmlns="" xmlns:a14="http://schemas.microsoft.com/office/drawing/2010/main" w="9525">
+                <a14:hiddenLine xmlns:a14="http://schemas.microsoft.com/office/drawing/2010/main" xmlns="" w="9525">
                   <a:solidFill>
                     <a:srgbClr val="000000"/>
                   </a:solidFill>
@@ -1636,7 +1636,7 @@
             </a:ln>
             <a:extLst>
               <a:ext uri="{91240B29-F687-4f45-9708-019B960494DF}">
-                <a14:hiddenLine xmlns="" xmlns:a14="http://schemas.microsoft.com/office/drawing/2010/main" w="9525">
+                <a14:hiddenLine xmlns:a14="http://schemas.microsoft.com/office/drawing/2010/main" xmlns="" w="9525">
                   <a:solidFill>
                     <a:srgbClr val="000000"/>
                   </a:solidFill>
@@ -1726,7 +1726,7 @@
             </a:ln>
             <a:extLst>
               <a:ext uri="{91240B29-F687-4f45-9708-019B960494DF}">
-                <a14:hiddenLine xmlns="" xmlns:a14="http://schemas.microsoft.com/office/drawing/2010/main" w="9525">
+                <a14:hiddenLine xmlns:a14="http://schemas.microsoft.com/office/drawing/2010/main" xmlns="" w="9525">
                   <a:solidFill>
                     <a:srgbClr val="000000"/>
                   </a:solidFill>
@@ -1782,7 +1782,7 @@
             </a:ln>
             <a:extLst>
               <a:ext uri="{91240B29-F687-4f45-9708-019B960494DF}">
-                <a14:hiddenLine xmlns="" xmlns:a14="http://schemas.microsoft.com/office/drawing/2010/main" w="9525">
+                <a14:hiddenLine xmlns:a14="http://schemas.microsoft.com/office/drawing/2010/main" xmlns="" w="9525">
                   <a:solidFill>
                     <a:srgbClr val="000000"/>
                   </a:solidFill>
@@ -1872,7 +1872,7 @@
             </a:ln>
             <a:extLst>
               <a:ext uri="{91240B29-F687-4f45-9708-019B960494DF}">
-                <a14:hiddenLine xmlns="" xmlns:a14="http://schemas.microsoft.com/office/drawing/2010/main" w="9525">
+                <a14:hiddenLine xmlns:a14="http://schemas.microsoft.com/office/drawing/2010/main" xmlns="" w="9525">
                   <a:solidFill>
                     <a:srgbClr val="000000"/>
                   </a:solidFill>
@@ -1928,7 +1928,7 @@
             </a:ln>
             <a:extLst>
               <a:ext uri="{91240B29-F687-4f45-9708-019B960494DF}">
-                <a14:hiddenLine xmlns="" xmlns:a14="http://schemas.microsoft.com/office/drawing/2010/main" w="9525">
+                <a14:hiddenLine xmlns:a14="http://schemas.microsoft.com/office/drawing/2010/main" xmlns="" w="9525">
                   <a:solidFill>
                     <a:srgbClr val="000000"/>
                   </a:solidFill>
@@ -2018,7 +2018,7 @@
             </a:ln>
             <a:extLst>
               <a:ext uri="{91240B29-F687-4f45-9708-019B960494DF}">
-                <a14:hiddenLine xmlns="" xmlns:a14="http://schemas.microsoft.com/office/drawing/2010/main" w="9525">
+                <a14:hiddenLine xmlns:a14="http://schemas.microsoft.com/office/drawing/2010/main" xmlns="" w="9525">
                   <a:solidFill>
                     <a:srgbClr val="000000"/>
                   </a:solidFill>
@@ -2086,7 +2086,7 @@
             </a:ln>
             <a:extLst>
               <a:ext uri="{91240B29-F687-4f45-9708-019B960494DF}">
-                <a14:hiddenLine xmlns="" xmlns:a14="http://schemas.microsoft.com/office/drawing/2010/main" w="9525">
+                <a14:hiddenLine xmlns:a14="http://schemas.microsoft.com/office/drawing/2010/main" xmlns="" w="9525">
                   <a:solidFill>
                     <a:srgbClr val="000000"/>
                   </a:solidFill>
@@ -2176,7 +2176,7 @@
             </a:ln>
             <a:extLst>
               <a:ext uri="{91240B29-F687-4f45-9708-019B960494DF}">
-                <a14:hiddenLine xmlns="" xmlns:a14="http://schemas.microsoft.com/office/drawing/2010/main" w="9525">
+                <a14:hiddenLine xmlns:a14="http://schemas.microsoft.com/office/drawing/2010/main" xmlns="" w="9525">
                   <a:solidFill>
                     <a:srgbClr val="000000"/>
                   </a:solidFill>
@@ -2244,7 +2244,7 @@
             </a:ln>
             <a:extLst>
               <a:ext uri="{91240B29-F687-4f45-9708-019B960494DF}">
-                <a14:hiddenLine xmlns="" xmlns:a14="http://schemas.microsoft.com/office/drawing/2010/main" w="9525">
+                <a14:hiddenLine xmlns:a14="http://schemas.microsoft.com/office/drawing/2010/main" xmlns="" w="9525">
                   <a:solidFill>
                     <a:srgbClr val="000000"/>
                   </a:solidFill>
@@ -2334,7 +2334,7 @@
             </a:ln>
             <a:extLst>
               <a:ext uri="{91240B29-F687-4f45-9708-019B960494DF}">
-                <a14:hiddenLine xmlns="" xmlns:a14="http://schemas.microsoft.com/office/drawing/2010/main" w="9525">
+                <a14:hiddenLine xmlns:a14="http://schemas.microsoft.com/office/drawing/2010/main" xmlns="" w="9525">
                   <a:solidFill>
                     <a:srgbClr val="000000"/>
                   </a:solidFill>
@@ -2368,7 +2368,7 @@
             </a:ln>
             <a:extLst>
               <a:ext uri="{91240B29-F687-4f45-9708-019B960494DF}">
-                <a14:hiddenLine xmlns="" xmlns:a14="http://schemas.microsoft.com/office/drawing/2010/main" w="9525">
+                <a14:hiddenLine xmlns:a14="http://schemas.microsoft.com/office/drawing/2010/main" xmlns="" w="9525">
                   <a:solidFill>
                     <a:srgbClr val="000000"/>
                   </a:solidFill>
@@ -2458,7 +2458,7 @@
             </a:ln>
             <a:extLst>
               <a:ext uri="{91240B29-F687-4f45-9708-019B960494DF}">
-                <a14:hiddenLine xmlns="" xmlns:a14="http://schemas.microsoft.com/office/drawing/2010/main" w="9525">
+                <a14:hiddenLine xmlns:a14="http://schemas.microsoft.com/office/drawing/2010/main" xmlns="" w="9525">
                   <a:solidFill>
                     <a:srgbClr val="000000"/>
                   </a:solidFill>
@@ -2520,7 +2520,7 @@
             </a:ln>
             <a:extLst>
               <a:ext uri="{91240B29-F687-4f45-9708-019B960494DF}">
-                <a14:hiddenLine xmlns="" xmlns:a14="http://schemas.microsoft.com/office/drawing/2010/main" w="9525">
+                <a14:hiddenLine xmlns:a14="http://schemas.microsoft.com/office/drawing/2010/main" xmlns="" w="9525">
                   <a:solidFill>
                     <a:srgbClr val="000000"/>
                   </a:solidFill>
@@ -2582,7 +2582,7 @@
             </a:ln>
             <a:extLst>
               <a:ext uri="{91240B29-F687-4f45-9708-019B960494DF}">
-                <a14:hiddenLine xmlns="" xmlns:a14="http://schemas.microsoft.com/office/drawing/2010/main" w="9525">
+                <a14:hiddenLine xmlns:a14="http://schemas.microsoft.com/office/drawing/2010/main" xmlns="" w="9525">
                   <a:solidFill>
                     <a:srgbClr val="000000"/>
                   </a:solidFill>
@@ -2672,7 +2672,7 @@
             </a:ln>
             <a:extLst>
               <a:ext uri="{91240B29-F687-4f45-9708-019B960494DF}">
-                <a14:hiddenLine xmlns="" xmlns:a14="http://schemas.microsoft.com/office/drawing/2010/main" w="9525">
+                <a14:hiddenLine xmlns:a14="http://schemas.microsoft.com/office/drawing/2010/main" xmlns="" w="9525">
                   <a:solidFill>
                     <a:srgbClr val="000000"/>
                   </a:solidFill>
@@ -2740,7 +2740,7 @@
             </a:ln>
             <a:extLst>
               <a:ext uri="{91240B29-F687-4f45-9708-019B960494DF}">
-                <a14:hiddenLine xmlns="" xmlns:a14="http://schemas.microsoft.com/office/drawing/2010/main" w="9525">
+                <a14:hiddenLine xmlns:a14="http://schemas.microsoft.com/office/drawing/2010/main" xmlns="" w="9525">
                   <a:solidFill>
                     <a:srgbClr val="000000"/>
                   </a:solidFill>
@@ -2802,7 +2802,7 @@
             </a:ln>
             <a:extLst>
               <a:ext uri="{91240B29-F687-4f45-9708-019B960494DF}">
-                <a14:hiddenLine xmlns="" xmlns:a14="http://schemas.microsoft.com/office/drawing/2010/main" w="9525">
+                <a14:hiddenLine xmlns:a14="http://schemas.microsoft.com/office/drawing/2010/main" xmlns="" w="9525">
                   <a:solidFill>
                     <a:srgbClr val="000000"/>
                   </a:solidFill>
@@ -2892,7 +2892,7 @@
             </a:ln>
             <a:extLst>
               <a:ext uri="{91240B29-F687-4f45-9708-019B960494DF}">
-                <a14:hiddenLine xmlns="" xmlns:a14="http://schemas.microsoft.com/office/drawing/2010/main" w="9525">
+                <a14:hiddenLine xmlns:a14="http://schemas.microsoft.com/office/drawing/2010/main" xmlns="" w="9525">
                   <a:solidFill>
                     <a:srgbClr val="000000"/>
                   </a:solidFill>
@@ -2954,7 +2954,7 @@
             </a:ln>
             <a:extLst>
               <a:ext uri="{91240B29-F687-4f45-9708-019B960494DF}">
-                <a14:hiddenLine xmlns="" xmlns:a14="http://schemas.microsoft.com/office/drawing/2010/main" w="9525">
+                <a14:hiddenLine xmlns:a14="http://schemas.microsoft.com/office/drawing/2010/main" xmlns="" w="9525">
                   <a:solidFill>
                     <a:srgbClr val="000000"/>
                   </a:solidFill>
@@ -3044,7 +3044,7 @@
             </a:ln>
             <a:extLst>
               <a:ext uri="{91240B29-F687-4f45-9708-019B960494DF}">
-                <a14:hiddenLine xmlns="" xmlns:a14="http://schemas.microsoft.com/office/drawing/2010/main" w="9525">
+                <a14:hiddenLine xmlns:a14="http://schemas.microsoft.com/office/drawing/2010/main" xmlns="" w="9525">
                   <a:solidFill>
                     <a:srgbClr val="000000"/>
                   </a:solidFill>
@@ -3106,7 +3106,7 @@
             </a:ln>
             <a:extLst>
               <a:ext uri="{91240B29-F687-4f45-9708-019B960494DF}">
-                <a14:hiddenLine xmlns="" xmlns:a14="http://schemas.microsoft.com/office/drawing/2010/main" w="9525">
+                <a14:hiddenLine xmlns:a14="http://schemas.microsoft.com/office/drawing/2010/main" xmlns="" w="9525">
                   <a:solidFill>
                     <a:srgbClr val="000000"/>
                   </a:solidFill>
@@ -3196,7 +3196,7 @@
             </a:ln>
             <a:extLst>
               <a:ext uri="{91240B29-F687-4f45-9708-019B960494DF}">
-                <a14:hiddenLine xmlns="" xmlns:a14="http://schemas.microsoft.com/office/drawing/2010/main" w="9525">
+                <a14:hiddenLine xmlns:a14="http://schemas.microsoft.com/office/drawing/2010/main" xmlns="" w="9525">
                   <a:solidFill>
                     <a:srgbClr val="000000"/>
                   </a:solidFill>
@@ -3230,7 +3230,7 @@
             </a:ln>
             <a:extLst>
               <a:ext uri="{91240B29-F687-4f45-9708-019B960494DF}">
-                <a14:hiddenLine xmlns="" xmlns:a14="http://schemas.microsoft.com/office/drawing/2010/main" w="9525">
+                <a14:hiddenLine xmlns:a14="http://schemas.microsoft.com/office/drawing/2010/main" xmlns="" w="9525">
                   <a:solidFill>
                     <a:srgbClr val="000000"/>
                   </a:solidFill>
@@ -3295,7 +3295,7 @@
             </a:ln>
             <a:extLst>
               <a:ext uri="{91240B29-F687-4f45-9708-019B960494DF}">
-                <a14:hiddenLine xmlns="" xmlns:a14="http://schemas.microsoft.com/office/drawing/2010/main" w="9525">
+                <a14:hiddenLine xmlns:a14="http://schemas.microsoft.com/office/drawing/2010/main" xmlns="" w="9525">
                   <a:solidFill>
                     <a:srgbClr val="000000"/>
                   </a:solidFill>
@@ -3385,7 +3385,7 @@
             </a:ln>
             <a:extLst>
               <a:ext uri="{91240B29-F687-4f45-9708-019B960494DF}">
-                <a14:hiddenLine xmlns="" xmlns:a14="http://schemas.microsoft.com/office/drawing/2010/main" w="9525">
+                <a14:hiddenLine xmlns:a14="http://schemas.microsoft.com/office/drawing/2010/main" xmlns="" w="9525">
                   <a:solidFill>
                     <a:srgbClr val="000000"/>
                   </a:solidFill>
@@ -3447,7 +3447,7 @@
             </a:ln>
             <a:extLst>
               <a:ext uri="{91240B29-F687-4f45-9708-019B960494DF}">
-                <a14:hiddenLine xmlns="" xmlns:a14="http://schemas.microsoft.com/office/drawing/2010/main" w="9525">
+                <a14:hiddenLine xmlns:a14="http://schemas.microsoft.com/office/drawing/2010/main" xmlns="" w="9525">
                   <a:solidFill>
                     <a:srgbClr val="000000"/>
                   </a:solidFill>
@@ -3537,7 +3537,7 @@
             </a:ln>
             <a:extLst>
               <a:ext uri="{91240B29-F687-4f45-9708-019B960494DF}">
-                <a14:hiddenLine xmlns="" xmlns:a14="http://schemas.microsoft.com/office/drawing/2010/main" w="9525">
+                <a14:hiddenLine xmlns:a14="http://schemas.microsoft.com/office/drawing/2010/main" xmlns="" w="9525">
                   <a:solidFill>
                     <a:srgbClr val="000000"/>
                   </a:solidFill>
@@ -3627,7 +3627,7 @@
             </a:ln>
             <a:extLst>
               <a:ext uri="{91240B29-F687-4f45-9708-019B960494DF}">
-                <a14:hiddenLine xmlns="" xmlns:a14="http://schemas.microsoft.com/office/drawing/2010/main" w="9525">
+                <a14:hiddenLine xmlns:a14="http://schemas.microsoft.com/office/drawing/2010/main" xmlns="" w="9525">
                   <a:solidFill>
                     <a:srgbClr val="000000"/>
                   </a:solidFill>
@@ -3692,7 +3692,7 @@
             </a:ln>
             <a:extLst>
               <a:ext uri="{91240B29-F687-4f45-9708-019B960494DF}">
-                <a14:hiddenLine xmlns="" xmlns:a14="http://schemas.microsoft.com/office/drawing/2010/main" w="9525">
+                <a14:hiddenLine xmlns:a14="http://schemas.microsoft.com/office/drawing/2010/main" xmlns="" w="9525">
                   <a:solidFill>
                     <a:srgbClr val="000000"/>
                   </a:solidFill>
@@ -3754,7 +3754,7 @@
             </a:ln>
             <a:extLst>
               <a:ext uri="{91240B29-F687-4f45-9708-019B960494DF}">
-                <a14:hiddenLine xmlns="" xmlns:a14="http://schemas.microsoft.com/office/drawing/2010/main" w="9525">
+                <a14:hiddenLine xmlns:a14="http://schemas.microsoft.com/office/drawing/2010/main" xmlns="" w="9525">
                   <a:solidFill>
                     <a:srgbClr val="000000"/>
                   </a:solidFill>
@@ -3844,7 +3844,7 @@
             </a:ln>
             <a:extLst>
               <a:ext uri="{91240B29-F687-4f45-9708-019B960494DF}">
-                <a14:hiddenLine xmlns="" xmlns:a14="http://schemas.microsoft.com/office/drawing/2010/main" w="9525">
+                <a14:hiddenLine xmlns:a14="http://schemas.microsoft.com/office/drawing/2010/main" xmlns="" w="9525">
                   <a:solidFill>
                     <a:srgbClr val="000000"/>
                   </a:solidFill>
@@ -3934,7 +3934,7 @@
             </a:ln>
             <a:extLst>
               <a:ext uri="{91240B29-F687-4f45-9708-019B960494DF}">
-                <a14:hiddenLine xmlns="" xmlns:a14="http://schemas.microsoft.com/office/drawing/2010/main" w="9525">
+                <a14:hiddenLine xmlns:a14="http://schemas.microsoft.com/office/drawing/2010/main" xmlns="" w="9525">
                   <a:solidFill>
                     <a:srgbClr val="000000"/>
                   </a:solidFill>
@@ -3996,7 +3996,7 @@
             </a:ln>
             <a:extLst>
               <a:ext uri="{91240B29-F687-4f45-9708-019B960494DF}">
-                <a14:hiddenLine xmlns="" xmlns:a14="http://schemas.microsoft.com/office/drawing/2010/main" w="9525">
+                <a14:hiddenLine xmlns:a14="http://schemas.microsoft.com/office/drawing/2010/main" xmlns="" w="9525">
                   <a:solidFill>
                     <a:srgbClr val="000000"/>
                   </a:solidFill>
@@ -4116,7 +4116,7 @@
             </a:ln>
             <a:extLst>
               <a:ext uri="{91240B29-F687-4f45-9708-019B960494DF}">
-                <a14:hiddenLine xmlns="" xmlns:a14="http://schemas.microsoft.com/office/drawing/2010/main" w="9525">
+                <a14:hiddenLine xmlns:a14="http://schemas.microsoft.com/office/drawing/2010/main" xmlns="" w="9525">
                   <a:solidFill>
                     <a:srgbClr val="000000"/>
                   </a:solidFill>
@@ -4184,7 +4184,7 @@
             </a:ln>
             <a:extLst>
               <a:ext uri="{91240B29-F687-4f45-9708-019B960494DF}">
-                <a14:hiddenLine xmlns="" xmlns:a14="http://schemas.microsoft.com/office/drawing/2010/main" w="9525">
+                <a14:hiddenLine xmlns:a14="http://schemas.microsoft.com/office/drawing/2010/main" xmlns="" w="9525">
                   <a:solidFill>
                     <a:srgbClr val="000000"/>
                   </a:solidFill>
@@ -4274,7 +4274,7 @@
             </a:ln>
             <a:extLst>
               <a:ext uri="{91240B29-F687-4f45-9708-019B960494DF}">
-                <a14:hiddenLine xmlns="" xmlns:a14="http://schemas.microsoft.com/office/drawing/2010/main" w="9525">
+                <a14:hiddenLine xmlns:a14="http://schemas.microsoft.com/office/drawing/2010/main" xmlns="" w="9525">
                   <a:solidFill>
                     <a:srgbClr val="000000"/>
                   </a:solidFill>
@@ -9009,7 +9009,7 @@
           <a:noFill/>
           <a:extLst>
             <a:ext uri="{909E8E84-426E-40dd-AFC4-6F175D3DCCD1}">
-              <a14:hiddenFill xmlns="" xmlns:a14="http://schemas.microsoft.com/office/drawing/2010/main">
+              <a14:hiddenFill xmlns:a14="http://schemas.microsoft.com/office/drawing/2010/main" xmlns="">
                 <a:solidFill>
                   <a:srgbClr val="FFFFFF"/>
                 </a:solidFill>
@@ -9083,7 +9083,7 @@
               </a:ln>
               <a:extLst>
                 <a:ext uri="{91240B29-F687-4f45-9708-019B960494DF}">
-                  <a14:hiddenLine xmlns="" xmlns:a14="http://schemas.microsoft.com/office/drawing/2010/main" w="9525">
+                  <a14:hiddenLine xmlns:a14="http://schemas.microsoft.com/office/drawing/2010/main" xmlns="" w="9525">
                     <a:solidFill>
                       <a:srgbClr val="000000"/>
                     </a:solidFill>
@@ -9173,7 +9173,7 @@
               </a:ln>
               <a:extLst>
                 <a:ext uri="{91240B29-F687-4f45-9708-019B960494DF}">
-                  <a14:hiddenLine xmlns="" xmlns:a14="http://schemas.microsoft.com/office/drawing/2010/main" w="9525">
+                  <a14:hiddenLine xmlns:a14="http://schemas.microsoft.com/office/drawing/2010/main" xmlns="" w="9525">
                     <a:solidFill>
                       <a:srgbClr val="000000"/>
                     </a:solidFill>
@@ -9263,7 +9263,7 @@
               </a:ln>
               <a:extLst>
                 <a:ext uri="{91240B29-F687-4f45-9708-019B960494DF}">
-                  <a14:hiddenLine xmlns="" xmlns:a14="http://schemas.microsoft.com/office/drawing/2010/main" w="9525">
+                  <a14:hiddenLine xmlns:a14="http://schemas.microsoft.com/office/drawing/2010/main" xmlns="" w="9525">
                     <a:solidFill>
                       <a:srgbClr val="000000"/>
                     </a:solidFill>
@@ -9325,7 +9325,7 @@
               </a:ln>
               <a:extLst>
                 <a:ext uri="{91240B29-F687-4f45-9708-019B960494DF}">
-                  <a14:hiddenLine xmlns="" xmlns:a14="http://schemas.microsoft.com/office/drawing/2010/main" w="9525">
+                  <a14:hiddenLine xmlns:a14="http://schemas.microsoft.com/office/drawing/2010/main" xmlns="" w="9525">
                     <a:solidFill>
                       <a:srgbClr val="000000"/>
                     </a:solidFill>
@@ -9415,7 +9415,7 @@
               </a:ln>
               <a:extLst>
                 <a:ext uri="{91240B29-F687-4f45-9708-019B960494DF}">
-                  <a14:hiddenLine xmlns="" xmlns:a14="http://schemas.microsoft.com/office/drawing/2010/main" w="9525">
+                  <a14:hiddenLine xmlns:a14="http://schemas.microsoft.com/office/drawing/2010/main" xmlns="" w="9525">
                     <a:solidFill>
                       <a:srgbClr val="000000"/>
                     </a:solidFill>
@@ -9477,7 +9477,7 @@
               </a:ln>
               <a:extLst>
                 <a:ext uri="{91240B29-F687-4f45-9708-019B960494DF}">
-                  <a14:hiddenLine xmlns="" xmlns:a14="http://schemas.microsoft.com/office/drawing/2010/main" w="9525">
+                  <a14:hiddenLine xmlns:a14="http://schemas.microsoft.com/office/drawing/2010/main" xmlns="" w="9525">
                     <a:solidFill>
                       <a:srgbClr val="000000"/>
                     </a:solidFill>
@@ -9539,7 +9539,7 @@
               </a:ln>
               <a:extLst>
                 <a:ext uri="{91240B29-F687-4f45-9708-019B960494DF}">
-                  <a14:hiddenLine xmlns="" xmlns:a14="http://schemas.microsoft.com/office/drawing/2010/main" w="9525">
+                  <a14:hiddenLine xmlns:a14="http://schemas.microsoft.com/office/drawing/2010/main" xmlns="" w="9525">
                     <a:solidFill>
                       <a:srgbClr val="000000"/>
                     </a:solidFill>
@@ -9629,7 +9629,7 @@
               </a:ln>
               <a:extLst>
                 <a:ext uri="{91240B29-F687-4f45-9708-019B960494DF}">
-                  <a14:hiddenLine xmlns="" xmlns:a14="http://schemas.microsoft.com/office/drawing/2010/main" w="9525">
+                  <a14:hiddenLine xmlns:a14="http://schemas.microsoft.com/office/drawing/2010/main" xmlns="" w="9525">
                     <a:solidFill>
                       <a:srgbClr val="000000"/>
                     </a:solidFill>
@@ -9719,7 +9719,7 @@
               </a:ln>
               <a:extLst>
                 <a:ext uri="{91240B29-F687-4f45-9708-019B960494DF}">
-                  <a14:hiddenLine xmlns="" xmlns:a14="http://schemas.microsoft.com/office/drawing/2010/main" w="9525">
+                  <a14:hiddenLine xmlns:a14="http://schemas.microsoft.com/office/drawing/2010/main" xmlns="" w="9525">
                     <a:solidFill>
                       <a:srgbClr val="000000"/>
                     </a:solidFill>
@@ -9781,7 +9781,7 @@
               </a:ln>
               <a:extLst>
                 <a:ext uri="{91240B29-F687-4f45-9708-019B960494DF}">
-                  <a14:hiddenLine xmlns="" xmlns:a14="http://schemas.microsoft.com/office/drawing/2010/main" w="9525">
+                  <a14:hiddenLine xmlns:a14="http://schemas.microsoft.com/office/drawing/2010/main" xmlns="" w="9525">
                     <a:solidFill>
                       <a:srgbClr val="000000"/>
                     </a:solidFill>
@@ -9891,7 +9891,7 @@
               </a:ln>
               <a:extLst>
                 <a:ext uri="{91240B29-F687-4f45-9708-019B960494DF}">
-                  <a14:hiddenLine xmlns="" xmlns:a14="http://schemas.microsoft.com/office/drawing/2010/main" w="9525">
+                  <a14:hiddenLine xmlns:a14="http://schemas.microsoft.com/office/drawing/2010/main" xmlns="" w="9525">
                     <a:solidFill>
                       <a:srgbClr val="000000"/>
                     </a:solidFill>
@@ -9975,7 +9975,7 @@
               </a:ln>
               <a:extLst>
                 <a:ext uri="{91240B29-F687-4f45-9708-019B960494DF}">
-                  <a14:hiddenLine xmlns="" xmlns:a14="http://schemas.microsoft.com/office/drawing/2010/main" w="9525">
+                  <a14:hiddenLine xmlns:a14="http://schemas.microsoft.com/office/drawing/2010/main" xmlns="" w="9525">
                     <a:solidFill>
                       <a:srgbClr val="000000"/>
                     </a:solidFill>
@@ -10037,7 +10037,7 @@
               </a:ln>
               <a:extLst>
                 <a:ext uri="{91240B29-F687-4f45-9708-019B960494DF}">
-                  <a14:hiddenLine xmlns="" xmlns:a14="http://schemas.microsoft.com/office/drawing/2010/main" w="9525">
+                  <a14:hiddenLine xmlns:a14="http://schemas.microsoft.com/office/drawing/2010/main" xmlns="" w="9525">
                     <a:solidFill>
                       <a:srgbClr val="000000"/>
                     </a:solidFill>
@@ -10099,7 +10099,7 @@
               </a:ln>
               <a:extLst>
                 <a:ext uri="{91240B29-F687-4f45-9708-019B960494DF}">
-                  <a14:hiddenLine xmlns="" xmlns:a14="http://schemas.microsoft.com/office/drawing/2010/main" w="9525">
+                  <a14:hiddenLine xmlns:a14="http://schemas.microsoft.com/office/drawing/2010/main" xmlns="" w="9525">
                     <a:solidFill>
                       <a:srgbClr val="000000"/>
                     </a:solidFill>
@@ -10189,7 +10189,7 @@
               </a:ln>
               <a:extLst>
                 <a:ext uri="{91240B29-F687-4f45-9708-019B960494DF}">
-                  <a14:hiddenLine xmlns="" xmlns:a14="http://schemas.microsoft.com/office/drawing/2010/main" w="9525">
+                  <a14:hiddenLine xmlns:a14="http://schemas.microsoft.com/office/drawing/2010/main" xmlns="" w="9525">
                     <a:solidFill>
                       <a:srgbClr val="000000"/>
                     </a:solidFill>
@@ -10223,7 +10223,7 @@
               </a:ln>
               <a:extLst>
                 <a:ext uri="{91240B29-F687-4f45-9708-019B960494DF}">
-                  <a14:hiddenLine xmlns="" xmlns:a14="http://schemas.microsoft.com/office/drawing/2010/main" w="9525">
+                  <a14:hiddenLine xmlns:a14="http://schemas.microsoft.com/office/drawing/2010/main" xmlns="" w="9525">
                     <a:solidFill>
                       <a:srgbClr val="000000"/>
                     </a:solidFill>
@@ -10288,7 +10288,7 @@
               </a:ln>
               <a:extLst>
                 <a:ext uri="{91240B29-F687-4f45-9708-019B960494DF}">
-                  <a14:hiddenLine xmlns="" xmlns:a14="http://schemas.microsoft.com/office/drawing/2010/main" w="9525">
+                  <a14:hiddenLine xmlns:a14="http://schemas.microsoft.com/office/drawing/2010/main" xmlns="" w="9525">
                     <a:solidFill>
                       <a:srgbClr val="000000"/>
                     </a:solidFill>
@@ -10378,7 +10378,7 @@
               </a:ln>
               <a:extLst>
                 <a:ext uri="{91240B29-F687-4f45-9708-019B960494DF}">
-                  <a14:hiddenLine xmlns="" xmlns:a14="http://schemas.microsoft.com/office/drawing/2010/main" w="9525">
+                  <a14:hiddenLine xmlns:a14="http://schemas.microsoft.com/office/drawing/2010/main" xmlns="" w="9525">
                     <a:solidFill>
                       <a:srgbClr val="000000"/>
                     </a:solidFill>
@@ -10440,7 +10440,7 @@
               </a:ln>
               <a:extLst>
                 <a:ext uri="{91240B29-F687-4f45-9708-019B960494DF}">
-                  <a14:hiddenLine xmlns="" xmlns:a14="http://schemas.microsoft.com/office/drawing/2010/main" w="9525">
+                  <a14:hiddenLine xmlns:a14="http://schemas.microsoft.com/office/drawing/2010/main" xmlns="" w="9525">
                     <a:solidFill>
                       <a:srgbClr val="000000"/>
                     </a:solidFill>
@@ -10530,7 +10530,7 @@
               </a:ln>
               <a:extLst>
                 <a:ext uri="{91240B29-F687-4f45-9708-019B960494DF}">
-                  <a14:hiddenLine xmlns="" xmlns:a14="http://schemas.microsoft.com/office/drawing/2010/main" w="9525">
+                  <a14:hiddenLine xmlns:a14="http://schemas.microsoft.com/office/drawing/2010/main" xmlns="" w="9525">
                     <a:solidFill>
                       <a:srgbClr val="000000"/>
                     </a:solidFill>
@@ -10595,7 +10595,7 @@
               </a:ln>
               <a:extLst>
                 <a:ext uri="{91240B29-F687-4f45-9708-019B960494DF}">
-                  <a14:hiddenLine xmlns="" xmlns:a14="http://schemas.microsoft.com/office/drawing/2010/main" w="9525">
+                  <a14:hiddenLine xmlns:a14="http://schemas.microsoft.com/office/drawing/2010/main" xmlns="" w="9525">
                     <a:solidFill>
                       <a:srgbClr val="000000"/>
                     </a:solidFill>
@@ -10657,7 +10657,7 @@
               </a:ln>
               <a:extLst>
                 <a:ext uri="{91240B29-F687-4f45-9708-019B960494DF}">
-                  <a14:hiddenLine xmlns="" xmlns:a14="http://schemas.microsoft.com/office/drawing/2010/main" w="9525">
+                  <a14:hiddenLine xmlns:a14="http://schemas.microsoft.com/office/drawing/2010/main" xmlns="" w="9525">
                     <a:solidFill>
                       <a:srgbClr val="000000"/>
                     </a:solidFill>
@@ -10747,7 +10747,7 @@
               </a:ln>
               <a:extLst>
                 <a:ext uri="{91240B29-F687-4f45-9708-019B960494DF}">
-                  <a14:hiddenLine xmlns="" xmlns:a14="http://schemas.microsoft.com/office/drawing/2010/main" w="9525">
+                  <a14:hiddenLine xmlns:a14="http://schemas.microsoft.com/office/drawing/2010/main" xmlns="" w="9525">
                     <a:solidFill>
                       <a:srgbClr val="000000"/>
                     </a:solidFill>
@@ -10837,7 +10837,7 @@
               </a:ln>
               <a:extLst>
                 <a:ext uri="{91240B29-F687-4f45-9708-019B960494DF}">
-                  <a14:hiddenLine xmlns="" xmlns:a14="http://schemas.microsoft.com/office/drawing/2010/main" w="9525">
+                  <a14:hiddenLine xmlns:a14="http://schemas.microsoft.com/office/drawing/2010/main" xmlns="" w="9525">
                     <a:solidFill>
                       <a:srgbClr val="000000"/>
                     </a:solidFill>
@@ -10902,7 +10902,7 @@
               </a:ln>
               <a:extLst>
                 <a:ext uri="{91240B29-F687-4f45-9708-019B960494DF}">
-                  <a14:hiddenLine xmlns="" xmlns:a14="http://schemas.microsoft.com/office/drawing/2010/main" w="9525">
+                  <a14:hiddenLine xmlns:a14="http://schemas.microsoft.com/office/drawing/2010/main" xmlns="" w="9525">
                     <a:solidFill>
                       <a:srgbClr val="000000"/>
                     </a:solidFill>
@@ -11022,7 +11022,7 @@
               </a:ln>
               <a:extLst>
                 <a:ext uri="{91240B29-F687-4f45-9708-019B960494DF}">
-                  <a14:hiddenLine xmlns="" xmlns:a14="http://schemas.microsoft.com/office/drawing/2010/main" w="9525">
+                  <a14:hiddenLine xmlns:a14="http://schemas.microsoft.com/office/drawing/2010/main" xmlns="" w="9525">
                     <a:solidFill>
                       <a:srgbClr val="000000"/>
                     </a:solidFill>
@@ -11103,7 +11103,7 @@
               </a:ln>
               <a:extLst>
                 <a:ext uri="{91240B29-F687-4f45-9708-019B960494DF}">
-                  <a14:hiddenLine xmlns="" xmlns:a14="http://schemas.microsoft.com/office/drawing/2010/main" w="9525">
+                  <a14:hiddenLine xmlns:a14="http://schemas.microsoft.com/office/drawing/2010/main" xmlns="" w="9525">
                     <a:solidFill>
                       <a:srgbClr val="000000"/>
                     </a:solidFill>
@@ -11218,7 +11218,7 @@
               </a:ln>
               <a:extLst>
                 <a:ext uri="{91240B29-F687-4f45-9708-019B960494DF}">
-                  <a14:hiddenLine xmlns="" xmlns:a14="http://schemas.microsoft.com/office/drawing/2010/main" w="9525">
+                  <a14:hiddenLine xmlns:a14="http://schemas.microsoft.com/office/drawing/2010/main" xmlns="" w="9525">
                     <a:solidFill>
                       <a:srgbClr val="000000"/>
                     </a:solidFill>
@@ -11308,7 +11308,7 @@
               </a:ln>
               <a:extLst>
                 <a:ext uri="{91240B29-F687-4f45-9708-019B960494DF}">
-                  <a14:hiddenLine xmlns="" xmlns:a14="http://schemas.microsoft.com/office/drawing/2010/main" w="9525">
+                  <a14:hiddenLine xmlns:a14="http://schemas.microsoft.com/office/drawing/2010/main" xmlns="" w="9525">
                     <a:solidFill>
                       <a:srgbClr val="000000"/>
                     </a:solidFill>
@@ -11373,7 +11373,7 @@
               </a:ln>
               <a:extLst>
                 <a:ext uri="{91240B29-F687-4f45-9708-019B960494DF}">
-                  <a14:hiddenLine xmlns="" xmlns:a14="http://schemas.microsoft.com/office/drawing/2010/main" w="9525">
+                  <a14:hiddenLine xmlns:a14="http://schemas.microsoft.com/office/drawing/2010/main" xmlns="" w="9525">
                     <a:solidFill>
                       <a:srgbClr val="000000"/>
                     </a:solidFill>
@@ -11463,7 +11463,7 @@
               </a:ln>
               <a:extLst>
                 <a:ext uri="{91240B29-F687-4f45-9708-019B960494DF}">
-                  <a14:hiddenLine xmlns="" xmlns:a14="http://schemas.microsoft.com/office/drawing/2010/main" w="9525">
+                  <a14:hiddenLine xmlns:a14="http://schemas.microsoft.com/office/drawing/2010/main" xmlns="" w="9525">
                     <a:solidFill>
                       <a:srgbClr val="000000"/>
                     </a:solidFill>
@@ -11531,7 +11531,7 @@
               </a:ln>
               <a:extLst>
                 <a:ext uri="{91240B29-F687-4f45-9708-019B960494DF}">
-                  <a14:hiddenLine xmlns="" xmlns:a14="http://schemas.microsoft.com/office/drawing/2010/main" w="9525">
+                  <a14:hiddenLine xmlns:a14="http://schemas.microsoft.com/office/drawing/2010/main" xmlns="" w="9525">
                     <a:solidFill>
                       <a:srgbClr val="000000"/>
                     </a:solidFill>
@@ -11621,7 +11621,7 @@
               </a:ln>
               <a:extLst>
                 <a:ext uri="{91240B29-F687-4f45-9708-019B960494DF}">
-                  <a14:hiddenLine xmlns="" xmlns:a14="http://schemas.microsoft.com/office/drawing/2010/main" w="9525">
+                  <a14:hiddenLine xmlns:a14="http://schemas.microsoft.com/office/drawing/2010/main" xmlns="" w="9525">
                     <a:solidFill>
                       <a:srgbClr val="000000"/>
                     </a:solidFill>
@@ -11689,7 +11689,7 @@
               </a:ln>
               <a:extLst>
                 <a:ext uri="{91240B29-F687-4f45-9708-019B960494DF}">
-                  <a14:hiddenLine xmlns="" xmlns:a14="http://schemas.microsoft.com/office/drawing/2010/main" w="9525">
+                  <a14:hiddenLine xmlns:a14="http://schemas.microsoft.com/office/drawing/2010/main" xmlns="" w="9525">
                     <a:solidFill>
                       <a:srgbClr val="000000"/>
                     </a:solidFill>
@@ -11779,7 +11779,7 @@
               </a:ln>
               <a:extLst>
                 <a:ext uri="{91240B29-F687-4f45-9708-019B960494DF}">
-                  <a14:hiddenLine xmlns="" xmlns:a14="http://schemas.microsoft.com/office/drawing/2010/main" w="9525">
+                  <a14:hiddenLine xmlns:a14="http://schemas.microsoft.com/office/drawing/2010/main" xmlns="" w="9525">
                     <a:solidFill>
                       <a:srgbClr val="000000"/>
                     </a:solidFill>
@@ -11813,7 +11813,7 @@
               </a:ln>
               <a:extLst>
                 <a:ext uri="{91240B29-F687-4f45-9708-019B960494DF}">
-                  <a14:hiddenLine xmlns="" xmlns:a14="http://schemas.microsoft.com/office/drawing/2010/main" w="9525">
+                  <a14:hiddenLine xmlns:a14="http://schemas.microsoft.com/office/drawing/2010/main" xmlns="" w="9525">
                     <a:solidFill>
                       <a:srgbClr val="000000"/>
                     </a:solidFill>
@@ -13944,14 +13944,6 @@
           <a:lstStyle/>
           <a:p>
             <a:pPr algn="ctr"/>
-            <a:r>
-              <a:rPr lang="en-US" dirty="0" err="1"/>
-              <a:t>Enum</a:t>
-            </a:r>
-            <a:r>
-              <a:rPr lang="en-US" dirty="0"/>
-              <a:t> , map</a:t>
-            </a:r>
             <a:endParaRPr lang="fa-IR" dirty="0"/>
           </a:p>
         </p:txBody>
@@ -14043,6 +14035,52 @@
             </a:r>
             <a:r>
               <a:rPr lang="en-US" dirty="0"/>
+              <a:t>;</a:t>
+            </a:r>
+          </a:p>
+          <a:p>
+            <a:pPr algn="l"/>
+            <a:r>
+              <a:rPr lang="en-US" dirty="0"/>
+              <a:t>map &lt;</a:t>
+            </a:r>
+            <a:r>
+              <a:rPr lang="en-US" dirty="0" err="1"/>
+              <a:t>pieceType</a:t>
+            </a:r>
+            <a:r>
+              <a:rPr lang="en-US" dirty="0"/>
+              <a:t>, string&gt; </a:t>
+            </a:r>
+            <a:r>
+              <a:rPr lang="en-US" dirty="0" err="1"/>
+              <a:t>pieceMap</a:t>
+            </a:r>
+            <a:r>
+              <a:rPr lang="en-US" dirty="0"/>
+              <a:t>;</a:t>
+            </a:r>
+          </a:p>
+          <a:p>
+            <a:pPr algn="l"/>
+            <a:r>
+              <a:rPr lang="en-US" dirty="0"/>
+              <a:t>map &lt;</a:t>
+            </a:r>
+            <a:r>
+              <a:rPr lang="en-US" dirty="0" err="1"/>
+              <a:t>playerColor</a:t>
+            </a:r>
+            <a:r>
+              <a:rPr lang="en-US" dirty="0"/>
+              <a:t>, player&gt; </a:t>
+            </a:r>
+            <a:r>
+              <a:rPr lang="en-US" dirty="0" err="1"/>
+              <a:t>playerMap</a:t>
+            </a:r>
+            <a:r>
+              <a:rPr lang="en-US"/>
               <a:t>;</a:t>
             </a:r>
             <a:endParaRPr lang="fa-IR" dirty="0"/>

--- a/powerPoint/به نام خدا).pptx
+++ b/powerPoint/به نام خدا).pptx
@@ -13,19 +13,20 @@
     <p:sldId id="261" r:id="rId7"/>
     <p:sldId id="262" r:id="rId8"/>
     <p:sldId id="263" r:id="rId9"/>
-    <p:sldId id="264" r:id="rId10"/>
-    <p:sldId id="269" r:id="rId11"/>
-    <p:sldId id="265" r:id="rId12"/>
-    <p:sldId id="266" r:id="rId13"/>
-    <p:sldId id="267" r:id="rId14"/>
-    <p:sldId id="268" r:id="rId15"/>
-    <p:sldId id="270" r:id="rId16"/>
-    <p:sldId id="271" r:id="rId17"/>
-    <p:sldId id="272" r:id="rId18"/>
-    <p:sldId id="273" r:id="rId19"/>
-    <p:sldId id="274" r:id="rId20"/>
-    <p:sldId id="275" r:id="rId21"/>
-    <p:sldId id="276" r:id="rId22"/>
+    <p:sldId id="277" r:id="rId10"/>
+    <p:sldId id="264" r:id="rId11"/>
+    <p:sldId id="269" r:id="rId12"/>
+    <p:sldId id="265" r:id="rId13"/>
+    <p:sldId id="266" r:id="rId14"/>
+    <p:sldId id="267" r:id="rId15"/>
+    <p:sldId id="268" r:id="rId16"/>
+    <p:sldId id="270" r:id="rId17"/>
+    <p:sldId id="271" r:id="rId18"/>
+    <p:sldId id="272" r:id="rId19"/>
+    <p:sldId id="273" r:id="rId20"/>
+    <p:sldId id="274" r:id="rId21"/>
+    <p:sldId id="275" r:id="rId22"/>
+    <p:sldId id="276" r:id="rId23"/>
   </p:sldIdLst>
   <p:sldSz cx="12192000" cy="6858000"/>
   <p:notesSz cx="6858000" cy="9144000"/>
@@ -189,7 +190,7 @@
           <a:noFill/>
           <a:extLst>
             <a:ext uri="{909E8E84-426E-40dd-AFC4-6F175D3DCCD1}">
-              <a14:hiddenFill xmlns:a14="http://schemas.microsoft.com/office/drawing/2010/main" xmlns="">
+              <a14:hiddenFill xmlns="" xmlns:a14="http://schemas.microsoft.com/office/drawing/2010/main">
                 <a:solidFill>
                   <a:srgbClr val="FFFFFF"/>
                 </a:solidFill>
@@ -248,7 +249,7 @@
             </a:ln>
             <a:extLst>
               <a:ext uri="{91240B29-F687-4f45-9708-019B960494DF}">
-                <a14:hiddenLine xmlns:a14="http://schemas.microsoft.com/office/drawing/2010/main" xmlns="" w="9525">
+                <a14:hiddenLine xmlns="" xmlns:a14="http://schemas.microsoft.com/office/drawing/2010/main" w="9525">
                   <a:solidFill>
                     <a:srgbClr val="000000"/>
                   </a:solidFill>
@@ -338,7 +339,7 @@
             </a:ln>
             <a:extLst>
               <a:ext uri="{91240B29-F687-4f45-9708-019B960494DF}">
-                <a14:hiddenLine xmlns:a14="http://schemas.microsoft.com/office/drawing/2010/main" xmlns="" w="9525">
+                <a14:hiddenLine xmlns="" xmlns:a14="http://schemas.microsoft.com/office/drawing/2010/main" w="9525">
                   <a:solidFill>
                     <a:srgbClr val="000000"/>
                   </a:solidFill>
@@ -428,7 +429,7 @@
             </a:ln>
             <a:extLst>
               <a:ext uri="{91240B29-F687-4f45-9708-019B960494DF}">
-                <a14:hiddenLine xmlns:a14="http://schemas.microsoft.com/office/drawing/2010/main" xmlns="" w="9525">
+                <a14:hiddenLine xmlns="" xmlns:a14="http://schemas.microsoft.com/office/drawing/2010/main" w="9525">
                   <a:solidFill>
                     <a:srgbClr val="000000"/>
                   </a:solidFill>
@@ -462,7 +463,7 @@
             </a:ln>
             <a:extLst>
               <a:ext uri="{91240B29-F687-4f45-9708-019B960494DF}">
-                <a14:hiddenLine xmlns:a14="http://schemas.microsoft.com/office/drawing/2010/main" xmlns="" w="9525">
+                <a14:hiddenLine xmlns="" xmlns:a14="http://schemas.microsoft.com/office/drawing/2010/main" w="9525">
                   <a:solidFill>
                     <a:srgbClr val="000000"/>
                   </a:solidFill>
@@ -552,7 +553,7 @@
             </a:ln>
             <a:extLst>
               <a:ext uri="{91240B29-F687-4f45-9708-019B960494DF}">
-                <a14:hiddenLine xmlns:a14="http://schemas.microsoft.com/office/drawing/2010/main" xmlns="" w="9525">
+                <a14:hiddenLine xmlns="" xmlns:a14="http://schemas.microsoft.com/office/drawing/2010/main" w="9525">
                   <a:solidFill>
                     <a:srgbClr val="000000"/>
                   </a:solidFill>
@@ -614,7 +615,7 @@
             </a:ln>
             <a:extLst>
               <a:ext uri="{91240B29-F687-4f45-9708-019B960494DF}">
-                <a14:hiddenLine xmlns:a14="http://schemas.microsoft.com/office/drawing/2010/main" xmlns="" w="9525">
+                <a14:hiddenLine xmlns="" xmlns:a14="http://schemas.microsoft.com/office/drawing/2010/main" w="9525">
                   <a:solidFill>
                     <a:srgbClr val="000000"/>
                   </a:solidFill>
@@ -676,7 +677,7 @@
             </a:ln>
             <a:extLst>
               <a:ext uri="{91240B29-F687-4f45-9708-019B960494DF}">
-                <a14:hiddenLine xmlns:a14="http://schemas.microsoft.com/office/drawing/2010/main" xmlns="" w="9525">
+                <a14:hiddenLine xmlns="" xmlns:a14="http://schemas.microsoft.com/office/drawing/2010/main" w="9525">
                   <a:solidFill>
                     <a:srgbClr val="000000"/>
                   </a:solidFill>
@@ -766,7 +767,7 @@
             </a:ln>
             <a:extLst>
               <a:ext uri="{91240B29-F687-4f45-9708-019B960494DF}">
-                <a14:hiddenLine xmlns:a14="http://schemas.microsoft.com/office/drawing/2010/main" xmlns="" w="9525">
+                <a14:hiddenLine xmlns="" xmlns:a14="http://schemas.microsoft.com/office/drawing/2010/main" w="9525">
                   <a:solidFill>
                     <a:srgbClr val="000000"/>
                   </a:solidFill>
@@ -828,7 +829,7 @@
             </a:ln>
             <a:extLst>
               <a:ext uri="{91240B29-F687-4f45-9708-019B960494DF}">
-                <a14:hiddenLine xmlns:a14="http://schemas.microsoft.com/office/drawing/2010/main" xmlns="" w="9525">
+                <a14:hiddenLine xmlns="" xmlns:a14="http://schemas.microsoft.com/office/drawing/2010/main" w="9525">
                   <a:solidFill>
                     <a:srgbClr val="000000"/>
                   </a:solidFill>
@@ -890,7 +891,7 @@
             </a:ln>
             <a:extLst>
               <a:ext uri="{91240B29-F687-4f45-9708-019B960494DF}">
-                <a14:hiddenLine xmlns:a14="http://schemas.microsoft.com/office/drawing/2010/main" xmlns="" w="9525">
+                <a14:hiddenLine xmlns="" xmlns:a14="http://schemas.microsoft.com/office/drawing/2010/main" w="9525">
                   <a:solidFill>
                     <a:srgbClr val="000000"/>
                   </a:solidFill>
@@ -980,7 +981,7 @@
             </a:ln>
             <a:extLst>
               <a:ext uri="{91240B29-F687-4f45-9708-019B960494DF}">
-                <a14:hiddenLine xmlns:a14="http://schemas.microsoft.com/office/drawing/2010/main" xmlns="" w="9525">
+                <a14:hiddenLine xmlns="" xmlns:a14="http://schemas.microsoft.com/office/drawing/2010/main" w="9525">
                   <a:solidFill>
                     <a:srgbClr val="000000"/>
                   </a:solidFill>
@@ -1070,7 +1071,7 @@
             </a:ln>
             <a:extLst>
               <a:ext uri="{91240B29-F687-4f45-9708-019B960494DF}">
-                <a14:hiddenLine xmlns:a14="http://schemas.microsoft.com/office/drawing/2010/main" xmlns="" w="9525">
+                <a14:hiddenLine xmlns="" xmlns:a14="http://schemas.microsoft.com/office/drawing/2010/main" w="9525">
                   <a:solidFill>
                     <a:srgbClr val="000000"/>
                   </a:solidFill>
@@ -1132,7 +1133,7 @@
             </a:ln>
             <a:extLst>
               <a:ext uri="{91240B29-F687-4f45-9708-019B960494DF}">
-                <a14:hiddenLine xmlns:a14="http://schemas.microsoft.com/office/drawing/2010/main" xmlns="" w="9525">
+                <a14:hiddenLine xmlns="" xmlns:a14="http://schemas.microsoft.com/office/drawing/2010/main" w="9525">
                   <a:solidFill>
                     <a:srgbClr val="000000"/>
                   </a:solidFill>
@@ -1242,7 +1243,7 @@
             </a:ln>
             <a:extLst>
               <a:ext uri="{91240B29-F687-4f45-9708-019B960494DF}">
-                <a14:hiddenLine xmlns:a14="http://schemas.microsoft.com/office/drawing/2010/main" xmlns="" w="9525">
+                <a14:hiddenLine xmlns="" xmlns:a14="http://schemas.microsoft.com/office/drawing/2010/main" w="9525">
                   <a:solidFill>
                     <a:srgbClr val="000000"/>
                   </a:solidFill>
@@ -1304,7 +1305,7 @@
             </a:ln>
             <a:extLst>
               <a:ext uri="{91240B29-F687-4f45-9708-019B960494DF}">
-                <a14:hiddenLine xmlns:a14="http://schemas.microsoft.com/office/drawing/2010/main" xmlns="" w="9525">
+                <a14:hiddenLine xmlns="" xmlns:a14="http://schemas.microsoft.com/office/drawing/2010/main" w="9525">
                   <a:solidFill>
                     <a:srgbClr val="000000"/>
                   </a:solidFill>
@@ -1394,7 +1395,7 @@
             </a:ln>
             <a:extLst>
               <a:ext uri="{91240B29-F687-4f45-9708-019B960494DF}">
-                <a14:hiddenLine xmlns:a14="http://schemas.microsoft.com/office/drawing/2010/main" xmlns="" w="9525">
+                <a14:hiddenLine xmlns="" xmlns:a14="http://schemas.microsoft.com/office/drawing/2010/main" w="9525">
                   <a:solidFill>
                     <a:srgbClr val="000000"/>
                   </a:solidFill>
@@ -1484,7 +1485,7 @@
             </a:ln>
             <a:extLst>
               <a:ext uri="{91240B29-F687-4f45-9708-019B960494DF}">
-                <a14:hiddenLine xmlns:a14="http://schemas.microsoft.com/office/drawing/2010/main" xmlns="" w="9525">
+                <a14:hiddenLine xmlns="" xmlns:a14="http://schemas.microsoft.com/office/drawing/2010/main" w="9525">
                   <a:solidFill>
                     <a:srgbClr val="000000"/>
                   </a:solidFill>
@@ -1546,7 +1547,7 @@
             </a:ln>
             <a:extLst>
               <a:ext uri="{91240B29-F687-4f45-9708-019B960494DF}">
-                <a14:hiddenLine xmlns:a14="http://schemas.microsoft.com/office/drawing/2010/main" xmlns="" w="9525">
+                <a14:hiddenLine xmlns="" xmlns:a14="http://schemas.microsoft.com/office/drawing/2010/main" w="9525">
                   <a:solidFill>
                     <a:srgbClr val="000000"/>
                   </a:solidFill>
@@ -1636,7 +1637,7 @@
             </a:ln>
             <a:extLst>
               <a:ext uri="{91240B29-F687-4f45-9708-019B960494DF}">
-                <a14:hiddenLine xmlns:a14="http://schemas.microsoft.com/office/drawing/2010/main" xmlns="" w="9525">
+                <a14:hiddenLine xmlns="" xmlns:a14="http://schemas.microsoft.com/office/drawing/2010/main" w="9525">
                   <a:solidFill>
                     <a:srgbClr val="000000"/>
                   </a:solidFill>
@@ -1726,7 +1727,7 @@
             </a:ln>
             <a:extLst>
               <a:ext uri="{91240B29-F687-4f45-9708-019B960494DF}">
-                <a14:hiddenLine xmlns:a14="http://schemas.microsoft.com/office/drawing/2010/main" xmlns="" w="9525">
+                <a14:hiddenLine xmlns="" xmlns:a14="http://schemas.microsoft.com/office/drawing/2010/main" w="9525">
                   <a:solidFill>
                     <a:srgbClr val="000000"/>
                   </a:solidFill>
@@ -1782,7 +1783,7 @@
             </a:ln>
             <a:extLst>
               <a:ext uri="{91240B29-F687-4f45-9708-019B960494DF}">
-                <a14:hiddenLine xmlns:a14="http://schemas.microsoft.com/office/drawing/2010/main" xmlns="" w="9525">
+                <a14:hiddenLine xmlns="" xmlns:a14="http://schemas.microsoft.com/office/drawing/2010/main" w="9525">
                   <a:solidFill>
                     <a:srgbClr val="000000"/>
                   </a:solidFill>
@@ -1872,7 +1873,7 @@
             </a:ln>
             <a:extLst>
               <a:ext uri="{91240B29-F687-4f45-9708-019B960494DF}">
-                <a14:hiddenLine xmlns:a14="http://schemas.microsoft.com/office/drawing/2010/main" xmlns="" w="9525">
+                <a14:hiddenLine xmlns="" xmlns:a14="http://schemas.microsoft.com/office/drawing/2010/main" w="9525">
                   <a:solidFill>
                     <a:srgbClr val="000000"/>
                   </a:solidFill>
@@ -1928,7 +1929,7 @@
             </a:ln>
             <a:extLst>
               <a:ext uri="{91240B29-F687-4f45-9708-019B960494DF}">
-                <a14:hiddenLine xmlns:a14="http://schemas.microsoft.com/office/drawing/2010/main" xmlns="" w="9525">
+                <a14:hiddenLine xmlns="" xmlns:a14="http://schemas.microsoft.com/office/drawing/2010/main" w="9525">
                   <a:solidFill>
                     <a:srgbClr val="000000"/>
                   </a:solidFill>
@@ -2018,7 +2019,7 @@
             </a:ln>
             <a:extLst>
               <a:ext uri="{91240B29-F687-4f45-9708-019B960494DF}">
-                <a14:hiddenLine xmlns:a14="http://schemas.microsoft.com/office/drawing/2010/main" xmlns="" w="9525">
+                <a14:hiddenLine xmlns="" xmlns:a14="http://schemas.microsoft.com/office/drawing/2010/main" w="9525">
                   <a:solidFill>
                     <a:srgbClr val="000000"/>
                   </a:solidFill>
@@ -2086,7 +2087,7 @@
             </a:ln>
             <a:extLst>
               <a:ext uri="{91240B29-F687-4f45-9708-019B960494DF}">
-                <a14:hiddenLine xmlns:a14="http://schemas.microsoft.com/office/drawing/2010/main" xmlns="" w="9525">
+                <a14:hiddenLine xmlns="" xmlns:a14="http://schemas.microsoft.com/office/drawing/2010/main" w="9525">
                   <a:solidFill>
                     <a:srgbClr val="000000"/>
                   </a:solidFill>
@@ -2176,7 +2177,7 @@
             </a:ln>
             <a:extLst>
               <a:ext uri="{91240B29-F687-4f45-9708-019B960494DF}">
-                <a14:hiddenLine xmlns:a14="http://schemas.microsoft.com/office/drawing/2010/main" xmlns="" w="9525">
+                <a14:hiddenLine xmlns="" xmlns:a14="http://schemas.microsoft.com/office/drawing/2010/main" w="9525">
                   <a:solidFill>
                     <a:srgbClr val="000000"/>
                   </a:solidFill>
@@ -2244,7 +2245,7 @@
             </a:ln>
             <a:extLst>
               <a:ext uri="{91240B29-F687-4f45-9708-019B960494DF}">
-                <a14:hiddenLine xmlns:a14="http://schemas.microsoft.com/office/drawing/2010/main" xmlns="" w="9525">
+                <a14:hiddenLine xmlns="" xmlns:a14="http://schemas.microsoft.com/office/drawing/2010/main" w="9525">
                   <a:solidFill>
                     <a:srgbClr val="000000"/>
                   </a:solidFill>
@@ -2334,7 +2335,7 @@
             </a:ln>
             <a:extLst>
               <a:ext uri="{91240B29-F687-4f45-9708-019B960494DF}">
-                <a14:hiddenLine xmlns:a14="http://schemas.microsoft.com/office/drawing/2010/main" xmlns="" w="9525">
+                <a14:hiddenLine xmlns="" xmlns:a14="http://schemas.microsoft.com/office/drawing/2010/main" w="9525">
                   <a:solidFill>
                     <a:srgbClr val="000000"/>
                   </a:solidFill>
@@ -2368,7 +2369,7 @@
             </a:ln>
             <a:extLst>
               <a:ext uri="{91240B29-F687-4f45-9708-019B960494DF}">
-                <a14:hiddenLine xmlns:a14="http://schemas.microsoft.com/office/drawing/2010/main" xmlns="" w="9525">
+                <a14:hiddenLine xmlns="" xmlns:a14="http://schemas.microsoft.com/office/drawing/2010/main" w="9525">
                   <a:solidFill>
                     <a:srgbClr val="000000"/>
                   </a:solidFill>
@@ -2458,7 +2459,7 @@
             </a:ln>
             <a:extLst>
               <a:ext uri="{91240B29-F687-4f45-9708-019B960494DF}">
-                <a14:hiddenLine xmlns:a14="http://schemas.microsoft.com/office/drawing/2010/main" xmlns="" w="9525">
+                <a14:hiddenLine xmlns="" xmlns:a14="http://schemas.microsoft.com/office/drawing/2010/main" w="9525">
                   <a:solidFill>
                     <a:srgbClr val="000000"/>
                   </a:solidFill>
@@ -2520,7 +2521,7 @@
             </a:ln>
             <a:extLst>
               <a:ext uri="{91240B29-F687-4f45-9708-019B960494DF}">
-                <a14:hiddenLine xmlns:a14="http://schemas.microsoft.com/office/drawing/2010/main" xmlns="" w="9525">
+                <a14:hiddenLine xmlns="" xmlns:a14="http://schemas.microsoft.com/office/drawing/2010/main" w="9525">
                   <a:solidFill>
                     <a:srgbClr val="000000"/>
                   </a:solidFill>
@@ -2582,7 +2583,7 @@
             </a:ln>
             <a:extLst>
               <a:ext uri="{91240B29-F687-4f45-9708-019B960494DF}">
-                <a14:hiddenLine xmlns:a14="http://schemas.microsoft.com/office/drawing/2010/main" xmlns="" w="9525">
+                <a14:hiddenLine xmlns="" xmlns:a14="http://schemas.microsoft.com/office/drawing/2010/main" w="9525">
                   <a:solidFill>
                     <a:srgbClr val="000000"/>
                   </a:solidFill>
@@ -2672,7 +2673,7 @@
             </a:ln>
             <a:extLst>
               <a:ext uri="{91240B29-F687-4f45-9708-019B960494DF}">
-                <a14:hiddenLine xmlns:a14="http://schemas.microsoft.com/office/drawing/2010/main" xmlns="" w="9525">
+                <a14:hiddenLine xmlns="" xmlns:a14="http://schemas.microsoft.com/office/drawing/2010/main" w="9525">
                   <a:solidFill>
                     <a:srgbClr val="000000"/>
                   </a:solidFill>
@@ -2740,7 +2741,7 @@
             </a:ln>
             <a:extLst>
               <a:ext uri="{91240B29-F687-4f45-9708-019B960494DF}">
-                <a14:hiddenLine xmlns:a14="http://schemas.microsoft.com/office/drawing/2010/main" xmlns="" w="9525">
+                <a14:hiddenLine xmlns="" xmlns:a14="http://schemas.microsoft.com/office/drawing/2010/main" w="9525">
                   <a:solidFill>
                     <a:srgbClr val="000000"/>
                   </a:solidFill>
@@ -2802,7 +2803,7 @@
             </a:ln>
             <a:extLst>
               <a:ext uri="{91240B29-F687-4f45-9708-019B960494DF}">
-                <a14:hiddenLine xmlns:a14="http://schemas.microsoft.com/office/drawing/2010/main" xmlns="" w="9525">
+                <a14:hiddenLine xmlns="" xmlns:a14="http://schemas.microsoft.com/office/drawing/2010/main" w="9525">
                   <a:solidFill>
                     <a:srgbClr val="000000"/>
                   </a:solidFill>
@@ -2892,7 +2893,7 @@
             </a:ln>
             <a:extLst>
               <a:ext uri="{91240B29-F687-4f45-9708-019B960494DF}">
-                <a14:hiddenLine xmlns:a14="http://schemas.microsoft.com/office/drawing/2010/main" xmlns="" w="9525">
+                <a14:hiddenLine xmlns="" xmlns:a14="http://schemas.microsoft.com/office/drawing/2010/main" w="9525">
                   <a:solidFill>
                     <a:srgbClr val="000000"/>
                   </a:solidFill>
@@ -2954,7 +2955,7 @@
             </a:ln>
             <a:extLst>
               <a:ext uri="{91240B29-F687-4f45-9708-019B960494DF}">
-                <a14:hiddenLine xmlns:a14="http://schemas.microsoft.com/office/drawing/2010/main" xmlns="" w="9525">
+                <a14:hiddenLine xmlns="" xmlns:a14="http://schemas.microsoft.com/office/drawing/2010/main" w="9525">
                   <a:solidFill>
                     <a:srgbClr val="000000"/>
                   </a:solidFill>
@@ -3044,7 +3045,7 @@
             </a:ln>
             <a:extLst>
               <a:ext uri="{91240B29-F687-4f45-9708-019B960494DF}">
-                <a14:hiddenLine xmlns:a14="http://schemas.microsoft.com/office/drawing/2010/main" xmlns="" w="9525">
+                <a14:hiddenLine xmlns="" xmlns:a14="http://schemas.microsoft.com/office/drawing/2010/main" w="9525">
                   <a:solidFill>
                     <a:srgbClr val="000000"/>
                   </a:solidFill>
@@ -3106,7 +3107,7 @@
             </a:ln>
             <a:extLst>
               <a:ext uri="{91240B29-F687-4f45-9708-019B960494DF}">
-                <a14:hiddenLine xmlns:a14="http://schemas.microsoft.com/office/drawing/2010/main" xmlns="" w="9525">
+                <a14:hiddenLine xmlns="" xmlns:a14="http://schemas.microsoft.com/office/drawing/2010/main" w="9525">
                   <a:solidFill>
                     <a:srgbClr val="000000"/>
                   </a:solidFill>
@@ -3196,7 +3197,7 @@
             </a:ln>
             <a:extLst>
               <a:ext uri="{91240B29-F687-4f45-9708-019B960494DF}">
-                <a14:hiddenLine xmlns:a14="http://schemas.microsoft.com/office/drawing/2010/main" xmlns="" w="9525">
+                <a14:hiddenLine xmlns="" xmlns:a14="http://schemas.microsoft.com/office/drawing/2010/main" w="9525">
                   <a:solidFill>
                     <a:srgbClr val="000000"/>
                   </a:solidFill>
@@ -3230,7 +3231,7 @@
             </a:ln>
             <a:extLst>
               <a:ext uri="{91240B29-F687-4f45-9708-019B960494DF}">
-                <a14:hiddenLine xmlns:a14="http://schemas.microsoft.com/office/drawing/2010/main" xmlns="" w="9525">
+                <a14:hiddenLine xmlns="" xmlns:a14="http://schemas.microsoft.com/office/drawing/2010/main" w="9525">
                   <a:solidFill>
                     <a:srgbClr val="000000"/>
                   </a:solidFill>
@@ -3295,7 +3296,7 @@
             </a:ln>
             <a:extLst>
               <a:ext uri="{91240B29-F687-4f45-9708-019B960494DF}">
-                <a14:hiddenLine xmlns:a14="http://schemas.microsoft.com/office/drawing/2010/main" xmlns="" w="9525">
+                <a14:hiddenLine xmlns="" xmlns:a14="http://schemas.microsoft.com/office/drawing/2010/main" w="9525">
                   <a:solidFill>
                     <a:srgbClr val="000000"/>
                   </a:solidFill>
@@ -3385,7 +3386,7 @@
             </a:ln>
             <a:extLst>
               <a:ext uri="{91240B29-F687-4f45-9708-019B960494DF}">
-                <a14:hiddenLine xmlns:a14="http://schemas.microsoft.com/office/drawing/2010/main" xmlns="" w="9525">
+                <a14:hiddenLine xmlns="" xmlns:a14="http://schemas.microsoft.com/office/drawing/2010/main" w="9525">
                   <a:solidFill>
                     <a:srgbClr val="000000"/>
                   </a:solidFill>
@@ -3447,7 +3448,7 @@
             </a:ln>
             <a:extLst>
               <a:ext uri="{91240B29-F687-4f45-9708-019B960494DF}">
-                <a14:hiddenLine xmlns:a14="http://schemas.microsoft.com/office/drawing/2010/main" xmlns="" w="9525">
+                <a14:hiddenLine xmlns="" xmlns:a14="http://schemas.microsoft.com/office/drawing/2010/main" w="9525">
                   <a:solidFill>
                     <a:srgbClr val="000000"/>
                   </a:solidFill>
@@ -3537,7 +3538,7 @@
             </a:ln>
             <a:extLst>
               <a:ext uri="{91240B29-F687-4f45-9708-019B960494DF}">
-                <a14:hiddenLine xmlns:a14="http://schemas.microsoft.com/office/drawing/2010/main" xmlns="" w="9525">
+                <a14:hiddenLine xmlns="" xmlns:a14="http://schemas.microsoft.com/office/drawing/2010/main" w="9525">
                   <a:solidFill>
                     <a:srgbClr val="000000"/>
                   </a:solidFill>
@@ -3627,7 +3628,7 @@
             </a:ln>
             <a:extLst>
               <a:ext uri="{91240B29-F687-4f45-9708-019B960494DF}">
-                <a14:hiddenLine xmlns:a14="http://schemas.microsoft.com/office/drawing/2010/main" xmlns="" w="9525">
+                <a14:hiddenLine xmlns="" xmlns:a14="http://schemas.microsoft.com/office/drawing/2010/main" w="9525">
                   <a:solidFill>
                     <a:srgbClr val="000000"/>
                   </a:solidFill>
@@ -3692,7 +3693,7 @@
             </a:ln>
             <a:extLst>
               <a:ext uri="{91240B29-F687-4f45-9708-019B960494DF}">
-                <a14:hiddenLine xmlns:a14="http://schemas.microsoft.com/office/drawing/2010/main" xmlns="" w="9525">
+                <a14:hiddenLine xmlns="" xmlns:a14="http://schemas.microsoft.com/office/drawing/2010/main" w="9525">
                   <a:solidFill>
                     <a:srgbClr val="000000"/>
                   </a:solidFill>
@@ -3754,7 +3755,7 @@
             </a:ln>
             <a:extLst>
               <a:ext uri="{91240B29-F687-4f45-9708-019B960494DF}">
-                <a14:hiddenLine xmlns:a14="http://schemas.microsoft.com/office/drawing/2010/main" xmlns="" w="9525">
+                <a14:hiddenLine xmlns="" xmlns:a14="http://schemas.microsoft.com/office/drawing/2010/main" w="9525">
                   <a:solidFill>
                     <a:srgbClr val="000000"/>
                   </a:solidFill>
@@ -3844,7 +3845,7 @@
             </a:ln>
             <a:extLst>
               <a:ext uri="{91240B29-F687-4f45-9708-019B960494DF}">
-                <a14:hiddenLine xmlns:a14="http://schemas.microsoft.com/office/drawing/2010/main" xmlns="" w="9525">
+                <a14:hiddenLine xmlns="" xmlns:a14="http://schemas.microsoft.com/office/drawing/2010/main" w="9525">
                   <a:solidFill>
                     <a:srgbClr val="000000"/>
                   </a:solidFill>
@@ -3934,7 +3935,7 @@
             </a:ln>
             <a:extLst>
               <a:ext uri="{91240B29-F687-4f45-9708-019B960494DF}">
-                <a14:hiddenLine xmlns:a14="http://schemas.microsoft.com/office/drawing/2010/main" xmlns="" w="9525">
+                <a14:hiddenLine xmlns="" xmlns:a14="http://schemas.microsoft.com/office/drawing/2010/main" w="9525">
                   <a:solidFill>
                     <a:srgbClr val="000000"/>
                   </a:solidFill>
@@ -3996,7 +3997,7 @@
             </a:ln>
             <a:extLst>
               <a:ext uri="{91240B29-F687-4f45-9708-019B960494DF}">
-                <a14:hiddenLine xmlns:a14="http://schemas.microsoft.com/office/drawing/2010/main" xmlns="" w="9525">
+                <a14:hiddenLine xmlns="" xmlns:a14="http://schemas.microsoft.com/office/drawing/2010/main" w="9525">
                   <a:solidFill>
                     <a:srgbClr val="000000"/>
                   </a:solidFill>
@@ -4116,7 +4117,7 @@
             </a:ln>
             <a:extLst>
               <a:ext uri="{91240B29-F687-4f45-9708-019B960494DF}">
-                <a14:hiddenLine xmlns:a14="http://schemas.microsoft.com/office/drawing/2010/main" xmlns="" w="9525">
+                <a14:hiddenLine xmlns="" xmlns:a14="http://schemas.microsoft.com/office/drawing/2010/main" w="9525">
                   <a:solidFill>
                     <a:srgbClr val="000000"/>
                   </a:solidFill>
@@ -4184,7 +4185,7 @@
             </a:ln>
             <a:extLst>
               <a:ext uri="{91240B29-F687-4f45-9708-019B960494DF}">
-                <a14:hiddenLine xmlns:a14="http://schemas.microsoft.com/office/drawing/2010/main" xmlns="" w="9525">
+                <a14:hiddenLine xmlns="" xmlns:a14="http://schemas.microsoft.com/office/drawing/2010/main" w="9525">
                   <a:solidFill>
                     <a:srgbClr val="000000"/>
                   </a:solidFill>
@@ -4274,7 +4275,7 @@
             </a:ln>
             <a:extLst>
               <a:ext uri="{91240B29-F687-4f45-9708-019B960494DF}">
-                <a14:hiddenLine xmlns:a14="http://schemas.microsoft.com/office/drawing/2010/main" xmlns="" w="9525">
+                <a14:hiddenLine xmlns="" xmlns:a14="http://schemas.microsoft.com/office/drawing/2010/main" w="9525">
                   <a:solidFill>
                     <a:srgbClr val="000000"/>
                   </a:solidFill>
@@ -4414,7 +4415,7 @@
           <a:p>
             <a:fld id="{48A87A34-81AB-432B-8DAE-1953F412C126}" type="datetimeFigureOut">
               <a:rPr lang="en-US" dirty="0"/>
-              <a:t>1/26/2020</a:t>
+              <a:t>1/27/2020</a:t>
             </a:fld>
             <a:endParaRPr lang="en-US" dirty="0"/>
           </a:p>
@@ -4676,7 +4677,7 @@
           <a:p>
             <a:fld id="{48A87A34-81AB-432B-8DAE-1953F412C126}" type="datetimeFigureOut">
               <a:rPr lang="en-US" dirty="0"/>
-              <a:t>1/26/2020</a:t>
+              <a:t>1/27/2020</a:t>
             </a:fld>
             <a:endParaRPr lang="en-US" dirty="0"/>
           </a:p>
@@ -4867,7 +4868,7 @@
           <a:p>
             <a:fld id="{48A87A34-81AB-432B-8DAE-1953F412C126}" type="datetimeFigureOut">
               <a:rPr lang="en-US" dirty="0"/>
-              <a:t>1/26/2020</a:t>
+              <a:t>1/27/2020</a:t>
             </a:fld>
             <a:endParaRPr lang="en-US" dirty="0"/>
           </a:p>
@@ -5125,7 +5126,7 @@
           <a:p>
             <a:fld id="{48A87A34-81AB-432B-8DAE-1953F412C126}" type="datetimeFigureOut">
               <a:rPr lang="en-US" dirty="0"/>
-              <a:t>1/26/2020</a:t>
+              <a:t>1/27/2020</a:t>
             </a:fld>
             <a:endParaRPr lang="en-US" dirty="0"/>
           </a:p>
@@ -5554,7 +5555,7 @@
           <a:p>
             <a:fld id="{48A87A34-81AB-432B-8DAE-1953F412C126}" type="datetimeFigureOut">
               <a:rPr lang="en-US" dirty="0"/>
-              <a:t>1/26/2020</a:t>
+              <a:t>1/27/2020</a:t>
             </a:fld>
             <a:endParaRPr lang="en-US" dirty="0"/>
           </a:p>
@@ -6095,7 +6096,7 @@
           <a:p>
             <a:fld id="{48A87A34-81AB-432B-8DAE-1953F412C126}" type="datetimeFigureOut">
               <a:rPr lang="en-US" dirty="0"/>
-              <a:t>1/26/2020</a:t>
+              <a:t>1/27/2020</a:t>
             </a:fld>
             <a:endParaRPr lang="en-US" dirty="0"/>
           </a:p>
@@ -6810,7 +6811,7 @@
           <a:p>
             <a:fld id="{48A87A34-81AB-432B-8DAE-1953F412C126}" type="datetimeFigureOut">
               <a:rPr lang="en-US" dirty="0"/>
-              <a:t>1/26/2020</a:t>
+              <a:t>1/27/2020</a:t>
             </a:fld>
             <a:endParaRPr lang="en-US" dirty="0"/>
           </a:p>
@@ -6975,7 +6976,7 @@
           <a:p>
             <a:fld id="{48A87A34-81AB-432B-8DAE-1953F412C126}" type="datetimeFigureOut">
               <a:rPr lang="en-US" dirty="0"/>
-              <a:t>1/26/2020</a:t>
+              <a:t>1/27/2020</a:t>
             </a:fld>
             <a:endParaRPr lang="en-US" dirty="0"/>
           </a:p>
@@ -7150,7 +7151,7 @@
           <a:p>
             <a:fld id="{48A87A34-81AB-432B-8DAE-1953F412C126}" type="datetimeFigureOut">
               <a:rPr lang="en-US" dirty="0"/>
-              <a:t>1/26/2020</a:t>
+              <a:t>1/27/2020</a:t>
             </a:fld>
             <a:endParaRPr lang="en-US" dirty="0"/>
           </a:p>
@@ -7292,7 +7293,7 @@
           <a:p>
             <a:fld id="{48A87A34-81AB-432B-8DAE-1953F412C126}" type="datetimeFigureOut">
               <a:rPr lang="en-US" dirty="0"/>
-              <a:t>1/26/2020</a:t>
+              <a:t>1/27/2020</a:t>
             </a:fld>
             <a:endParaRPr lang="en-US" dirty="0"/>
           </a:p>
@@ -7566,7 +7567,7 @@
           <a:p>
             <a:fld id="{48A87A34-81AB-432B-8DAE-1953F412C126}" type="datetimeFigureOut">
               <a:rPr lang="en-US" dirty="0"/>
-              <a:t>1/26/2020</a:t>
+              <a:t>1/27/2020</a:t>
             </a:fld>
             <a:endParaRPr lang="en-US" dirty="0"/>
           </a:p>
@@ -7793,7 +7794,7 @@
           <a:p>
             <a:fld id="{48A87A34-81AB-432B-8DAE-1953F412C126}" type="datetimeFigureOut">
               <a:rPr lang="en-US" dirty="0"/>
-              <a:t>1/26/2020</a:t>
+              <a:t>1/27/2020</a:t>
             </a:fld>
             <a:endParaRPr lang="en-US" dirty="0"/>
           </a:p>
@@ -8169,7 +8170,7 @@
           <a:p>
             <a:fld id="{48A87A34-81AB-432B-8DAE-1953F412C126}" type="datetimeFigureOut">
               <a:rPr lang="en-US" dirty="0"/>
-              <a:t>1/26/2020</a:t>
+              <a:t>1/27/2020</a:t>
             </a:fld>
             <a:endParaRPr lang="en-US" dirty="0"/>
           </a:p>
@@ -8282,7 +8283,7 @@
           <a:p>
             <a:fld id="{48A87A34-81AB-432B-8DAE-1953F412C126}" type="datetimeFigureOut">
               <a:rPr lang="en-US" dirty="0"/>
-              <a:t>1/26/2020</a:t>
+              <a:t>1/27/2020</a:t>
             </a:fld>
             <a:endParaRPr lang="en-US" dirty="0"/>
           </a:p>
@@ -8372,7 +8373,7 @@
           <a:p>
             <a:fld id="{48A87A34-81AB-432B-8DAE-1953F412C126}" type="datetimeFigureOut">
               <a:rPr lang="en-US" dirty="0"/>
-              <a:t>1/26/2020</a:t>
+              <a:t>1/27/2020</a:t>
             </a:fld>
             <a:endParaRPr lang="en-US" dirty="0"/>
           </a:p>
@@ -8616,7 +8617,7 @@
           <a:p>
             <a:fld id="{48A87A34-81AB-432B-8DAE-1953F412C126}" type="datetimeFigureOut">
               <a:rPr lang="en-US" dirty="0"/>
-              <a:t>1/26/2020</a:t>
+              <a:t>1/27/2020</a:t>
             </a:fld>
             <a:endParaRPr lang="en-US" dirty="0"/>
           </a:p>
@@ -8891,7 +8892,7 @@
           <a:p>
             <a:fld id="{48A87A34-81AB-432B-8DAE-1953F412C126}" type="datetimeFigureOut">
               <a:rPr lang="en-US" dirty="0"/>
-              <a:t>1/26/2020</a:t>
+              <a:t>1/27/2020</a:t>
             </a:fld>
             <a:endParaRPr lang="en-US" dirty="0"/>
           </a:p>
@@ -9009,7 +9010,7 @@
           <a:noFill/>
           <a:extLst>
             <a:ext uri="{909E8E84-426E-40dd-AFC4-6F175D3DCCD1}">
-              <a14:hiddenFill xmlns:a14="http://schemas.microsoft.com/office/drawing/2010/main" xmlns="">
+              <a14:hiddenFill xmlns="" xmlns:a14="http://schemas.microsoft.com/office/drawing/2010/main">
                 <a:solidFill>
                   <a:srgbClr val="FFFFFF"/>
                 </a:solidFill>
@@ -9083,7 +9084,7 @@
               </a:ln>
               <a:extLst>
                 <a:ext uri="{91240B29-F687-4f45-9708-019B960494DF}">
-                  <a14:hiddenLine xmlns:a14="http://schemas.microsoft.com/office/drawing/2010/main" xmlns="" w="9525">
+                  <a14:hiddenLine xmlns="" xmlns:a14="http://schemas.microsoft.com/office/drawing/2010/main" w="9525">
                     <a:solidFill>
                       <a:srgbClr val="000000"/>
                     </a:solidFill>
@@ -9173,7 +9174,7 @@
               </a:ln>
               <a:extLst>
                 <a:ext uri="{91240B29-F687-4f45-9708-019B960494DF}">
-                  <a14:hiddenLine xmlns:a14="http://schemas.microsoft.com/office/drawing/2010/main" xmlns="" w="9525">
+                  <a14:hiddenLine xmlns="" xmlns:a14="http://schemas.microsoft.com/office/drawing/2010/main" w="9525">
                     <a:solidFill>
                       <a:srgbClr val="000000"/>
                     </a:solidFill>
@@ -9263,7 +9264,7 @@
               </a:ln>
               <a:extLst>
                 <a:ext uri="{91240B29-F687-4f45-9708-019B960494DF}">
-                  <a14:hiddenLine xmlns:a14="http://schemas.microsoft.com/office/drawing/2010/main" xmlns="" w="9525">
+                  <a14:hiddenLine xmlns="" xmlns:a14="http://schemas.microsoft.com/office/drawing/2010/main" w="9525">
                     <a:solidFill>
                       <a:srgbClr val="000000"/>
                     </a:solidFill>
@@ -9325,7 +9326,7 @@
               </a:ln>
               <a:extLst>
                 <a:ext uri="{91240B29-F687-4f45-9708-019B960494DF}">
-                  <a14:hiddenLine xmlns:a14="http://schemas.microsoft.com/office/drawing/2010/main" xmlns="" w="9525">
+                  <a14:hiddenLine xmlns="" xmlns:a14="http://schemas.microsoft.com/office/drawing/2010/main" w="9525">
                     <a:solidFill>
                       <a:srgbClr val="000000"/>
                     </a:solidFill>
@@ -9415,7 +9416,7 @@
               </a:ln>
               <a:extLst>
                 <a:ext uri="{91240B29-F687-4f45-9708-019B960494DF}">
-                  <a14:hiddenLine xmlns:a14="http://schemas.microsoft.com/office/drawing/2010/main" xmlns="" w="9525">
+                  <a14:hiddenLine xmlns="" xmlns:a14="http://schemas.microsoft.com/office/drawing/2010/main" w="9525">
                     <a:solidFill>
                       <a:srgbClr val="000000"/>
                     </a:solidFill>
@@ -9477,7 +9478,7 @@
               </a:ln>
               <a:extLst>
                 <a:ext uri="{91240B29-F687-4f45-9708-019B960494DF}">
-                  <a14:hiddenLine xmlns:a14="http://schemas.microsoft.com/office/drawing/2010/main" xmlns="" w="9525">
+                  <a14:hiddenLine xmlns="" xmlns:a14="http://schemas.microsoft.com/office/drawing/2010/main" w="9525">
                     <a:solidFill>
                       <a:srgbClr val="000000"/>
                     </a:solidFill>
@@ -9539,7 +9540,7 @@
               </a:ln>
               <a:extLst>
                 <a:ext uri="{91240B29-F687-4f45-9708-019B960494DF}">
-                  <a14:hiddenLine xmlns:a14="http://schemas.microsoft.com/office/drawing/2010/main" xmlns="" w="9525">
+                  <a14:hiddenLine xmlns="" xmlns:a14="http://schemas.microsoft.com/office/drawing/2010/main" w="9525">
                     <a:solidFill>
                       <a:srgbClr val="000000"/>
                     </a:solidFill>
@@ -9629,7 +9630,7 @@
               </a:ln>
               <a:extLst>
                 <a:ext uri="{91240B29-F687-4f45-9708-019B960494DF}">
-                  <a14:hiddenLine xmlns:a14="http://schemas.microsoft.com/office/drawing/2010/main" xmlns="" w="9525">
+                  <a14:hiddenLine xmlns="" xmlns:a14="http://schemas.microsoft.com/office/drawing/2010/main" w="9525">
                     <a:solidFill>
                       <a:srgbClr val="000000"/>
                     </a:solidFill>
@@ -9719,7 +9720,7 @@
               </a:ln>
               <a:extLst>
                 <a:ext uri="{91240B29-F687-4f45-9708-019B960494DF}">
-                  <a14:hiddenLine xmlns:a14="http://schemas.microsoft.com/office/drawing/2010/main" xmlns="" w="9525">
+                  <a14:hiddenLine xmlns="" xmlns:a14="http://schemas.microsoft.com/office/drawing/2010/main" w="9525">
                     <a:solidFill>
                       <a:srgbClr val="000000"/>
                     </a:solidFill>
@@ -9781,7 +9782,7 @@
               </a:ln>
               <a:extLst>
                 <a:ext uri="{91240B29-F687-4f45-9708-019B960494DF}">
-                  <a14:hiddenLine xmlns:a14="http://schemas.microsoft.com/office/drawing/2010/main" xmlns="" w="9525">
+                  <a14:hiddenLine xmlns="" xmlns:a14="http://schemas.microsoft.com/office/drawing/2010/main" w="9525">
                     <a:solidFill>
                       <a:srgbClr val="000000"/>
                     </a:solidFill>
@@ -9891,7 +9892,7 @@
               </a:ln>
               <a:extLst>
                 <a:ext uri="{91240B29-F687-4f45-9708-019B960494DF}">
-                  <a14:hiddenLine xmlns:a14="http://schemas.microsoft.com/office/drawing/2010/main" xmlns="" w="9525">
+                  <a14:hiddenLine xmlns="" xmlns:a14="http://schemas.microsoft.com/office/drawing/2010/main" w="9525">
                     <a:solidFill>
                       <a:srgbClr val="000000"/>
                     </a:solidFill>
@@ -9975,7 +9976,7 @@
               </a:ln>
               <a:extLst>
                 <a:ext uri="{91240B29-F687-4f45-9708-019B960494DF}">
-                  <a14:hiddenLine xmlns:a14="http://schemas.microsoft.com/office/drawing/2010/main" xmlns="" w="9525">
+                  <a14:hiddenLine xmlns="" xmlns:a14="http://schemas.microsoft.com/office/drawing/2010/main" w="9525">
                     <a:solidFill>
                       <a:srgbClr val="000000"/>
                     </a:solidFill>
@@ -10037,7 +10038,7 @@
               </a:ln>
               <a:extLst>
                 <a:ext uri="{91240B29-F687-4f45-9708-019B960494DF}">
-                  <a14:hiddenLine xmlns:a14="http://schemas.microsoft.com/office/drawing/2010/main" xmlns="" w="9525">
+                  <a14:hiddenLine xmlns="" xmlns:a14="http://schemas.microsoft.com/office/drawing/2010/main" w="9525">
                     <a:solidFill>
                       <a:srgbClr val="000000"/>
                     </a:solidFill>
@@ -10099,7 +10100,7 @@
               </a:ln>
               <a:extLst>
                 <a:ext uri="{91240B29-F687-4f45-9708-019B960494DF}">
-                  <a14:hiddenLine xmlns:a14="http://schemas.microsoft.com/office/drawing/2010/main" xmlns="" w="9525">
+                  <a14:hiddenLine xmlns="" xmlns:a14="http://schemas.microsoft.com/office/drawing/2010/main" w="9525">
                     <a:solidFill>
                       <a:srgbClr val="000000"/>
                     </a:solidFill>
@@ -10189,7 +10190,7 @@
               </a:ln>
               <a:extLst>
                 <a:ext uri="{91240B29-F687-4f45-9708-019B960494DF}">
-                  <a14:hiddenLine xmlns:a14="http://schemas.microsoft.com/office/drawing/2010/main" xmlns="" w="9525">
+                  <a14:hiddenLine xmlns="" xmlns:a14="http://schemas.microsoft.com/office/drawing/2010/main" w="9525">
                     <a:solidFill>
                       <a:srgbClr val="000000"/>
                     </a:solidFill>
@@ -10223,7 +10224,7 @@
               </a:ln>
               <a:extLst>
                 <a:ext uri="{91240B29-F687-4f45-9708-019B960494DF}">
-                  <a14:hiddenLine xmlns:a14="http://schemas.microsoft.com/office/drawing/2010/main" xmlns="" w="9525">
+                  <a14:hiddenLine xmlns="" xmlns:a14="http://schemas.microsoft.com/office/drawing/2010/main" w="9525">
                     <a:solidFill>
                       <a:srgbClr val="000000"/>
                     </a:solidFill>
@@ -10288,7 +10289,7 @@
               </a:ln>
               <a:extLst>
                 <a:ext uri="{91240B29-F687-4f45-9708-019B960494DF}">
-                  <a14:hiddenLine xmlns:a14="http://schemas.microsoft.com/office/drawing/2010/main" xmlns="" w="9525">
+                  <a14:hiddenLine xmlns="" xmlns:a14="http://schemas.microsoft.com/office/drawing/2010/main" w="9525">
                     <a:solidFill>
                       <a:srgbClr val="000000"/>
                     </a:solidFill>
@@ -10378,7 +10379,7 @@
               </a:ln>
               <a:extLst>
                 <a:ext uri="{91240B29-F687-4f45-9708-019B960494DF}">
-                  <a14:hiddenLine xmlns:a14="http://schemas.microsoft.com/office/drawing/2010/main" xmlns="" w="9525">
+                  <a14:hiddenLine xmlns="" xmlns:a14="http://schemas.microsoft.com/office/drawing/2010/main" w="9525">
                     <a:solidFill>
                       <a:srgbClr val="000000"/>
                     </a:solidFill>
@@ -10440,7 +10441,7 @@
               </a:ln>
               <a:extLst>
                 <a:ext uri="{91240B29-F687-4f45-9708-019B960494DF}">
-                  <a14:hiddenLine xmlns:a14="http://schemas.microsoft.com/office/drawing/2010/main" xmlns="" w="9525">
+                  <a14:hiddenLine xmlns="" xmlns:a14="http://schemas.microsoft.com/office/drawing/2010/main" w="9525">
                     <a:solidFill>
                       <a:srgbClr val="000000"/>
                     </a:solidFill>
@@ -10530,7 +10531,7 @@
               </a:ln>
               <a:extLst>
                 <a:ext uri="{91240B29-F687-4f45-9708-019B960494DF}">
-                  <a14:hiddenLine xmlns:a14="http://schemas.microsoft.com/office/drawing/2010/main" xmlns="" w="9525">
+                  <a14:hiddenLine xmlns="" xmlns:a14="http://schemas.microsoft.com/office/drawing/2010/main" w="9525">
                     <a:solidFill>
                       <a:srgbClr val="000000"/>
                     </a:solidFill>
@@ -10595,7 +10596,7 @@
               </a:ln>
               <a:extLst>
                 <a:ext uri="{91240B29-F687-4f45-9708-019B960494DF}">
-                  <a14:hiddenLine xmlns:a14="http://schemas.microsoft.com/office/drawing/2010/main" xmlns="" w="9525">
+                  <a14:hiddenLine xmlns="" xmlns:a14="http://schemas.microsoft.com/office/drawing/2010/main" w="9525">
                     <a:solidFill>
                       <a:srgbClr val="000000"/>
                     </a:solidFill>
@@ -10657,7 +10658,7 @@
               </a:ln>
               <a:extLst>
                 <a:ext uri="{91240B29-F687-4f45-9708-019B960494DF}">
-                  <a14:hiddenLine xmlns:a14="http://schemas.microsoft.com/office/drawing/2010/main" xmlns="" w="9525">
+                  <a14:hiddenLine xmlns="" xmlns:a14="http://schemas.microsoft.com/office/drawing/2010/main" w="9525">
                     <a:solidFill>
                       <a:srgbClr val="000000"/>
                     </a:solidFill>
@@ -10747,7 +10748,7 @@
               </a:ln>
               <a:extLst>
                 <a:ext uri="{91240B29-F687-4f45-9708-019B960494DF}">
-                  <a14:hiddenLine xmlns:a14="http://schemas.microsoft.com/office/drawing/2010/main" xmlns="" w="9525">
+                  <a14:hiddenLine xmlns="" xmlns:a14="http://schemas.microsoft.com/office/drawing/2010/main" w="9525">
                     <a:solidFill>
                       <a:srgbClr val="000000"/>
                     </a:solidFill>
@@ -10837,7 +10838,7 @@
               </a:ln>
               <a:extLst>
                 <a:ext uri="{91240B29-F687-4f45-9708-019B960494DF}">
-                  <a14:hiddenLine xmlns:a14="http://schemas.microsoft.com/office/drawing/2010/main" xmlns="" w="9525">
+                  <a14:hiddenLine xmlns="" xmlns:a14="http://schemas.microsoft.com/office/drawing/2010/main" w="9525">
                     <a:solidFill>
                       <a:srgbClr val="000000"/>
                     </a:solidFill>
@@ -10902,7 +10903,7 @@
               </a:ln>
               <a:extLst>
                 <a:ext uri="{91240B29-F687-4f45-9708-019B960494DF}">
-                  <a14:hiddenLine xmlns:a14="http://schemas.microsoft.com/office/drawing/2010/main" xmlns="" w="9525">
+                  <a14:hiddenLine xmlns="" xmlns:a14="http://schemas.microsoft.com/office/drawing/2010/main" w="9525">
                     <a:solidFill>
                       <a:srgbClr val="000000"/>
                     </a:solidFill>
@@ -11022,7 +11023,7 @@
               </a:ln>
               <a:extLst>
                 <a:ext uri="{91240B29-F687-4f45-9708-019B960494DF}">
-                  <a14:hiddenLine xmlns:a14="http://schemas.microsoft.com/office/drawing/2010/main" xmlns="" w="9525">
+                  <a14:hiddenLine xmlns="" xmlns:a14="http://schemas.microsoft.com/office/drawing/2010/main" w="9525">
                     <a:solidFill>
                       <a:srgbClr val="000000"/>
                     </a:solidFill>
@@ -11103,7 +11104,7 @@
               </a:ln>
               <a:extLst>
                 <a:ext uri="{91240B29-F687-4f45-9708-019B960494DF}">
-                  <a14:hiddenLine xmlns:a14="http://schemas.microsoft.com/office/drawing/2010/main" xmlns="" w="9525">
+                  <a14:hiddenLine xmlns="" xmlns:a14="http://schemas.microsoft.com/office/drawing/2010/main" w="9525">
                     <a:solidFill>
                       <a:srgbClr val="000000"/>
                     </a:solidFill>
@@ -11218,7 +11219,7 @@
               </a:ln>
               <a:extLst>
                 <a:ext uri="{91240B29-F687-4f45-9708-019B960494DF}">
-                  <a14:hiddenLine xmlns:a14="http://schemas.microsoft.com/office/drawing/2010/main" xmlns="" w="9525">
+                  <a14:hiddenLine xmlns="" xmlns:a14="http://schemas.microsoft.com/office/drawing/2010/main" w="9525">
                     <a:solidFill>
                       <a:srgbClr val="000000"/>
                     </a:solidFill>
@@ -11308,7 +11309,7 @@
               </a:ln>
               <a:extLst>
                 <a:ext uri="{91240B29-F687-4f45-9708-019B960494DF}">
-                  <a14:hiddenLine xmlns:a14="http://schemas.microsoft.com/office/drawing/2010/main" xmlns="" w="9525">
+                  <a14:hiddenLine xmlns="" xmlns:a14="http://schemas.microsoft.com/office/drawing/2010/main" w="9525">
                     <a:solidFill>
                       <a:srgbClr val="000000"/>
                     </a:solidFill>
@@ -11373,7 +11374,7 @@
               </a:ln>
               <a:extLst>
                 <a:ext uri="{91240B29-F687-4f45-9708-019B960494DF}">
-                  <a14:hiddenLine xmlns:a14="http://schemas.microsoft.com/office/drawing/2010/main" xmlns="" w="9525">
+                  <a14:hiddenLine xmlns="" xmlns:a14="http://schemas.microsoft.com/office/drawing/2010/main" w="9525">
                     <a:solidFill>
                       <a:srgbClr val="000000"/>
                     </a:solidFill>
@@ -11463,7 +11464,7 @@
               </a:ln>
               <a:extLst>
                 <a:ext uri="{91240B29-F687-4f45-9708-019B960494DF}">
-                  <a14:hiddenLine xmlns:a14="http://schemas.microsoft.com/office/drawing/2010/main" xmlns="" w="9525">
+                  <a14:hiddenLine xmlns="" xmlns:a14="http://schemas.microsoft.com/office/drawing/2010/main" w="9525">
                     <a:solidFill>
                       <a:srgbClr val="000000"/>
                     </a:solidFill>
@@ -11531,7 +11532,7 @@
               </a:ln>
               <a:extLst>
                 <a:ext uri="{91240B29-F687-4f45-9708-019B960494DF}">
-                  <a14:hiddenLine xmlns:a14="http://schemas.microsoft.com/office/drawing/2010/main" xmlns="" w="9525">
+                  <a14:hiddenLine xmlns="" xmlns:a14="http://schemas.microsoft.com/office/drawing/2010/main" w="9525">
                     <a:solidFill>
                       <a:srgbClr val="000000"/>
                     </a:solidFill>
@@ -11621,7 +11622,7 @@
               </a:ln>
               <a:extLst>
                 <a:ext uri="{91240B29-F687-4f45-9708-019B960494DF}">
-                  <a14:hiddenLine xmlns:a14="http://schemas.microsoft.com/office/drawing/2010/main" xmlns="" w="9525">
+                  <a14:hiddenLine xmlns="" xmlns:a14="http://schemas.microsoft.com/office/drawing/2010/main" w="9525">
                     <a:solidFill>
                       <a:srgbClr val="000000"/>
                     </a:solidFill>
@@ -11689,7 +11690,7 @@
               </a:ln>
               <a:extLst>
                 <a:ext uri="{91240B29-F687-4f45-9708-019B960494DF}">
-                  <a14:hiddenLine xmlns:a14="http://schemas.microsoft.com/office/drawing/2010/main" xmlns="" w="9525">
+                  <a14:hiddenLine xmlns="" xmlns:a14="http://schemas.microsoft.com/office/drawing/2010/main" w="9525">
                     <a:solidFill>
                       <a:srgbClr val="000000"/>
                     </a:solidFill>
@@ -11779,7 +11780,7 @@
               </a:ln>
               <a:extLst>
                 <a:ext uri="{91240B29-F687-4f45-9708-019B960494DF}">
-                  <a14:hiddenLine xmlns:a14="http://schemas.microsoft.com/office/drawing/2010/main" xmlns="" w="9525">
+                  <a14:hiddenLine xmlns="" xmlns:a14="http://schemas.microsoft.com/office/drawing/2010/main" w="9525">
                     <a:solidFill>
                       <a:srgbClr val="000000"/>
                     </a:solidFill>
@@ -11813,7 +11814,7 @@
               </a:ln>
               <a:extLst>
                 <a:ext uri="{91240B29-F687-4f45-9708-019B960494DF}">
-                  <a14:hiddenLine xmlns:a14="http://schemas.microsoft.com/office/drawing/2010/main" xmlns="" w="9525">
+                  <a14:hiddenLine xmlns="" xmlns:a14="http://schemas.microsoft.com/office/drawing/2010/main" w="9525">
                     <a:solidFill>
                       <a:srgbClr val="000000"/>
                     </a:solidFill>
@@ -11957,7 +11958,7 @@
             <a:fld id="{48A87A34-81AB-432B-8DAE-1953F412C126}" type="datetimeFigureOut">
               <a:rPr lang="en-US" dirty="0"/>
               <a:pPr/>
-              <a:t>1/26/2020</a:t>
+              <a:t>1/27/2020</a:t>
             </a:fld>
             <a:endParaRPr lang="en-US" dirty="0"/>
           </a:p>
@@ -12492,6 +12493,100 @@
           <a:chExt cx="0" cy="0"/>
         </a:xfrm>
       </p:grpSpPr>
+      <p:sp>
+        <p:nvSpPr>
+          <p:cNvPr id="2" name="Title 1">
+            <a:extLst>
+              <a:ext uri="{FF2B5EF4-FFF2-40B4-BE49-F238E27FC236}">
+                <a16:creationId xmlns:a16="http://schemas.microsoft.com/office/drawing/2014/main" id="{7F132F64-9CB4-4A03-B6B4-618CB44D7E03}"/>
+              </a:ext>
+            </a:extLst>
+          </p:cNvPr>
+          <p:cNvSpPr>
+            <a:spLocks noGrp="1"/>
+          </p:cNvSpPr>
+          <p:nvPr>
+            <p:ph type="title"/>
+          </p:nvPr>
+        </p:nvSpPr>
+        <p:spPr>
+          <a:xfrm>
+            <a:off x="1141413" y="618518"/>
+            <a:ext cx="9905998" cy="1478570"/>
+          </a:xfrm>
+        </p:spPr>
+        <p:txBody>
+          <a:bodyPr/>
+          <a:lstStyle/>
+          <a:p>
+            <a:pPr algn="ctr"/>
+            <a:r>
+              <a:rPr lang="en-US" dirty="0"/>
+              <a:t>board</a:t>
+            </a:r>
+            <a:endParaRPr lang="fa-IR" dirty="0"/>
+          </a:p>
+        </p:txBody>
+      </p:sp>
+      <p:pic>
+        <p:nvPicPr>
+          <p:cNvPr id="5" name="Content Placeholder 4">
+            <a:extLst>
+              <a:ext uri="{FF2B5EF4-FFF2-40B4-BE49-F238E27FC236}">
+                <a16:creationId xmlns:a16="http://schemas.microsoft.com/office/drawing/2014/main" id="{BC937B43-5EC8-4111-AE37-355DC24C800B}"/>
+              </a:ext>
+            </a:extLst>
+          </p:cNvPr>
+          <p:cNvPicPr>
+            <a:picLocks noGrp="1" noChangeAspect="1"/>
+          </p:cNvPicPr>
+          <p:nvPr>
+            <p:ph idx="1"/>
+          </p:nvPr>
+        </p:nvPicPr>
+        <p:blipFill>
+          <a:blip r:embed="rId2"/>
+          <a:stretch>
+            <a:fillRect/>
+          </a:stretch>
+        </p:blipFill>
+        <p:spPr>
+          <a:xfrm>
+            <a:off x="1544715" y="1686757"/>
+            <a:ext cx="9502696" cy="4811697"/>
+          </a:xfrm>
+        </p:spPr>
+      </p:pic>
+    </p:spTree>
+    <p:extLst>
+      <p:ext uri="{BB962C8B-B14F-4D97-AF65-F5344CB8AC3E}">
+        <p14:creationId xmlns:p14="http://schemas.microsoft.com/office/powerpoint/2010/main" val="4166007654"/>
+      </p:ext>
+    </p:extLst>
+  </p:cSld>
+  <p:clrMapOvr>
+    <a:masterClrMapping/>
+  </p:clrMapOvr>
+</p:sld>
+</file>
+
+<file path=ppt/slides/slide11.xml><?xml version="1.0" encoding="utf-8"?>
+<p:sld xmlns:a="http://schemas.openxmlformats.org/drawingml/2006/main" xmlns:r="http://schemas.openxmlformats.org/officeDocument/2006/relationships" xmlns:p="http://schemas.openxmlformats.org/presentationml/2006/main">
+  <p:cSld>
+    <p:spTree>
+      <p:nvGrpSpPr>
+        <p:cNvPr id="1" name=""/>
+        <p:cNvGrpSpPr/>
+        <p:nvPr/>
+      </p:nvGrpSpPr>
+      <p:grpSpPr>
+        <a:xfrm>
+          <a:off x="0" y="0"/>
+          <a:ext cx="0" cy="0"/>
+          <a:chOff x="0" y="0"/>
+          <a:chExt cx="0" cy="0"/>
+        </a:xfrm>
+      </p:grpSpPr>
       <p:pic>
         <p:nvPicPr>
           <p:cNvPr id="5" name="Content Placeholder 4">
@@ -12568,7 +12663,7 @@
 </p:sld>
 </file>
 
-<file path=ppt/slides/slide11.xml><?xml version="1.0" encoding="utf-8"?>
+<file path=ppt/slides/slide12.xml><?xml version="1.0" encoding="utf-8"?>
 <p:sld xmlns:a="http://schemas.openxmlformats.org/drawingml/2006/main" xmlns:r="http://schemas.openxmlformats.org/officeDocument/2006/relationships" xmlns:p="http://schemas.openxmlformats.org/presentationml/2006/main">
   <p:cSld>
     <p:spTree>
@@ -12662,7 +12757,7 @@
 </p:sld>
 </file>
 
-<file path=ppt/slides/slide12.xml><?xml version="1.0" encoding="utf-8"?>
+<file path=ppt/slides/slide13.xml><?xml version="1.0" encoding="utf-8"?>
 <p:sld xmlns:a="http://schemas.openxmlformats.org/drawingml/2006/main" xmlns:r="http://schemas.openxmlformats.org/officeDocument/2006/relationships" xmlns:p="http://schemas.openxmlformats.org/presentationml/2006/main">
   <p:cSld>
     <p:spTree>
@@ -12758,7 +12853,7 @@
 </p:sld>
 </file>
 
-<file path=ppt/slides/slide13.xml><?xml version="1.0" encoding="utf-8"?>
+<file path=ppt/slides/slide14.xml><?xml version="1.0" encoding="utf-8"?>
 <p:sld xmlns:a="http://schemas.openxmlformats.org/drawingml/2006/main" xmlns:r="http://schemas.openxmlformats.org/officeDocument/2006/relationships" xmlns:p="http://schemas.openxmlformats.org/presentationml/2006/main">
   <p:cSld>
     <p:spTree>
@@ -12846,7 +12941,7 @@
 </p:sld>
 </file>
 
-<file path=ppt/slides/slide14.xml><?xml version="1.0" encoding="utf-8"?>
+<file path=ppt/slides/slide15.xml><?xml version="1.0" encoding="utf-8"?>
 <p:sld xmlns:a="http://schemas.openxmlformats.org/drawingml/2006/main" xmlns:r="http://schemas.openxmlformats.org/officeDocument/2006/relationships" xmlns:p="http://schemas.openxmlformats.org/presentationml/2006/main">
   <p:cSld>
     <p:spTree>
@@ -12934,7 +13029,7 @@
 </p:sld>
 </file>
 
-<file path=ppt/slides/slide15.xml><?xml version="1.0" encoding="utf-8"?>
+<file path=ppt/slides/slide16.xml><?xml version="1.0" encoding="utf-8"?>
 <p:sld xmlns:a="http://schemas.openxmlformats.org/drawingml/2006/main" xmlns:r="http://schemas.openxmlformats.org/officeDocument/2006/relationships" xmlns:p="http://schemas.openxmlformats.org/presentationml/2006/main">
   <p:cSld>
     <p:spTree>
@@ -13022,7 +13117,7 @@
 </p:sld>
 </file>
 
-<file path=ppt/slides/slide16.xml><?xml version="1.0" encoding="utf-8"?>
+<file path=ppt/slides/slide17.xml><?xml version="1.0" encoding="utf-8"?>
 <p:sld xmlns:a="http://schemas.openxmlformats.org/drawingml/2006/main" xmlns:r="http://schemas.openxmlformats.org/officeDocument/2006/relationships" xmlns:p="http://schemas.openxmlformats.org/presentationml/2006/main">
   <p:cSld>
     <p:spTree>
@@ -13110,7 +13205,7 @@
 </p:sld>
 </file>
 
-<file path=ppt/slides/slide17.xml><?xml version="1.0" encoding="utf-8"?>
+<file path=ppt/slides/slide18.xml><?xml version="1.0" encoding="utf-8"?>
 <p:sld xmlns:a="http://schemas.openxmlformats.org/drawingml/2006/main" xmlns:r="http://schemas.openxmlformats.org/officeDocument/2006/relationships" xmlns:p="http://schemas.openxmlformats.org/presentationml/2006/main">
   <p:cSld>
     <p:spTree>
@@ -13198,7 +13293,7 @@
 </p:sld>
 </file>
 
-<file path=ppt/slides/slide18.xml><?xml version="1.0" encoding="utf-8"?>
+<file path=ppt/slides/slide19.xml><?xml version="1.0" encoding="utf-8"?>
 <p:sld xmlns:a="http://schemas.openxmlformats.org/drawingml/2006/main" xmlns:r="http://schemas.openxmlformats.org/officeDocument/2006/relationships" xmlns:p="http://schemas.openxmlformats.org/presentationml/2006/main">
   <p:cSld>
     <p:spTree>
@@ -13286,7 +13381,140 @@
 </p:sld>
 </file>
 
-<file path=ppt/slides/slide19.xml><?xml version="1.0" encoding="utf-8"?>
+<file path=ppt/slides/slide2.xml><?xml version="1.0" encoding="utf-8"?>
+<p:sld xmlns:a="http://schemas.openxmlformats.org/drawingml/2006/main" xmlns:r="http://schemas.openxmlformats.org/officeDocument/2006/relationships" xmlns:p="http://schemas.openxmlformats.org/presentationml/2006/main">
+  <p:cSld>
+    <p:spTree>
+      <p:nvGrpSpPr>
+        <p:cNvPr id="1" name=""/>
+        <p:cNvGrpSpPr/>
+        <p:nvPr/>
+      </p:nvGrpSpPr>
+      <p:grpSpPr>
+        <a:xfrm>
+          <a:off x="0" y="0"/>
+          <a:ext cx="0" cy="0"/>
+          <a:chOff x="0" y="0"/>
+          <a:chExt cx="0" cy="0"/>
+        </a:xfrm>
+      </p:grpSpPr>
+      <p:sp>
+        <p:nvSpPr>
+          <p:cNvPr id="2" name="Title 1">
+            <a:extLst>
+              <a:ext uri="{FF2B5EF4-FFF2-40B4-BE49-F238E27FC236}">
+                <a16:creationId xmlns:a16="http://schemas.microsoft.com/office/drawing/2014/main" id="{11FB425F-238B-4987-BA71-9A47A0187166}"/>
+              </a:ext>
+            </a:extLst>
+          </p:cNvPr>
+          <p:cNvSpPr>
+            <a:spLocks noGrp="1"/>
+          </p:cNvSpPr>
+          <p:nvPr>
+            <p:ph type="title"/>
+          </p:nvPr>
+        </p:nvSpPr>
+        <p:spPr>
+          <a:xfrm>
+            <a:off x="1141413" y="618518"/>
+            <a:ext cx="9905998" cy="1478570"/>
+          </a:xfrm>
+        </p:spPr>
+        <p:txBody>
+          <a:bodyPr/>
+          <a:lstStyle/>
+          <a:p>
+            <a:pPr algn="ctr"/>
+            <a:r>
+              <a:rPr lang="fa-IR" dirty="0"/>
+              <a:t>بخش های اصلی</a:t>
+            </a:r>
+          </a:p>
+        </p:txBody>
+      </p:sp>
+      <p:sp>
+        <p:nvSpPr>
+          <p:cNvPr id="3" name="Content Placeholder 2">
+            <a:extLst>
+              <a:ext uri="{FF2B5EF4-FFF2-40B4-BE49-F238E27FC236}">
+                <a16:creationId xmlns:a16="http://schemas.microsoft.com/office/drawing/2014/main" id="{DFEA5821-07C4-4DE5-9DFA-A33E0A1985FA}"/>
+              </a:ext>
+            </a:extLst>
+          </p:cNvPr>
+          <p:cNvSpPr>
+            <a:spLocks noGrp="1"/>
+          </p:cNvSpPr>
+          <p:nvPr>
+            <p:ph idx="1"/>
+          </p:nvPr>
+        </p:nvSpPr>
+        <p:spPr/>
+        <p:txBody>
+          <a:bodyPr/>
+          <a:lstStyle/>
+          <a:p>
+            <a:pPr algn="l" rtl="0"/>
+            <a:r>
+              <a:rPr lang="en-US" dirty="0"/>
+              <a:t>Cell</a:t>
+            </a:r>
+          </a:p>
+          <a:p>
+            <a:pPr algn="l" rtl="0"/>
+            <a:r>
+              <a:rPr lang="en-US" dirty="0"/>
+              <a:t>Piece</a:t>
+            </a:r>
+          </a:p>
+          <a:p>
+            <a:pPr algn="l" rtl="0"/>
+            <a:r>
+              <a:rPr lang="en-US" dirty="0"/>
+              <a:t>Player</a:t>
+            </a:r>
+          </a:p>
+          <a:p>
+            <a:pPr algn="l" rtl="0"/>
+            <a:r>
+              <a:rPr lang="en-US" dirty="0"/>
+              <a:t>Board</a:t>
+            </a:r>
+          </a:p>
+          <a:p>
+            <a:pPr algn="l" rtl="0"/>
+            <a:r>
+              <a:rPr lang="en-US" dirty="0"/>
+              <a:t>main</a:t>
+            </a:r>
+          </a:p>
+          <a:p>
+            <a:pPr algn="l" rtl="0"/>
+            <a:endParaRPr lang="en-US" dirty="0"/>
+          </a:p>
+          <a:p>
+            <a:pPr algn="l" rtl="0"/>
+            <a:endParaRPr lang="en-US" dirty="0"/>
+          </a:p>
+          <a:p>
+            <a:pPr algn="l" rtl="0"/>
+            <a:endParaRPr lang="fa-IR" dirty="0"/>
+          </a:p>
+        </p:txBody>
+      </p:sp>
+    </p:spTree>
+    <p:extLst>
+      <p:ext uri="{BB962C8B-B14F-4D97-AF65-F5344CB8AC3E}">
+        <p14:creationId xmlns:p14="http://schemas.microsoft.com/office/powerpoint/2010/main" val="2573261654"/>
+      </p:ext>
+    </p:extLst>
+  </p:cSld>
+  <p:clrMapOvr>
+    <a:masterClrMapping/>
+  </p:clrMapOvr>
+</p:sld>
+</file>
+
+<file path=ppt/slides/slide20.xml><?xml version="1.0" encoding="utf-8"?>
 <p:sld xmlns:a="http://schemas.openxmlformats.org/drawingml/2006/main" xmlns:r="http://schemas.openxmlformats.org/officeDocument/2006/relationships" xmlns:p="http://schemas.openxmlformats.org/presentationml/2006/main">
   <p:cSld>
     <p:spTree>
@@ -13374,140 +13602,7 @@
 </p:sld>
 </file>
 
-<file path=ppt/slides/slide2.xml><?xml version="1.0" encoding="utf-8"?>
-<p:sld xmlns:a="http://schemas.openxmlformats.org/drawingml/2006/main" xmlns:r="http://schemas.openxmlformats.org/officeDocument/2006/relationships" xmlns:p="http://schemas.openxmlformats.org/presentationml/2006/main">
-  <p:cSld>
-    <p:spTree>
-      <p:nvGrpSpPr>
-        <p:cNvPr id="1" name=""/>
-        <p:cNvGrpSpPr/>
-        <p:nvPr/>
-      </p:nvGrpSpPr>
-      <p:grpSpPr>
-        <a:xfrm>
-          <a:off x="0" y="0"/>
-          <a:ext cx="0" cy="0"/>
-          <a:chOff x="0" y="0"/>
-          <a:chExt cx="0" cy="0"/>
-        </a:xfrm>
-      </p:grpSpPr>
-      <p:sp>
-        <p:nvSpPr>
-          <p:cNvPr id="2" name="Title 1">
-            <a:extLst>
-              <a:ext uri="{FF2B5EF4-FFF2-40B4-BE49-F238E27FC236}">
-                <a16:creationId xmlns:a16="http://schemas.microsoft.com/office/drawing/2014/main" id="{11FB425F-238B-4987-BA71-9A47A0187166}"/>
-              </a:ext>
-            </a:extLst>
-          </p:cNvPr>
-          <p:cNvSpPr>
-            <a:spLocks noGrp="1"/>
-          </p:cNvSpPr>
-          <p:nvPr>
-            <p:ph type="title"/>
-          </p:nvPr>
-        </p:nvSpPr>
-        <p:spPr>
-          <a:xfrm>
-            <a:off x="1141413" y="618518"/>
-            <a:ext cx="9905998" cy="1478570"/>
-          </a:xfrm>
-        </p:spPr>
-        <p:txBody>
-          <a:bodyPr/>
-          <a:lstStyle/>
-          <a:p>
-            <a:pPr algn="ctr"/>
-            <a:r>
-              <a:rPr lang="fa-IR" dirty="0"/>
-              <a:t>بخش های اصلی</a:t>
-            </a:r>
-          </a:p>
-        </p:txBody>
-      </p:sp>
-      <p:sp>
-        <p:nvSpPr>
-          <p:cNvPr id="3" name="Content Placeholder 2">
-            <a:extLst>
-              <a:ext uri="{FF2B5EF4-FFF2-40B4-BE49-F238E27FC236}">
-                <a16:creationId xmlns:a16="http://schemas.microsoft.com/office/drawing/2014/main" id="{DFEA5821-07C4-4DE5-9DFA-A33E0A1985FA}"/>
-              </a:ext>
-            </a:extLst>
-          </p:cNvPr>
-          <p:cNvSpPr>
-            <a:spLocks noGrp="1"/>
-          </p:cNvSpPr>
-          <p:nvPr>
-            <p:ph idx="1"/>
-          </p:nvPr>
-        </p:nvSpPr>
-        <p:spPr/>
-        <p:txBody>
-          <a:bodyPr/>
-          <a:lstStyle/>
-          <a:p>
-            <a:pPr algn="l" rtl="0"/>
-            <a:r>
-              <a:rPr lang="en-US" dirty="0"/>
-              <a:t>Cell</a:t>
-            </a:r>
-          </a:p>
-          <a:p>
-            <a:pPr algn="l" rtl="0"/>
-            <a:r>
-              <a:rPr lang="en-US" dirty="0"/>
-              <a:t>Piece</a:t>
-            </a:r>
-          </a:p>
-          <a:p>
-            <a:pPr algn="l" rtl="0"/>
-            <a:r>
-              <a:rPr lang="en-US" dirty="0"/>
-              <a:t>Player</a:t>
-            </a:r>
-          </a:p>
-          <a:p>
-            <a:pPr algn="l" rtl="0"/>
-            <a:r>
-              <a:rPr lang="en-US" dirty="0"/>
-              <a:t>Board</a:t>
-            </a:r>
-          </a:p>
-          <a:p>
-            <a:pPr algn="l" rtl="0"/>
-            <a:r>
-              <a:rPr lang="en-US" dirty="0"/>
-              <a:t>main</a:t>
-            </a:r>
-          </a:p>
-          <a:p>
-            <a:pPr algn="l" rtl="0"/>
-            <a:endParaRPr lang="en-US" dirty="0"/>
-          </a:p>
-          <a:p>
-            <a:pPr algn="l" rtl="0"/>
-            <a:endParaRPr lang="en-US" dirty="0"/>
-          </a:p>
-          <a:p>
-            <a:pPr algn="l" rtl="0"/>
-            <a:endParaRPr lang="fa-IR" dirty="0"/>
-          </a:p>
-        </p:txBody>
-      </p:sp>
-    </p:spTree>
-    <p:extLst>
-      <p:ext uri="{BB962C8B-B14F-4D97-AF65-F5344CB8AC3E}">
-        <p14:creationId xmlns:p14="http://schemas.microsoft.com/office/powerpoint/2010/main" val="2573261654"/>
-      </p:ext>
-    </p:extLst>
-  </p:cSld>
-  <p:clrMapOvr>
-    <a:masterClrMapping/>
-  </p:clrMapOvr>
-</p:sld>
-</file>
-
-<file path=ppt/slides/slide20.xml><?xml version="1.0" encoding="utf-8"?>
+<file path=ppt/slides/slide21.xml><?xml version="1.0" encoding="utf-8"?>
 <p:sld xmlns:a="http://schemas.openxmlformats.org/drawingml/2006/main" xmlns:r="http://schemas.openxmlformats.org/officeDocument/2006/relationships" xmlns:p="http://schemas.openxmlformats.org/presentationml/2006/main">
   <p:cSld>
     <p:spTree>
@@ -13595,7 +13690,7 @@
 </p:sld>
 </file>
 
-<file path=ppt/slides/slide21.xml><?xml version="1.0" encoding="utf-8"?>
+<file path=ppt/slides/slide22.xml><?xml version="1.0" encoding="utf-8"?>
 <p:sld xmlns:a="http://schemas.openxmlformats.org/drawingml/2006/main" xmlns:r="http://schemas.openxmlformats.org/officeDocument/2006/relationships" xmlns:p="http://schemas.openxmlformats.org/presentationml/2006/main">
   <p:cSld>
     <p:spTree>
@@ -13969,7 +14064,9 @@
           <a:bodyPr/>
           <a:lstStyle/>
           <a:p>
-            <a:pPr algn="l"/>
+            <a:pPr marL="0" indent="0" algn="l" rtl="0">
+              <a:buNone/>
+            </a:pPr>
             <a:r>
               <a:rPr lang="en-US" dirty="0" err="1"/>
               <a:t>enum</a:t>
@@ -13988,7 +14085,9 @@
             </a:r>
           </a:p>
           <a:p>
-            <a:pPr algn="l"/>
+            <a:pPr marL="0" indent="0" algn="l" rtl="0">
+              <a:buNone/>
+            </a:pPr>
             <a:r>
               <a:rPr lang="en-US" dirty="0" err="1"/>
               <a:t>enum</a:t>
@@ -14008,7 +14107,9 @@
             <a:endParaRPr lang="fa-IR" dirty="0"/>
           </a:p>
           <a:p>
-            <a:pPr algn="l"/>
+            <a:pPr marL="0" indent="0" algn="l" rtl="0">
+              <a:buNone/>
+            </a:pPr>
             <a:r>
               <a:rPr lang="en-US" dirty="0"/>
               <a:t>map &lt;</a:t>
@@ -14039,7 +14140,9 @@
             </a:r>
           </a:p>
           <a:p>
-            <a:pPr algn="l"/>
+            <a:pPr marL="0" indent="0" algn="l" rtl="0">
+              <a:buNone/>
+            </a:pPr>
             <a:r>
               <a:rPr lang="en-US" dirty="0"/>
               <a:t>map &lt;</a:t>
@@ -14062,7 +14165,9 @@
             </a:r>
           </a:p>
           <a:p>
-            <a:pPr algn="l"/>
+            <a:pPr marL="0" indent="0" algn="l" rtl="0">
+              <a:buNone/>
+            </a:pPr>
             <a:r>
               <a:rPr lang="en-US" dirty="0"/>
               <a:t>map &lt;</a:t>
@@ -14080,7 +14185,7 @@
               <a:t>playerMap</a:t>
             </a:r>
             <a:r>
-              <a:rPr lang="en-US"/>
+              <a:rPr lang="en-US" dirty="0"/>
               <a:t>;</a:t>
             </a:r>
             <a:endParaRPr lang="fa-IR" dirty="0"/>
@@ -14750,47 +14855,12 @@
           <a:chExt cx="0" cy="0"/>
         </a:xfrm>
       </p:grpSpPr>
-      <p:sp>
-        <p:nvSpPr>
-          <p:cNvPr id="2" name="Title 1">
-            <a:extLst>
-              <a:ext uri="{FF2B5EF4-FFF2-40B4-BE49-F238E27FC236}">
-                <a16:creationId xmlns:a16="http://schemas.microsoft.com/office/drawing/2014/main" id="{7F132F64-9CB4-4A03-B6B4-618CB44D7E03}"/>
-              </a:ext>
-            </a:extLst>
-          </p:cNvPr>
-          <p:cNvSpPr>
-            <a:spLocks noGrp="1"/>
-          </p:cNvSpPr>
-          <p:nvPr>
-            <p:ph type="title"/>
-          </p:nvPr>
-        </p:nvSpPr>
-        <p:spPr>
-          <a:xfrm>
-            <a:off x="1141413" y="618518"/>
-            <a:ext cx="9905998" cy="1478570"/>
-          </a:xfrm>
-        </p:spPr>
-        <p:txBody>
-          <a:bodyPr/>
-          <a:lstStyle/>
-          <a:p>
-            <a:pPr algn="ctr"/>
-            <a:r>
-              <a:rPr lang="en-US" dirty="0"/>
-              <a:t>board</a:t>
-            </a:r>
-            <a:endParaRPr lang="fa-IR" dirty="0"/>
-          </a:p>
-        </p:txBody>
-      </p:sp>
       <p:pic>
         <p:nvPicPr>
           <p:cNvPr id="5" name="Content Placeholder 4">
             <a:extLst>
               <a:ext uri="{FF2B5EF4-FFF2-40B4-BE49-F238E27FC236}">
-                <a16:creationId xmlns:a16="http://schemas.microsoft.com/office/drawing/2014/main" id="{BC937B43-5EC8-4111-AE37-355DC24C800B}"/>
+                <a16:creationId xmlns:a16="http://schemas.microsoft.com/office/drawing/2014/main" id="{9D09803B-458E-42BA-AF79-B43EC4BCD238}"/>
               </a:ext>
             </a:extLst>
           </p:cNvPr>
@@ -14809,15 +14879,44 @@
         </p:blipFill>
         <p:spPr>
           <a:xfrm>
-            <a:off x="1544715" y="1686757"/>
-            <a:ext cx="9502696" cy="4811697"/>
+            <a:off x="1296139" y="1953087"/>
+            <a:ext cx="10244832" cy="4563123"/>
           </a:xfrm>
         </p:spPr>
       </p:pic>
+      <p:sp>
+        <p:nvSpPr>
+          <p:cNvPr id="3" name="Title 2">
+            <a:extLst>
+              <a:ext uri="{FF2B5EF4-FFF2-40B4-BE49-F238E27FC236}">
+                <a16:creationId xmlns:a16="http://schemas.microsoft.com/office/drawing/2014/main" id="{56C1E0E0-3E43-4104-9FC2-EB2551A32AF8}"/>
+              </a:ext>
+            </a:extLst>
+          </p:cNvPr>
+          <p:cNvSpPr>
+            <a:spLocks noGrp="1"/>
+          </p:cNvSpPr>
+          <p:nvPr>
+            <p:ph type="title"/>
+          </p:nvPr>
+        </p:nvSpPr>
+        <p:spPr/>
+        <p:txBody>
+          <a:bodyPr/>
+          <a:lstStyle/>
+          <a:p>
+            <a:r>
+              <a:rPr lang="en-US" dirty="0"/>
+              <a:t>Player constructor</a:t>
+            </a:r>
+            <a:endParaRPr lang="fa-IR" dirty="0"/>
+          </a:p>
+        </p:txBody>
+      </p:sp>
     </p:spTree>
     <p:extLst>
       <p:ext uri="{BB962C8B-B14F-4D97-AF65-F5344CB8AC3E}">
-        <p14:creationId xmlns:p14="http://schemas.microsoft.com/office/powerpoint/2010/main" val="4166007654"/>
+        <p14:creationId xmlns:p14="http://schemas.microsoft.com/office/powerpoint/2010/main" val="3638590620"/>
       </p:ext>
     </p:extLst>
   </p:cSld>

--- a/powerPoint/به نام خدا).pptx
+++ b/powerPoint/به نام خدا).pptx
@@ -190,7 +190,7 @@
           <a:noFill/>
           <a:extLst>
             <a:ext uri="{909E8E84-426E-40dd-AFC4-6F175D3DCCD1}">
-              <a14:hiddenFill xmlns="" xmlns:a14="http://schemas.microsoft.com/office/drawing/2010/main">
+              <a14:hiddenFill xmlns:a14="http://schemas.microsoft.com/office/drawing/2010/main" xmlns="">
                 <a:solidFill>
                   <a:srgbClr val="FFFFFF"/>
                 </a:solidFill>
@@ -249,7 +249,7 @@
             </a:ln>
             <a:extLst>
               <a:ext uri="{91240B29-F687-4f45-9708-019B960494DF}">
-                <a14:hiddenLine xmlns="" xmlns:a14="http://schemas.microsoft.com/office/drawing/2010/main" w="9525">
+                <a14:hiddenLine xmlns:a14="http://schemas.microsoft.com/office/drawing/2010/main" xmlns="" w="9525">
                   <a:solidFill>
                     <a:srgbClr val="000000"/>
                   </a:solidFill>
@@ -339,7 +339,7 @@
             </a:ln>
             <a:extLst>
               <a:ext uri="{91240B29-F687-4f45-9708-019B960494DF}">
-                <a14:hiddenLine xmlns="" xmlns:a14="http://schemas.microsoft.com/office/drawing/2010/main" w="9525">
+                <a14:hiddenLine xmlns:a14="http://schemas.microsoft.com/office/drawing/2010/main" xmlns="" w="9525">
                   <a:solidFill>
                     <a:srgbClr val="000000"/>
                   </a:solidFill>
@@ -429,7 +429,7 @@
             </a:ln>
             <a:extLst>
               <a:ext uri="{91240B29-F687-4f45-9708-019B960494DF}">
-                <a14:hiddenLine xmlns="" xmlns:a14="http://schemas.microsoft.com/office/drawing/2010/main" w="9525">
+                <a14:hiddenLine xmlns:a14="http://schemas.microsoft.com/office/drawing/2010/main" xmlns="" w="9525">
                   <a:solidFill>
                     <a:srgbClr val="000000"/>
                   </a:solidFill>
@@ -463,7 +463,7 @@
             </a:ln>
             <a:extLst>
               <a:ext uri="{91240B29-F687-4f45-9708-019B960494DF}">
-                <a14:hiddenLine xmlns="" xmlns:a14="http://schemas.microsoft.com/office/drawing/2010/main" w="9525">
+                <a14:hiddenLine xmlns:a14="http://schemas.microsoft.com/office/drawing/2010/main" xmlns="" w="9525">
                   <a:solidFill>
                     <a:srgbClr val="000000"/>
                   </a:solidFill>
@@ -553,7 +553,7 @@
             </a:ln>
             <a:extLst>
               <a:ext uri="{91240B29-F687-4f45-9708-019B960494DF}">
-                <a14:hiddenLine xmlns="" xmlns:a14="http://schemas.microsoft.com/office/drawing/2010/main" w="9525">
+                <a14:hiddenLine xmlns:a14="http://schemas.microsoft.com/office/drawing/2010/main" xmlns="" w="9525">
                   <a:solidFill>
                     <a:srgbClr val="000000"/>
                   </a:solidFill>
@@ -615,7 +615,7 @@
             </a:ln>
             <a:extLst>
               <a:ext uri="{91240B29-F687-4f45-9708-019B960494DF}">
-                <a14:hiddenLine xmlns="" xmlns:a14="http://schemas.microsoft.com/office/drawing/2010/main" w="9525">
+                <a14:hiddenLine xmlns:a14="http://schemas.microsoft.com/office/drawing/2010/main" xmlns="" w="9525">
                   <a:solidFill>
                     <a:srgbClr val="000000"/>
                   </a:solidFill>
@@ -677,7 +677,7 @@
             </a:ln>
             <a:extLst>
               <a:ext uri="{91240B29-F687-4f45-9708-019B960494DF}">
-                <a14:hiddenLine xmlns="" xmlns:a14="http://schemas.microsoft.com/office/drawing/2010/main" w="9525">
+                <a14:hiddenLine xmlns:a14="http://schemas.microsoft.com/office/drawing/2010/main" xmlns="" w="9525">
                   <a:solidFill>
                     <a:srgbClr val="000000"/>
                   </a:solidFill>
@@ -767,7 +767,7 @@
             </a:ln>
             <a:extLst>
               <a:ext uri="{91240B29-F687-4f45-9708-019B960494DF}">
-                <a14:hiddenLine xmlns="" xmlns:a14="http://schemas.microsoft.com/office/drawing/2010/main" w="9525">
+                <a14:hiddenLine xmlns:a14="http://schemas.microsoft.com/office/drawing/2010/main" xmlns="" w="9525">
                   <a:solidFill>
                     <a:srgbClr val="000000"/>
                   </a:solidFill>
@@ -829,7 +829,7 @@
             </a:ln>
             <a:extLst>
               <a:ext uri="{91240B29-F687-4f45-9708-019B960494DF}">
-                <a14:hiddenLine xmlns="" xmlns:a14="http://schemas.microsoft.com/office/drawing/2010/main" w="9525">
+                <a14:hiddenLine xmlns:a14="http://schemas.microsoft.com/office/drawing/2010/main" xmlns="" w="9525">
                   <a:solidFill>
                     <a:srgbClr val="000000"/>
                   </a:solidFill>
@@ -891,7 +891,7 @@
             </a:ln>
             <a:extLst>
               <a:ext uri="{91240B29-F687-4f45-9708-019B960494DF}">
-                <a14:hiddenLine xmlns="" xmlns:a14="http://schemas.microsoft.com/office/drawing/2010/main" w="9525">
+                <a14:hiddenLine xmlns:a14="http://schemas.microsoft.com/office/drawing/2010/main" xmlns="" w="9525">
                   <a:solidFill>
                     <a:srgbClr val="000000"/>
                   </a:solidFill>
@@ -981,7 +981,7 @@
             </a:ln>
             <a:extLst>
               <a:ext uri="{91240B29-F687-4f45-9708-019B960494DF}">
-                <a14:hiddenLine xmlns="" xmlns:a14="http://schemas.microsoft.com/office/drawing/2010/main" w="9525">
+                <a14:hiddenLine xmlns:a14="http://schemas.microsoft.com/office/drawing/2010/main" xmlns="" w="9525">
                   <a:solidFill>
                     <a:srgbClr val="000000"/>
                   </a:solidFill>
@@ -1071,7 +1071,7 @@
             </a:ln>
             <a:extLst>
               <a:ext uri="{91240B29-F687-4f45-9708-019B960494DF}">
-                <a14:hiddenLine xmlns="" xmlns:a14="http://schemas.microsoft.com/office/drawing/2010/main" w="9525">
+                <a14:hiddenLine xmlns:a14="http://schemas.microsoft.com/office/drawing/2010/main" xmlns="" w="9525">
                   <a:solidFill>
                     <a:srgbClr val="000000"/>
                   </a:solidFill>
@@ -1133,7 +1133,7 @@
             </a:ln>
             <a:extLst>
               <a:ext uri="{91240B29-F687-4f45-9708-019B960494DF}">
-                <a14:hiddenLine xmlns="" xmlns:a14="http://schemas.microsoft.com/office/drawing/2010/main" w="9525">
+                <a14:hiddenLine xmlns:a14="http://schemas.microsoft.com/office/drawing/2010/main" xmlns="" w="9525">
                   <a:solidFill>
                     <a:srgbClr val="000000"/>
                   </a:solidFill>
@@ -1243,7 +1243,7 @@
             </a:ln>
             <a:extLst>
               <a:ext uri="{91240B29-F687-4f45-9708-019B960494DF}">
-                <a14:hiddenLine xmlns="" xmlns:a14="http://schemas.microsoft.com/office/drawing/2010/main" w="9525">
+                <a14:hiddenLine xmlns:a14="http://schemas.microsoft.com/office/drawing/2010/main" xmlns="" w="9525">
                   <a:solidFill>
                     <a:srgbClr val="000000"/>
                   </a:solidFill>
@@ -1305,7 +1305,7 @@
             </a:ln>
             <a:extLst>
               <a:ext uri="{91240B29-F687-4f45-9708-019B960494DF}">
-                <a14:hiddenLine xmlns="" xmlns:a14="http://schemas.microsoft.com/office/drawing/2010/main" w="9525">
+                <a14:hiddenLine xmlns:a14="http://schemas.microsoft.com/office/drawing/2010/main" xmlns="" w="9525">
                   <a:solidFill>
                     <a:srgbClr val="000000"/>
                   </a:solidFill>
@@ -1395,7 +1395,7 @@
             </a:ln>
             <a:extLst>
               <a:ext uri="{91240B29-F687-4f45-9708-019B960494DF}">
-                <a14:hiddenLine xmlns="" xmlns:a14="http://schemas.microsoft.com/office/drawing/2010/main" w="9525">
+                <a14:hiddenLine xmlns:a14="http://schemas.microsoft.com/office/drawing/2010/main" xmlns="" w="9525">
                   <a:solidFill>
                     <a:srgbClr val="000000"/>
                   </a:solidFill>
@@ -1485,7 +1485,7 @@
             </a:ln>
             <a:extLst>
               <a:ext uri="{91240B29-F687-4f45-9708-019B960494DF}">
-                <a14:hiddenLine xmlns="" xmlns:a14="http://schemas.microsoft.com/office/drawing/2010/main" w="9525">
+                <a14:hiddenLine xmlns:a14="http://schemas.microsoft.com/office/drawing/2010/main" xmlns="" w="9525">
                   <a:solidFill>
                     <a:srgbClr val="000000"/>
                   </a:solidFill>
@@ -1547,7 +1547,7 @@
             </a:ln>
             <a:extLst>
               <a:ext uri="{91240B29-F687-4f45-9708-019B960494DF}">
-                <a14:hiddenLine xmlns="" xmlns:a14="http://schemas.microsoft.com/office/drawing/2010/main" w="9525">
+                <a14:hiddenLine xmlns:a14="http://schemas.microsoft.com/office/drawing/2010/main" xmlns="" w="9525">
                   <a:solidFill>
                     <a:srgbClr val="000000"/>
                   </a:solidFill>
@@ -1637,7 +1637,7 @@
             </a:ln>
             <a:extLst>
               <a:ext uri="{91240B29-F687-4f45-9708-019B960494DF}">
-                <a14:hiddenLine xmlns="" xmlns:a14="http://schemas.microsoft.com/office/drawing/2010/main" w="9525">
+                <a14:hiddenLine xmlns:a14="http://schemas.microsoft.com/office/drawing/2010/main" xmlns="" w="9525">
                   <a:solidFill>
                     <a:srgbClr val="000000"/>
                   </a:solidFill>
@@ -1727,7 +1727,7 @@
             </a:ln>
             <a:extLst>
               <a:ext uri="{91240B29-F687-4f45-9708-019B960494DF}">
-                <a14:hiddenLine xmlns="" xmlns:a14="http://schemas.microsoft.com/office/drawing/2010/main" w="9525">
+                <a14:hiddenLine xmlns:a14="http://schemas.microsoft.com/office/drawing/2010/main" xmlns="" w="9525">
                   <a:solidFill>
                     <a:srgbClr val="000000"/>
                   </a:solidFill>
@@ -1783,7 +1783,7 @@
             </a:ln>
             <a:extLst>
               <a:ext uri="{91240B29-F687-4f45-9708-019B960494DF}">
-                <a14:hiddenLine xmlns="" xmlns:a14="http://schemas.microsoft.com/office/drawing/2010/main" w="9525">
+                <a14:hiddenLine xmlns:a14="http://schemas.microsoft.com/office/drawing/2010/main" xmlns="" w="9525">
                   <a:solidFill>
                     <a:srgbClr val="000000"/>
                   </a:solidFill>
@@ -1873,7 +1873,7 @@
             </a:ln>
             <a:extLst>
               <a:ext uri="{91240B29-F687-4f45-9708-019B960494DF}">
-                <a14:hiddenLine xmlns="" xmlns:a14="http://schemas.microsoft.com/office/drawing/2010/main" w="9525">
+                <a14:hiddenLine xmlns:a14="http://schemas.microsoft.com/office/drawing/2010/main" xmlns="" w="9525">
                   <a:solidFill>
                     <a:srgbClr val="000000"/>
                   </a:solidFill>
@@ -1929,7 +1929,7 @@
             </a:ln>
             <a:extLst>
               <a:ext uri="{91240B29-F687-4f45-9708-019B960494DF}">
-                <a14:hiddenLine xmlns="" xmlns:a14="http://schemas.microsoft.com/office/drawing/2010/main" w="9525">
+                <a14:hiddenLine xmlns:a14="http://schemas.microsoft.com/office/drawing/2010/main" xmlns="" w="9525">
                   <a:solidFill>
                     <a:srgbClr val="000000"/>
                   </a:solidFill>
@@ -2019,7 +2019,7 @@
             </a:ln>
             <a:extLst>
               <a:ext uri="{91240B29-F687-4f45-9708-019B960494DF}">
-                <a14:hiddenLine xmlns="" xmlns:a14="http://schemas.microsoft.com/office/drawing/2010/main" w="9525">
+                <a14:hiddenLine xmlns:a14="http://schemas.microsoft.com/office/drawing/2010/main" xmlns="" w="9525">
                   <a:solidFill>
                     <a:srgbClr val="000000"/>
                   </a:solidFill>
@@ -2087,7 +2087,7 @@
             </a:ln>
             <a:extLst>
               <a:ext uri="{91240B29-F687-4f45-9708-019B960494DF}">
-                <a14:hiddenLine xmlns="" xmlns:a14="http://schemas.microsoft.com/office/drawing/2010/main" w="9525">
+                <a14:hiddenLine xmlns:a14="http://schemas.microsoft.com/office/drawing/2010/main" xmlns="" w="9525">
                   <a:solidFill>
                     <a:srgbClr val="000000"/>
                   </a:solidFill>
@@ -2177,7 +2177,7 @@
             </a:ln>
             <a:extLst>
               <a:ext uri="{91240B29-F687-4f45-9708-019B960494DF}">
-                <a14:hiddenLine xmlns="" xmlns:a14="http://schemas.microsoft.com/office/drawing/2010/main" w="9525">
+                <a14:hiddenLine xmlns:a14="http://schemas.microsoft.com/office/drawing/2010/main" xmlns="" w="9525">
                   <a:solidFill>
                     <a:srgbClr val="000000"/>
                   </a:solidFill>
@@ -2245,7 +2245,7 @@
             </a:ln>
             <a:extLst>
               <a:ext uri="{91240B29-F687-4f45-9708-019B960494DF}">
-                <a14:hiddenLine xmlns="" xmlns:a14="http://schemas.microsoft.com/office/drawing/2010/main" w="9525">
+                <a14:hiddenLine xmlns:a14="http://schemas.microsoft.com/office/drawing/2010/main" xmlns="" w="9525">
                   <a:solidFill>
                     <a:srgbClr val="000000"/>
                   </a:solidFill>
@@ -2335,7 +2335,7 @@
             </a:ln>
             <a:extLst>
               <a:ext uri="{91240B29-F687-4f45-9708-019B960494DF}">
-                <a14:hiddenLine xmlns="" xmlns:a14="http://schemas.microsoft.com/office/drawing/2010/main" w="9525">
+                <a14:hiddenLine xmlns:a14="http://schemas.microsoft.com/office/drawing/2010/main" xmlns="" w="9525">
                   <a:solidFill>
                     <a:srgbClr val="000000"/>
                   </a:solidFill>
@@ -2369,7 +2369,7 @@
             </a:ln>
             <a:extLst>
               <a:ext uri="{91240B29-F687-4f45-9708-019B960494DF}">
-                <a14:hiddenLine xmlns="" xmlns:a14="http://schemas.microsoft.com/office/drawing/2010/main" w="9525">
+                <a14:hiddenLine xmlns:a14="http://schemas.microsoft.com/office/drawing/2010/main" xmlns="" w="9525">
                   <a:solidFill>
                     <a:srgbClr val="000000"/>
                   </a:solidFill>
@@ -2459,7 +2459,7 @@
             </a:ln>
             <a:extLst>
               <a:ext uri="{91240B29-F687-4f45-9708-019B960494DF}">
-                <a14:hiddenLine xmlns="" xmlns:a14="http://schemas.microsoft.com/office/drawing/2010/main" w="9525">
+                <a14:hiddenLine xmlns:a14="http://schemas.microsoft.com/office/drawing/2010/main" xmlns="" w="9525">
                   <a:solidFill>
                     <a:srgbClr val="000000"/>
                   </a:solidFill>
@@ -2521,7 +2521,7 @@
             </a:ln>
             <a:extLst>
               <a:ext uri="{91240B29-F687-4f45-9708-019B960494DF}">
-                <a14:hiddenLine xmlns="" xmlns:a14="http://schemas.microsoft.com/office/drawing/2010/main" w="9525">
+                <a14:hiddenLine xmlns:a14="http://schemas.microsoft.com/office/drawing/2010/main" xmlns="" w="9525">
                   <a:solidFill>
                     <a:srgbClr val="000000"/>
                   </a:solidFill>
@@ -2583,7 +2583,7 @@
             </a:ln>
             <a:extLst>
               <a:ext uri="{91240B29-F687-4f45-9708-019B960494DF}">
-                <a14:hiddenLine xmlns="" xmlns:a14="http://schemas.microsoft.com/office/drawing/2010/main" w="9525">
+                <a14:hiddenLine xmlns:a14="http://schemas.microsoft.com/office/drawing/2010/main" xmlns="" w="9525">
                   <a:solidFill>
                     <a:srgbClr val="000000"/>
                   </a:solidFill>
@@ -2673,7 +2673,7 @@
             </a:ln>
             <a:extLst>
               <a:ext uri="{91240B29-F687-4f45-9708-019B960494DF}">
-                <a14:hiddenLine xmlns="" xmlns:a14="http://schemas.microsoft.com/office/drawing/2010/main" w="9525">
+                <a14:hiddenLine xmlns:a14="http://schemas.microsoft.com/office/drawing/2010/main" xmlns="" w="9525">
                   <a:solidFill>
                     <a:srgbClr val="000000"/>
                   </a:solidFill>
@@ -2741,7 +2741,7 @@
             </a:ln>
             <a:extLst>
               <a:ext uri="{91240B29-F687-4f45-9708-019B960494DF}">
-                <a14:hiddenLine xmlns="" xmlns:a14="http://schemas.microsoft.com/office/drawing/2010/main" w="9525">
+                <a14:hiddenLine xmlns:a14="http://schemas.microsoft.com/office/drawing/2010/main" xmlns="" w="9525">
                   <a:solidFill>
                     <a:srgbClr val="000000"/>
                   </a:solidFill>
@@ -2803,7 +2803,7 @@
             </a:ln>
             <a:extLst>
               <a:ext uri="{91240B29-F687-4f45-9708-019B960494DF}">
-                <a14:hiddenLine xmlns="" xmlns:a14="http://schemas.microsoft.com/office/drawing/2010/main" w="9525">
+                <a14:hiddenLine xmlns:a14="http://schemas.microsoft.com/office/drawing/2010/main" xmlns="" w="9525">
                   <a:solidFill>
                     <a:srgbClr val="000000"/>
                   </a:solidFill>
@@ -2893,7 +2893,7 @@
             </a:ln>
             <a:extLst>
               <a:ext uri="{91240B29-F687-4f45-9708-019B960494DF}">
-                <a14:hiddenLine xmlns="" xmlns:a14="http://schemas.microsoft.com/office/drawing/2010/main" w="9525">
+                <a14:hiddenLine xmlns:a14="http://schemas.microsoft.com/office/drawing/2010/main" xmlns="" w="9525">
                   <a:solidFill>
                     <a:srgbClr val="000000"/>
                   </a:solidFill>
@@ -2955,7 +2955,7 @@
             </a:ln>
             <a:extLst>
               <a:ext uri="{91240B29-F687-4f45-9708-019B960494DF}">
-                <a14:hiddenLine xmlns="" xmlns:a14="http://schemas.microsoft.com/office/drawing/2010/main" w="9525">
+                <a14:hiddenLine xmlns:a14="http://schemas.microsoft.com/office/drawing/2010/main" xmlns="" w="9525">
                   <a:solidFill>
                     <a:srgbClr val="000000"/>
                   </a:solidFill>
@@ -3045,7 +3045,7 @@
             </a:ln>
             <a:extLst>
               <a:ext uri="{91240B29-F687-4f45-9708-019B960494DF}">
-                <a14:hiddenLine xmlns="" xmlns:a14="http://schemas.microsoft.com/office/drawing/2010/main" w="9525">
+                <a14:hiddenLine xmlns:a14="http://schemas.microsoft.com/office/drawing/2010/main" xmlns="" w="9525">
                   <a:solidFill>
                     <a:srgbClr val="000000"/>
                   </a:solidFill>
@@ -3107,7 +3107,7 @@
             </a:ln>
             <a:extLst>
               <a:ext uri="{91240B29-F687-4f45-9708-019B960494DF}">
-                <a14:hiddenLine xmlns="" xmlns:a14="http://schemas.microsoft.com/office/drawing/2010/main" w="9525">
+                <a14:hiddenLine xmlns:a14="http://schemas.microsoft.com/office/drawing/2010/main" xmlns="" w="9525">
                   <a:solidFill>
                     <a:srgbClr val="000000"/>
                   </a:solidFill>
@@ -3197,7 +3197,7 @@
             </a:ln>
             <a:extLst>
               <a:ext uri="{91240B29-F687-4f45-9708-019B960494DF}">
-                <a14:hiddenLine xmlns="" xmlns:a14="http://schemas.microsoft.com/office/drawing/2010/main" w="9525">
+                <a14:hiddenLine xmlns:a14="http://schemas.microsoft.com/office/drawing/2010/main" xmlns="" w="9525">
                   <a:solidFill>
                     <a:srgbClr val="000000"/>
                   </a:solidFill>
@@ -3231,7 +3231,7 @@
             </a:ln>
             <a:extLst>
               <a:ext uri="{91240B29-F687-4f45-9708-019B960494DF}">
-                <a14:hiddenLine xmlns="" xmlns:a14="http://schemas.microsoft.com/office/drawing/2010/main" w="9525">
+                <a14:hiddenLine xmlns:a14="http://schemas.microsoft.com/office/drawing/2010/main" xmlns="" w="9525">
                   <a:solidFill>
                     <a:srgbClr val="000000"/>
                   </a:solidFill>
@@ -3296,7 +3296,7 @@
             </a:ln>
             <a:extLst>
               <a:ext uri="{91240B29-F687-4f45-9708-019B960494DF}">
-                <a14:hiddenLine xmlns="" xmlns:a14="http://schemas.microsoft.com/office/drawing/2010/main" w="9525">
+                <a14:hiddenLine xmlns:a14="http://schemas.microsoft.com/office/drawing/2010/main" xmlns="" w="9525">
                   <a:solidFill>
                     <a:srgbClr val="000000"/>
                   </a:solidFill>
@@ -3386,7 +3386,7 @@
             </a:ln>
             <a:extLst>
               <a:ext uri="{91240B29-F687-4f45-9708-019B960494DF}">
-                <a14:hiddenLine xmlns="" xmlns:a14="http://schemas.microsoft.com/office/drawing/2010/main" w="9525">
+                <a14:hiddenLine xmlns:a14="http://schemas.microsoft.com/office/drawing/2010/main" xmlns="" w="9525">
                   <a:solidFill>
                     <a:srgbClr val="000000"/>
                   </a:solidFill>
@@ -3448,7 +3448,7 @@
             </a:ln>
             <a:extLst>
               <a:ext uri="{91240B29-F687-4f45-9708-019B960494DF}">
-                <a14:hiddenLine xmlns="" xmlns:a14="http://schemas.microsoft.com/office/drawing/2010/main" w="9525">
+                <a14:hiddenLine xmlns:a14="http://schemas.microsoft.com/office/drawing/2010/main" xmlns="" w="9525">
                   <a:solidFill>
                     <a:srgbClr val="000000"/>
                   </a:solidFill>
@@ -3538,7 +3538,7 @@
             </a:ln>
             <a:extLst>
               <a:ext uri="{91240B29-F687-4f45-9708-019B960494DF}">
-                <a14:hiddenLine xmlns="" xmlns:a14="http://schemas.microsoft.com/office/drawing/2010/main" w="9525">
+                <a14:hiddenLine xmlns:a14="http://schemas.microsoft.com/office/drawing/2010/main" xmlns="" w="9525">
                   <a:solidFill>
                     <a:srgbClr val="000000"/>
                   </a:solidFill>
@@ -3628,7 +3628,7 @@
             </a:ln>
             <a:extLst>
               <a:ext uri="{91240B29-F687-4f45-9708-019B960494DF}">
-                <a14:hiddenLine xmlns="" xmlns:a14="http://schemas.microsoft.com/office/drawing/2010/main" w="9525">
+                <a14:hiddenLine xmlns:a14="http://schemas.microsoft.com/office/drawing/2010/main" xmlns="" w="9525">
                   <a:solidFill>
                     <a:srgbClr val="000000"/>
                   </a:solidFill>
@@ -3693,7 +3693,7 @@
             </a:ln>
             <a:extLst>
               <a:ext uri="{91240B29-F687-4f45-9708-019B960494DF}">
-                <a14:hiddenLine xmlns="" xmlns:a14="http://schemas.microsoft.com/office/drawing/2010/main" w="9525">
+                <a14:hiddenLine xmlns:a14="http://schemas.microsoft.com/office/drawing/2010/main" xmlns="" w="9525">
                   <a:solidFill>
                     <a:srgbClr val="000000"/>
                   </a:solidFill>
@@ -3755,7 +3755,7 @@
             </a:ln>
             <a:extLst>
               <a:ext uri="{91240B29-F687-4f45-9708-019B960494DF}">
-                <a14:hiddenLine xmlns="" xmlns:a14="http://schemas.microsoft.com/office/drawing/2010/main" w="9525">
+                <a14:hiddenLine xmlns:a14="http://schemas.microsoft.com/office/drawing/2010/main" xmlns="" w="9525">
                   <a:solidFill>
                     <a:srgbClr val="000000"/>
                   </a:solidFill>
@@ -3845,7 +3845,7 @@
             </a:ln>
             <a:extLst>
               <a:ext uri="{91240B29-F687-4f45-9708-019B960494DF}">
-                <a14:hiddenLine xmlns="" xmlns:a14="http://schemas.microsoft.com/office/drawing/2010/main" w="9525">
+                <a14:hiddenLine xmlns:a14="http://schemas.microsoft.com/office/drawing/2010/main" xmlns="" w="9525">
                   <a:solidFill>
                     <a:srgbClr val="000000"/>
                   </a:solidFill>
@@ -3935,7 +3935,7 @@
             </a:ln>
             <a:extLst>
               <a:ext uri="{91240B29-F687-4f45-9708-019B960494DF}">
-                <a14:hiddenLine xmlns="" xmlns:a14="http://schemas.microsoft.com/office/drawing/2010/main" w="9525">
+                <a14:hiddenLine xmlns:a14="http://schemas.microsoft.com/office/drawing/2010/main" xmlns="" w="9525">
                   <a:solidFill>
                     <a:srgbClr val="000000"/>
                   </a:solidFill>
@@ -3997,7 +3997,7 @@
             </a:ln>
             <a:extLst>
               <a:ext uri="{91240B29-F687-4f45-9708-019B960494DF}">
-                <a14:hiddenLine xmlns="" xmlns:a14="http://schemas.microsoft.com/office/drawing/2010/main" w="9525">
+                <a14:hiddenLine xmlns:a14="http://schemas.microsoft.com/office/drawing/2010/main" xmlns="" w="9525">
                   <a:solidFill>
                     <a:srgbClr val="000000"/>
                   </a:solidFill>
@@ -4117,7 +4117,7 @@
             </a:ln>
             <a:extLst>
               <a:ext uri="{91240B29-F687-4f45-9708-019B960494DF}">
-                <a14:hiddenLine xmlns="" xmlns:a14="http://schemas.microsoft.com/office/drawing/2010/main" w="9525">
+                <a14:hiddenLine xmlns:a14="http://schemas.microsoft.com/office/drawing/2010/main" xmlns="" w="9525">
                   <a:solidFill>
                     <a:srgbClr val="000000"/>
                   </a:solidFill>
@@ -4185,7 +4185,7 @@
             </a:ln>
             <a:extLst>
               <a:ext uri="{91240B29-F687-4f45-9708-019B960494DF}">
-                <a14:hiddenLine xmlns="" xmlns:a14="http://schemas.microsoft.com/office/drawing/2010/main" w="9525">
+                <a14:hiddenLine xmlns:a14="http://schemas.microsoft.com/office/drawing/2010/main" xmlns="" w="9525">
                   <a:solidFill>
                     <a:srgbClr val="000000"/>
                   </a:solidFill>
@@ -4275,7 +4275,7 @@
             </a:ln>
             <a:extLst>
               <a:ext uri="{91240B29-F687-4f45-9708-019B960494DF}">
-                <a14:hiddenLine xmlns="" xmlns:a14="http://schemas.microsoft.com/office/drawing/2010/main" w="9525">
+                <a14:hiddenLine xmlns:a14="http://schemas.microsoft.com/office/drawing/2010/main" xmlns="" w="9525">
                   <a:solidFill>
                     <a:srgbClr val="000000"/>
                   </a:solidFill>
@@ -9010,7 +9010,7 @@
           <a:noFill/>
           <a:extLst>
             <a:ext uri="{909E8E84-426E-40dd-AFC4-6F175D3DCCD1}">
-              <a14:hiddenFill xmlns="" xmlns:a14="http://schemas.microsoft.com/office/drawing/2010/main">
+              <a14:hiddenFill xmlns:a14="http://schemas.microsoft.com/office/drawing/2010/main" xmlns="">
                 <a:solidFill>
                   <a:srgbClr val="FFFFFF"/>
                 </a:solidFill>
@@ -9084,7 +9084,7 @@
               </a:ln>
               <a:extLst>
                 <a:ext uri="{91240B29-F687-4f45-9708-019B960494DF}">
-                  <a14:hiddenLine xmlns="" xmlns:a14="http://schemas.microsoft.com/office/drawing/2010/main" w="9525">
+                  <a14:hiddenLine xmlns:a14="http://schemas.microsoft.com/office/drawing/2010/main" xmlns="" w="9525">
                     <a:solidFill>
                       <a:srgbClr val="000000"/>
                     </a:solidFill>
@@ -9174,7 +9174,7 @@
               </a:ln>
               <a:extLst>
                 <a:ext uri="{91240B29-F687-4f45-9708-019B960494DF}">
-                  <a14:hiddenLine xmlns="" xmlns:a14="http://schemas.microsoft.com/office/drawing/2010/main" w="9525">
+                  <a14:hiddenLine xmlns:a14="http://schemas.microsoft.com/office/drawing/2010/main" xmlns="" w="9525">
                     <a:solidFill>
                       <a:srgbClr val="000000"/>
                     </a:solidFill>
@@ -9264,7 +9264,7 @@
               </a:ln>
               <a:extLst>
                 <a:ext uri="{91240B29-F687-4f45-9708-019B960494DF}">
-                  <a14:hiddenLine xmlns="" xmlns:a14="http://schemas.microsoft.com/office/drawing/2010/main" w="9525">
+                  <a14:hiddenLine xmlns:a14="http://schemas.microsoft.com/office/drawing/2010/main" xmlns="" w="9525">
                     <a:solidFill>
                       <a:srgbClr val="000000"/>
                     </a:solidFill>
@@ -9326,7 +9326,7 @@
               </a:ln>
               <a:extLst>
                 <a:ext uri="{91240B29-F687-4f45-9708-019B960494DF}">
-                  <a14:hiddenLine xmlns="" xmlns:a14="http://schemas.microsoft.com/office/drawing/2010/main" w="9525">
+                  <a14:hiddenLine xmlns:a14="http://schemas.microsoft.com/office/drawing/2010/main" xmlns="" w="9525">
                     <a:solidFill>
                       <a:srgbClr val="000000"/>
                     </a:solidFill>
@@ -9416,7 +9416,7 @@
               </a:ln>
               <a:extLst>
                 <a:ext uri="{91240B29-F687-4f45-9708-019B960494DF}">
-                  <a14:hiddenLine xmlns="" xmlns:a14="http://schemas.microsoft.com/office/drawing/2010/main" w="9525">
+                  <a14:hiddenLine xmlns:a14="http://schemas.microsoft.com/office/drawing/2010/main" xmlns="" w="9525">
                     <a:solidFill>
                       <a:srgbClr val="000000"/>
                     </a:solidFill>
@@ -9478,7 +9478,7 @@
               </a:ln>
               <a:extLst>
                 <a:ext uri="{91240B29-F687-4f45-9708-019B960494DF}">
-                  <a14:hiddenLine xmlns="" xmlns:a14="http://schemas.microsoft.com/office/drawing/2010/main" w="9525">
+                  <a14:hiddenLine xmlns:a14="http://schemas.microsoft.com/office/drawing/2010/main" xmlns="" w="9525">
                     <a:solidFill>
                       <a:srgbClr val="000000"/>
                     </a:solidFill>
@@ -9540,7 +9540,7 @@
               </a:ln>
               <a:extLst>
                 <a:ext uri="{91240B29-F687-4f45-9708-019B960494DF}">
-                  <a14:hiddenLine xmlns="" xmlns:a14="http://schemas.microsoft.com/office/drawing/2010/main" w="9525">
+                  <a14:hiddenLine xmlns:a14="http://schemas.microsoft.com/office/drawing/2010/main" xmlns="" w="9525">
                     <a:solidFill>
                       <a:srgbClr val="000000"/>
                     </a:solidFill>
@@ -9630,7 +9630,7 @@
               </a:ln>
               <a:extLst>
                 <a:ext uri="{91240B29-F687-4f45-9708-019B960494DF}">
-                  <a14:hiddenLine xmlns="" xmlns:a14="http://schemas.microsoft.com/office/drawing/2010/main" w="9525">
+                  <a14:hiddenLine xmlns:a14="http://schemas.microsoft.com/office/drawing/2010/main" xmlns="" w="9525">
                     <a:solidFill>
                       <a:srgbClr val="000000"/>
                     </a:solidFill>
@@ -9720,7 +9720,7 @@
               </a:ln>
               <a:extLst>
                 <a:ext uri="{91240B29-F687-4f45-9708-019B960494DF}">
-                  <a14:hiddenLine xmlns="" xmlns:a14="http://schemas.microsoft.com/office/drawing/2010/main" w="9525">
+                  <a14:hiddenLine xmlns:a14="http://schemas.microsoft.com/office/drawing/2010/main" xmlns="" w="9525">
                     <a:solidFill>
                       <a:srgbClr val="000000"/>
                     </a:solidFill>
@@ -9782,7 +9782,7 @@
               </a:ln>
               <a:extLst>
                 <a:ext uri="{91240B29-F687-4f45-9708-019B960494DF}">
-                  <a14:hiddenLine xmlns="" xmlns:a14="http://schemas.microsoft.com/office/drawing/2010/main" w="9525">
+                  <a14:hiddenLine xmlns:a14="http://schemas.microsoft.com/office/drawing/2010/main" xmlns="" w="9525">
                     <a:solidFill>
                       <a:srgbClr val="000000"/>
                     </a:solidFill>
@@ -9892,7 +9892,7 @@
               </a:ln>
               <a:extLst>
                 <a:ext uri="{91240B29-F687-4f45-9708-019B960494DF}">
-                  <a14:hiddenLine xmlns="" xmlns:a14="http://schemas.microsoft.com/office/drawing/2010/main" w="9525">
+                  <a14:hiddenLine xmlns:a14="http://schemas.microsoft.com/office/drawing/2010/main" xmlns="" w="9525">
                     <a:solidFill>
                       <a:srgbClr val="000000"/>
                     </a:solidFill>
@@ -9976,7 +9976,7 @@
               </a:ln>
               <a:extLst>
                 <a:ext uri="{91240B29-F687-4f45-9708-019B960494DF}">
-                  <a14:hiddenLine xmlns="" xmlns:a14="http://schemas.microsoft.com/office/drawing/2010/main" w="9525">
+                  <a14:hiddenLine xmlns:a14="http://schemas.microsoft.com/office/drawing/2010/main" xmlns="" w="9525">
                     <a:solidFill>
                       <a:srgbClr val="000000"/>
                     </a:solidFill>
@@ -10038,7 +10038,7 @@
               </a:ln>
               <a:extLst>
                 <a:ext uri="{91240B29-F687-4f45-9708-019B960494DF}">
-                  <a14:hiddenLine xmlns="" xmlns:a14="http://schemas.microsoft.com/office/drawing/2010/main" w="9525">
+                  <a14:hiddenLine xmlns:a14="http://schemas.microsoft.com/office/drawing/2010/main" xmlns="" w="9525">
                     <a:solidFill>
                       <a:srgbClr val="000000"/>
                     </a:solidFill>
@@ -10100,7 +10100,7 @@
               </a:ln>
               <a:extLst>
                 <a:ext uri="{91240B29-F687-4f45-9708-019B960494DF}">
-                  <a14:hiddenLine xmlns="" xmlns:a14="http://schemas.microsoft.com/office/drawing/2010/main" w="9525">
+                  <a14:hiddenLine xmlns:a14="http://schemas.microsoft.com/office/drawing/2010/main" xmlns="" w="9525">
                     <a:solidFill>
                       <a:srgbClr val="000000"/>
                     </a:solidFill>
@@ -10190,7 +10190,7 @@
               </a:ln>
               <a:extLst>
                 <a:ext uri="{91240B29-F687-4f45-9708-019B960494DF}">
-                  <a14:hiddenLine xmlns="" xmlns:a14="http://schemas.microsoft.com/office/drawing/2010/main" w="9525">
+                  <a14:hiddenLine xmlns:a14="http://schemas.microsoft.com/office/drawing/2010/main" xmlns="" w="9525">
                     <a:solidFill>
                       <a:srgbClr val="000000"/>
                     </a:solidFill>
@@ -10224,7 +10224,7 @@
               </a:ln>
               <a:extLst>
                 <a:ext uri="{91240B29-F687-4f45-9708-019B960494DF}">
-                  <a14:hiddenLine xmlns="" xmlns:a14="http://schemas.microsoft.com/office/drawing/2010/main" w="9525">
+                  <a14:hiddenLine xmlns:a14="http://schemas.microsoft.com/office/drawing/2010/main" xmlns="" w="9525">
                     <a:solidFill>
                       <a:srgbClr val="000000"/>
                     </a:solidFill>
@@ -10289,7 +10289,7 @@
               </a:ln>
               <a:extLst>
                 <a:ext uri="{91240B29-F687-4f45-9708-019B960494DF}">
-                  <a14:hiddenLine xmlns="" xmlns:a14="http://schemas.microsoft.com/office/drawing/2010/main" w="9525">
+                  <a14:hiddenLine xmlns:a14="http://schemas.microsoft.com/office/drawing/2010/main" xmlns="" w="9525">
                     <a:solidFill>
                       <a:srgbClr val="000000"/>
                     </a:solidFill>
@@ -10379,7 +10379,7 @@
               </a:ln>
               <a:extLst>
                 <a:ext uri="{91240B29-F687-4f45-9708-019B960494DF}">
-                  <a14:hiddenLine xmlns="" xmlns:a14="http://schemas.microsoft.com/office/drawing/2010/main" w="9525">
+                  <a14:hiddenLine xmlns:a14="http://schemas.microsoft.com/office/drawing/2010/main" xmlns="" w="9525">
                     <a:solidFill>
                       <a:srgbClr val="000000"/>
                     </a:solidFill>
@@ -10441,7 +10441,7 @@
               </a:ln>
               <a:extLst>
                 <a:ext uri="{91240B29-F687-4f45-9708-019B960494DF}">
-                  <a14:hiddenLine xmlns="" xmlns:a14="http://schemas.microsoft.com/office/drawing/2010/main" w="9525">
+                  <a14:hiddenLine xmlns:a14="http://schemas.microsoft.com/office/drawing/2010/main" xmlns="" w="9525">
                     <a:solidFill>
                       <a:srgbClr val="000000"/>
                     </a:solidFill>
@@ -10531,7 +10531,7 @@
               </a:ln>
               <a:extLst>
                 <a:ext uri="{91240B29-F687-4f45-9708-019B960494DF}">
-                  <a14:hiddenLine xmlns="" xmlns:a14="http://schemas.microsoft.com/office/drawing/2010/main" w="9525">
+                  <a14:hiddenLine xmlns:a14="http://schemas.microsoft.com/office/drawing/2010/main" xmlns="" w="9525">
                     <a:solidFill>
                       <a:srgbClr val="000000"/>
                     </a:solidFill>
@@ -10596,7 +10596,7 @@
               </a:ln>
               <a:extLst>
                 <a:ext uri="{91240B29-F687-4f45-9708-019B960494DF}">
-                  <a14:hiddenLine xmlns="" xmlns:a14="http://schemas.microsoft.com/office/drawing/2010/main" w="9525">
+                  <a14:hiddenLine xmlns:a14="http://schemas.microsoft.com/office/drawing/2010/main" xmlns="" w="9525">
                     <a:solidFill>
                       <a:srgbClr val="000000"/>
                     </a:solidFill>
@@ -10658,7 +10658,7 @@
               </a:ln>
               <a:extLst>
                 <a:ext uri="{91240B29-F687-4f45-9708-019B960494DF}">
-                  <a14:hiddenLine xmlns="" xmlns:a14="http://schemas.microsoft.com/office/drawing/2010/main" w="9525">
+                  <a14:hiddenLine xmlns:a14="http://schemas.microsoft.com/office/drawing/2010/main" xmlns="" w="9525">
                     <a:solidFill>
                       <a:srgbClr val="000000"/>
                     </a:solidFill>
@@ -10748,7 +10748,7 @@
               </a:ln>
               <a:extLst>
                 <a:ext uri="{91240B29-F687-4f45-9708-019B960494DF}">
-                  <a14:hiddenLine xmlns="" xmlns:a14="http://schemas.microsoft.com/office/drawing/2010/main" w="9525">
+                  <a14:hiddenLine xmlns:a14="http://schemas.microsoft.com/office/drawing/2010/main" xmlns="" w="9525">
                     <a:solidFill>
                       <a:srgbClr val="000000"/>
                     </a:solidFill>
@@ -10838,7 +10838,7 @@
               </a:ln>
               <a:extLst>
                 <a:ext uri="{91240B29-F687-4f45-9708-019B960494DF}">
-                  <a14:hiddenLine xmlns="" xmlns:a14="http://schemas.microsoft.com/office/drawing/2010/main" w="9525">
+                  <a14:hiddenLine xmlns:a14="http://schemas.microsoft.com/office/drawing/2010/main" xmlns="" w="9525">
                     <a:solidFill>
                       <a:srgbClr val="000000"/>
                     </a:solidFill>
@@ -10903,7 +10903,7 @@
               </a:ln>
               <a:extLst>
                 <a:ext uri="{91240B29-F687-4f45-9708-019B960494DF}">
-                  <a14:hiddenLine xmlns="" xmlns:a14="http://schemas.microsoft.com/office/drawing/2010/main" w="9525">
+                  <a14:hiddenLine xmlns:a14="http://schemas.microsoft.com/office/drawing/2010/main" xmlns="" w="9525">
                     <a:solidFill>
                       <a:srgbClr val="000000"/>
                     </a:solidFill>
@@ -11023,7 +11023,7 @@
               </a:ln>
               <a:extLst>
                 <a:ext uri="{91240B29-F687-4f45-9708-019B960494DF}">
-                  <a14:hiddenLine xmlns="" xmlns:a14="http://schemas.microsoft.com/office/drawing/2010/main" w="9525">
+                  <a14:hiddenLine xmlns:a14="http://schemas.microsoft.com/office/drawing/2010/main" xmlns="" w="9525">
                     <a:solidFill>
                       <a:srgbClr val="000000"/>
                     </a:solidFill>
@@ -11104,7 +11104,7 @@
               </a:ln>
               <a:extLst>
                 <a:ext uri="{91240B29-F687-4f45-9708-019B960494DF}">
-                  <a14:hiddenLine xmlns="" xmlns:a14="http://schemas.microsoft.com/office/drawing/2010/main" w="9525">
+                  <a14:hiddenLine xmlns:a14="http://schemas.microsoft.com/office/drawing/2010/main" xmlns="" w="9525">
                     <a:solidFill>
                       <a:srgbClr val="000000"/>
                     </a:solidFill>
@@ -11219,7 +11219,7 @@
               </a:ln>
               <a:extLst>
                 <a:ext uri="{91240B29-F687-4f45-9708-019B960494DF}">
-                  <a14:hiddenLine xmlns="" xmlns:a14="http://schemas.microsoft.com/office/drawing/2010/main" w="9525">
+                  <a14:hiddenLine xmlns:a14="http://schemas.microsoft.com/office/drawing/2010/main" xmlns="" w="9525">
                     <a:solidFill>
                       <a:srgbClr val="000000"/>
                     </a:solidFill>
@@ -11309,7 +11309,7 @@
               </a:ln>
               <a:extLst>
                 <a:ext uri="{91240B29-F687-4f45-9708-019B960494DF}">
-                  <a14:hiddenLine xmlns="" xmlns:a14="http://schemas.microsoft.com/office/drawing/2010/main" w="9525">
+                  <a14:hiddenLine xmlns:a14="http://schemas.microsoft.com/office/drawing/2010/main" xmlns="" w="9525">
                     <a:solidFill>
                       <a:srgbClr val="000000"/>
                     </a:solidFill>
@@ -11374,7 +11374,7 @@
               </a:ln>
               <a:extLst>
                 <a:ext uri="{91240B29-F687-4f45-9708-019B960494DF}">
-                  <a14:hiddenLine xmlns="" xmlns:a14="http://schemas.microsoft.com/office/drawing/2010/main" w="9525">
+                  <a14:hiddenLine xmlns:a14="http://schemas.microsoft.com/office/drawing/2010/main" xmlns="" w="9525">
                     <a:solidFill>
                       <a:srgbClr val="000000"/>
                     </a:solidFill>
@@ -11464,7 +11464,7 @@
               </a:ln>
               <a:extLst>
                 <a:ext uri="{91240B29-F687-4f45-9708-019B960494DF}">
-                  <a14:hiddenLine xmlns="" xmlns:a14="http://schemas.microsoft.com/office/drawing/2010/main" w="9525">
+                  <a14:hiddenLine xmlns:a14="http://schemas.microsoft.com/office/drawing/2010/main" xmlns="" w="9525">
                     <a:solidFill>
                       <a:srgbClr val="000000"/>
                     </a:solidFill>
@@ -11532,7 +11532,7 @@
               </a:ln>
               <a:extLst>
                 <a:ext uri="{91240B29-F687-4f45-9708-019B960494DF}">
-                  <a14:hiddenLine xmlns="" xmlns:a14="http://schemas.microsoft.com/office/drawing/2010/main" w="9525">
+                  <a14:hiddenLine xmlns:a14="http://schemas.microsoft.com/office/drawing/2010/main" xmlns="" w="9525">
                     <a:solidFill>
                       <a:srgbClr val="000000"/>
                     </a:solidFill>
@@ -11622,7 +11622,7 @@
               </a:ln>
               <a:extLst>
                 <a:ext uri="{91240B29-F687-4f45-9708-019B960494DF}">
-                  <a14:hiddenLine xmlns="" xmlns:a14="http://schemas.microsoft.com/office/drawing/2010/main" w="9525">
+                  <a14:hiddenLine xmlns:a14="http://schemas.microsoft.com/office/drawing/2010/main" xmlns="" w="9525">
                     <a:solidFill>
                       <a:srgbClr val="000000"/>
                     </a:solidFill>
@@ -11690,7 +11690,7 @@
               </a:ln>
               <a:extLst>
                 <a:ext uri="{91240B29-F687-4f45-9708-019B960494DF}">
-                  <a14:hiddenLine xmlns="" xmlns:a14="http://schemas.microsoft.com/office/drawing/2010/main" w="9525">
+                  <a14:hiddenLine xmlns:a14="http://schemas.microsoft.com/office/drawing/2010/main" xmlns="" w="9525">
                     <a:solidFill>
                       <a:srgbClr val="000000"/>
                     </a:solidFill>
@@ -11780,7 +11780,7 @@
               </a:ln>
               <a:extLst>
                 <a:ext uri="{91240B29-F687-4f45-9708-019B960494DF}">
-                  <a14:hiddenLine xmlns="" xmlns:a14="http://schemas.microsoft.com/office/drawing/2010/main" w="9525">
+                  <a14:hiddenLine xmlns:a14="http://schemas.microsoft.com/office/drawing/2010/main" xmlns="" w="9525">
                     <a:solidFill>
                       <a:srgbClr val="000000"/>
                     </a:solidFill>
@@ -11814,7 +11814,7 @@
               </a:ln>
               <a:extLst>
                 <a:ext uri="{91240B29-F687-4f45-9708-019B960494DF}">
-                  <a14:hiddenLine xmlns="" xmlns:a14="http://schemas.microsoft.com/office/drawing/2010/main" w="9525">
+                  <a14:hiddenLine xmlns:a14="http://schemas.microsoft.com/office/drawing/2010/main" xmlns="" w="9525">
                     <a:solidFill>
                       <a:srgbClr val="000000"/>
                     </a:solidFill>
@@ -14014,37 +14014,6 @@
       </p:grpSpPr>
       <p:sp>
         <p:nvSpPr>
-          <p:cNvPr id="2" name="Title 1">
-            <a:extLst>
-              <a:ext uri="{FF2B5EF4-FFF2-40B4-BE49-F238E27FC236}">
-                <a16:creationId xmlns:a16="http://schemas.microsoft.com/office/drawing/2014/main" id="{124E0F96-39E7-45FD-AEC5-6B20FFFACC01}"/>
-              </a:ext>
-            </a:extLst>
-          </p:cNvPr>
-          <p:cNvSpPr>
-            <a:spLocks noGrp="1"/>
-          </p:cNvSpPr>
-          <p:nvPr>
-            <p:ph type="title"/>
-          </p:nvPr>
-        </p:nvSpPr>
-        <p:spPr>
-          <a:xfrm>
-            <a:off x="1141413" y="618518"/>
-            <a:ext cx="9905998" cy="1478570"/>
-          </a:xfrm>
-        </p:spPr>
-        <p:txBody>
-          <a:bodyPr/>
-          <a:lstStyle/>
-          <a:p>
-            <a:pPr algn="ctr"/>
-            <a:endParaRPr lang="fa-IR" dirty="0"/>
-          </a:p>
-        </p:txBody>
-      </p:sp>
-      <p:sp>
-        <p:nvSpPr>
           <p:cNvPr id="3" name="Content Placeholder 2">
             <a:extLst>
               <a:ext uri="{FF2B5EF4-FFF2-40B4-BE49-F238E27FC236}">
@@ -14516,34 +14485,21 @@
         <p:spPr/>
         <p:txBody>
           <a:bodyPr>
-            <a:normAutofit fontScale="92500" lnSpcReduction="10000"/>
+            <a:normAutofit/>
           </a:bodyPr>
           <a:lstStyle/>
           <a:p>
             <a:r>
               <a:rPr lang="fa-IR" dirty="0"/>
-              <a:t>در کلاس </a:t>
-            </a:r>
-            <a:r>
-              <a:rPr lang="en-US" dirty="0"/>
-              <a:t>piece</a:t>
-            </a:r>
-            <a:r>
-              <a:rPr lang="fa-IR" dirty="0"/>
-              <a:t> هر کدام از مهره ها کلاسی به صورت زیر دارند که از کلاس </a:t>
+              <a:t>هر کدام از مهره ها کلاسی به صورت زیر دارند که از کلاس </a:t>
             </a:r>
             <a:r>
               <a:rPr lang="en-US" dirty="0"/>
               <a:t>piece </a:t>
             </a:r>
-          </a:p>
-          <a:p>
-            <a:pPr marL="0" indent="0">
-              <a:buNone/>
-            </a:pPr>
             <a:r>
               <a:rPr lang="fa-IR" dirty="0"/>
-              <a:t>ارث بری انجام میدهد.</a:t>
+              <a:t> ارث می‌برند.</a:t>
             </a:r>
           </a:p>
           <a:p>
